--- a/ee521_julia_plan.pptx
+++ b/ee521_julia_plan.pptx
@@ -152,10 +152,38 @@
 <file path=ppt/revisionInfo.xml><?xml version="1.0" encoding="utf-8"?>
 <p1510:revInfo xmlns:a="http://schemas.openxmlformats.org/drawingml/2006/main" xmlns:r="http://schemas.openxmlformats.org/officeDocument/2006/relationships" xmlns:p1510="http://schemas.microsoft.com/office/powerpoint/2015/10/main">
   <p1510:revLst>
-    <p1510:client id="{229B587D-9ECE-4758-8657-B1BDEE968596}" v="65" dt="2023-05-26T20:33:11.676"/>
-    <p1510:client id="{5258570A-0731-4E61-9693-050E155D6A1A}" v="472" dt="2023-05-26T23:02:05.493"/>
+    <p1510:client id="{59271A2F-800F-4122-AAC7-0E7320B692D6}" v="22" dt="2023-06-06T05:23:05.912"/>
   </p1510:revLst>
 </p1510:revInfo>
+</file>
+
+<file path=ppt/changesInfos/changesInfo1.xml><?xml version="1.0" encoding="utf-8"?>
+<pc:chgInfo xmlns:a="http://schemas.openxmlformats.org/drawingml/2006/main" xmlns:r="http://schemas.openxmlformats.org/officeDocument/2006/relationships" xmlns:ac="http://schemas.microsoft.com/office/drawing/2013/main/command" xmlns:pc="http://schemas.microsoft.com/office/powerpoint/2013/main/command">
+  <pc:docChgLst>
+    <pc:chgData name="Jha, Aryan Ritwajeet" userId="2aad577e-539b-449b-83a6-8d411f484b4d" providerId="ADAL" clId="{59271A2F-800F-4122-AAC7-0E7320B692D6}"/>
+    <pc:docChg chg="modSld">
+      <pc:chgData name="Jha, Aryan Ritwajeet" userId="2aad577e-539b-449b-83a6-8d411f484b4d" providerId="ADAL" clId="{59271A2F-800F-4122-AAC7-0E7320B692D6}" dt="2023-06-06T05:23:01.524" v="20" actId="20577"/>
+      <pc:docMkLst>
+        <pc:docMk/>
+      </pc:docMkLst>
+      <pc:sldChg chg="modSp mod">
+        <pc:chgData name="Jha, Aryan Ritwajeet" userId="2aad577e-539b-449b-83a6-8d411f484b4d" providerId="ADAL" clId="{59271A2F-800F-4122-AAC7-0E7320B692D6}" dt="2023-06-06T05:23:01.524" v="20" actId="20577"/>
+        <pc:sldMkLst>
+          <pc:docMk/>
+          <pc:sldMk cId="1141745103" sldId="294"/>
+        </pc:sldMkLst>
+        <pc:spChg chg="mod">
+          <ac:chgData name="Jha, Aryan Ritwajeet" userId="2aad577e-539b-449b-83a6-8d411f484b4d" providerId="ADAL" clId="{59271A2F-800F-4122-AAC7-0E7320B692D6}" dt="2023-06-06T05:23:01.524" v="20" actId="20577"/>
+          <ac:spMkLst>
+            <pc:docMk/>
+            <pc:sldMk cId="1141745103" sldId="294"/>
+            <ac:spMk id="3" creationId="{3867C106-46B0-FE1A-BABF-5078A19ABE82}"/>
+          </ac:spMkLst>
+        </pc:spChg>
+      </pc:sldChg>
+    </pc:docChg>
+  </pc:docChgLst>
+</pc:chgInfo>
 </file>
 
 <file path=ppt/diagrams/colors1.xml><?xml version="1.0" encoding="utf-8"?>
@@ -6500,7 +6528,7 @@
           <a:lstStyle/>
           <a:p>
             <a:pPr algn="ctr"/>
-            <a:endParaRPr lang="en-US" dirty="0"/>
+            <a:endParaRPr lang="en-US"/>
           </a:p>
         </p:txBody>
       </p:sp>
@@ -6533,22 +6561,22 @@
           <a:lstStyle/>
           <a:p>
             <a:r>
-              <a:rPr lang="en-US" sz="4300" b="1" dirty="0">
+              <a:rPr lang="en-US" sz="4300" b="1">
                 <a:latin typeface="Montserrat" panose="00000500000000000000" pitchFamily="2" charset="0"/>
               </a:rPr>
               <a:t>EE 521 Analysis of Power Systems</a:t>
             </a:r>
             <a:br>
-              <a:rPr lang="en-US" sz="4300" b="1" dirty="0"/>
+              <a:rPr lang="en-US" sz="4300" b="1"/>
             </a:br>
             <a:r>
-              <a:rPr lang="en-US" sz="4300" b="1" i="1" dirty="0">
+              <a:rPr lang="en-US" sz="4300" b="1" i="1">
                 <a:latin typeface="Baguet Script" panose="00000500000000000000" pitchFamily="2" charset="0"/>
               </a:rPr>
               <a:t>In </a:t>
             </a:r>
             <a:r>
-              <a:rPr lang="en-US" sz="4300" b="1" i="1" dirty="0">
+              <a:rPr lang="en-US" sz="4300" b="1" i="1">
                 <a:solidFill>
                   <a:srgbClr val="7030A0"/>
                 </a:solidFill>
@@ -6557,7 +6585,7 @@
               <a:t>Julia</a:t>
             </a:r>
             <a:r>
-              <a:rPr lang="en-US" sz="4300" b="1" i="1" dirty="0">
+              <a:rPr lang="en-US" sz="4300" b="1" i="1">
                 <a:latin typeface="Baguet Script" panose="00000500000000000000" pitchFamily="2" charset="0"/>
               </a:rPr>
               <a:t> </a:t>
@@ -7589,7 +7617,7 @@
                 </a:spcAft>
               </a:pPr>
               <a:r>
-                <a:rPr lang="en-US" sz="2000" dirty="0"/>
+                <a:rPr lang="en-US" sz="2000"/>
                 <a:t>Aryan Ritwajeet Jha</a:t>
               </a:r>
             </a:p>
@@ -7639,14 +7667,14 @@
             <a:lstStyle/>
             <a:p>
               <a:r>
-                <a:rPr lang="en-US" sz="1800" dirty="0" err="1"/>
+                <a:rPr lang="en-US" sz="1800" err="1"/>
                 <a:t>Ninad</a:t>
               </a:r>
               <a:r>
-                <a:rPr lang="en-US" sz="1800" dirty="0"/>
+                <a:rPr lang="en-US" sz="1800"/>
                 <a:t> Kiran Gaikwad</a:t>
               </a:r>
-              <a:endParaRPr lang="en-IN" dirty="0"/>
+              <a:endParaRPr lang="en-IN"/>
             </a:p>
           </p:txBody>
         </p:sp>
@@ -7694,10 +7722,10 @@
             <a:lstStyle/>
             <a:p>
               <a:r>
-                <a:rPr lang="en-US" sz="1800" dirty="0"/>
+                <a:rPr lang="en-US" sz="1800"/>
                 <a:t>Sajjad Uddin Mahmud</a:t>
               </a:r>
-              <a:endParaRPr lang="en-IN" dirty="0"/>
+              <a:endParaRPr lang="en-IN"/>
             </a:p>
           </p:txBody>
         </p:sp>
@@ -7861,7 +7889,7 @@
           <a:lstStyle/>
           <a:p>
             <a:pPr algn="ctr"/>
-            <a:endParaRPr lang="en-US" dirty="0"/>
+            <a:endParaRPr lang="en-US"/>
           </a:p>
         </p:txBody>
       </p:sp>
@@ -7971,7 +7999,7 @@
           <a:lstStyle/>
           <a:p>
             <a:pPr algn="ctr"/>
-            <a:endParaRPr lang="en-US" dirty="0"/>
+            <a:endParaRPr lang="en-US"/>
           </a:p>
         </p:txBody>
       </p:sp>
@@ -8094,7 +8122,7 @@
           <a:lstStyle/>
           <a:p>
             <a:r>
-              <a:rPr lang="en-US" sz="2600" dirty="0">
+              <a:rPr lang="en-US" sz="2600">
                 <a:cs typeface="Calibri Light"/>
               </a:rPr>
               <a:t>Current Objective: Develop a One-Page Abstract for the proposed Julia Package</a:t>
@@ -8145,7 +8173,7 @@
           <a:lstStyle/>
           <a:p>
             <a:r>
-              <a:rPr lang="en-US" sz="1800" dirty="0">
+              <a:rPr lang="en-US" sz="1800">
                 <a:cs typeface="Calibri"/>
               </a:rPr>
               <a:t>We should be giving the package a name, right?</a:t>
@@ -8153,7 +8181,7 @@
           </a:p>
           <a:p>
             <a:r>
-              <a:rPr lang="en-US" sz="1800" dirty="0">
+              <a:rPr lang="en-US" sz="1800">
                 <a:cs typeface="Calibri"/>
               </a:rPr>
               <a:t>Submission Title?</a:t>
@@ -8161,7 +8189,7 @@
           </a:p>
           <a:p>
             <a:r>
-              <a:rPr lang="en-US" sz="1800" dirty="0">
+              <a:rPr lang="en-US" sz="1800">
                 <a:cs typeface="Calibri"/>
               </a:rPr>
               <a:t>Author List? Can authorship order be changed during the actual submission?</a:t>
@@ -8169,7 +8197,7 @@
           </a:p>
           <a:p>
             <a:r>
-              <a:rPr lang="en-US" sz="1800" dirty="0">
+              <a:rPr lang="en-US" sz="1800">
                 <a:cs typeface="Calibri"/>
               </a:rPr>
               <a:t>Can new people be added during the actual submission?</a:t>
@@ -8505,7 +8533,7 @@
           <a:lstStyle/>
           <a:p>
             <a:r>
-              <a:rPr lang="en-US" dirty="0">
+              <a:rPr lang="en-US">
                 <a:cs typeface="Calibri"/>
               </a:rPr>
               <a:t>I have checked three items in the full list (denoted by a green 'check' symbol).</a:t>
@@ -8513,7 +8541,7 @@
           </a:p>
           <a:p>
             <a:r>
-              <a:rPr lang="en-US" dirty="0">
+              <a:rPr lang="en-US">
                 <a:cs typeface="Calibri"/>
               </a:rPr>
               <a:t>The next two pages contain the 33 items given on the PSCC website, once the user enters Submission mode.</a:t>
@@ -8521,7 +8549,7 @@
           </a:p>
           <a:p>
             <a:r>
-              <a:rPr lang="en-US" dirty="0">
+              <a:rPr lang="en-US">
                 <a:cs typeface="Calibri"/>
               </a:rPr>
               <a:t>Do you agree with my checked items?</a:t>
@@ -8702,7 +8730,7 @@
           <a:p>
             <a:pPr algn="ctr"/>
             <a:r>
-              <a:rPr lang="en-US" sz="2800" kern="1200" dirty="0">
+              <a:rPr lang="en-US" sz="2800" kern="1200">
                 <a:solidFill>
                   <a:srgbClr val="FFFFFF"/>
                 </a:solidFill>
@@ -8713,7 +8741,7 @@
               <a:t>Current Objective: Develop a One-Page Abstract for the proposed Julia Package</a:t>
             </a:r>
             <a:r>
-              <a:rPr lang="en-US" sz="2800" dirty="0">
+              <a:rPr lang="en-US" sz="2800">
                 <a:solidFill>
                   <a:srgbClr val="FFFFFF"/>
                 </a:solidFill>
@@ -8721,7 +8749,7 @@
               <a:t>:</a:t>
             </a:r>
             <a:br>
-              <a:rPr lang="en-US" sz="2800" dirty="0">
+              <a:rPr lang="en-US" sz="2800">
                 <a:solidFill>
                   <a:srgbClr val="FFFFFF"/>
                 </a:solidFill>
@@ -8729,7 +8757,7 @@
               </a:rPr>
             </a:br>
             <a:r>
-              <a:rPr lang="en-US" sz="2800" dirty="0">
+              <a:rPr lang="en-US" sz="2800">
                 <a:solidFill>
                   <a:srgbClr val="FFFFFF"/>
                 </a:solidFill>
@@ -8737,7 +8765,7 @@
               </a:rPr>
               <a:t>Page 1 of 2.</a:t>
             </a:r>
-            <a:endParaRPr lang="en-US" sz="2800" kern="1200" dirty="0">
+            <a:endParaRPr lang="en-US" sz="2800" kern="1200">
               <a:solidFill>
                 <a:srgbClr val="FFFFFF"/>
               </a:solidFill>
@@ -8926,7 +8954,7 @@
           <a:lstStyle/>
           <a:p>
             <a:r>
-              <a:rPr lang="en-IN" dirty="0"/>
+              <a:rPr lang="en-IN"/>
               <a:t>‘Power system planning and operation’ contains Power System Analysis, right?</a:t>
             </a:r>
           </a:p>
@@ -9071,7 +9099,7 @@
           <a:p>
             <a:pPr algn="ctr"/>
             <a:r>
-              <a:rPr lang="en-US" sz="2800" kern="1200" dirty="0">
+              <a:rPr lang="en-US" sz="2800" kern="1200">
                 <a:solidFill>
                   <a:srgbClr val="FFFFFF"/>
                 </a:solidFill>
@@ -9082,7 +9110,7 @@
               <a:t>Current Objective: Develop a One-Page Abstract for the proposed Julia Package</a:t>
             </a:r>
             <a:r>
-              <a:rPr lang="en-US" sz="2800" dirty="0">
+              <a:rPr lang="en-US" sz="2800">
                 <a:solidFill>
                   <a:srgbClr val="FFFFFF"/>
                 </a:solidFill>
@@ -9090,7 +9118,7 @@
               <a:t>:</a:t>
             </a:r>
             <a:br>
-              <a:rPr lang="en-US" sz="2800" dirty="0">
+              <a:rPr lang="en-US" sz="2800">
                 <a:solidFill>
                   <a:srgbClr val="FFFFFF"/>
                 </a:solidFill>
@@ -9098,7 +9126,7 @@
               </a:rPr>
             </a:br>
             <a:r>
-              <a:rPr lang="en-US" sz="2800" dirty="0">
+              <a:rPr lang="en-US" sz="2800">
                 <a:solidFill>
                   <a:srgbClr val="FFFFFF"/>
                 </a:solidFill>
@@ -9106,7 +9134,7 @@
               </a:rPr>
               <a:t>Page 2 of 2.</a:t>
             </a:r>
-            <a:endParaRPr lang="en-US" sz="2800" kern="1200" dirty="0">
+            <a:endParaRPr lang="en-US" sz="2800" kern="1200">
               <a:solidFill>
                 <a:srgbClr val="FFFFFF"/>
               </a:solidFill>
@@ -9239,10 +9267,10 @@
           <a:lstStyle/>
           <a:p>
             <a:r>
-              <a:rPr lang="en-US" dirty="0"/>
+              <a:rPr lang="en-US"/>
               <a:t>Collaboration in GitHub</a:t>
             </a:r>
-            <a:endParaRPr lang="en-IN" dirty="0"/>
+            <a:endParaRPr lang="en-IN"/>
           </a:p>
         </p:txBody>
       </p:sp>
@@ -9270,86 +9298,81 @@
           <a:lstStyle/>
           <a:p>
             <a:r>
-              <a:rPr lang="en-US" dirty="0"/>
+              <a:rPr lang="en-US"/>
               <a:t>My knowledge of GitHub is very rudimentary. </a:t>
             </a:r>
           </a:p>
           <a:p>
             <a:pPr lvl="1"/>
             <a:r>
-              <a:rPr lang="en-US" dirty="0"/>
-              <a:t>Before starting to work on a new function in your branch, check that your branch is up to date with the latest functionalities of the main branch. You can use Branch-&gt;Update with main branch for </a:t>
-            </a:r>
-            <a:r>
               <a:rPr lang="en-US"/>
-              <a:t>the same.</a:t>
-            </a:r>
-            <a:endParaRPr lang="en-US" dirty="0"/>
+              <a:t>Before starting to work on a new function in your branch, check that your branch is up to date with the latest functionalities of the main branch. You can use Branch-&gt;Update with main branch for the same.</a:t>
+            </a:r>
           </a:p>
           <a:p>
             <a:pPr lvl="1"/>
             <a:r>
-              <a:rPr lang="en-US" dirty="0"/>
+              <a:rPr lang="en-US"/>
               <a:t>Accepting a Pull Request (which means adding stuff from your branch to the main branch) best works when there are little to no conflicts.</a:t>
             </a:r>
           </a:p>
           <a:p>
             <a:pPr lvl="1"/>
             <a:r>
-              <a:rPr lang="en-US" dirty="0"/>
+              <a:rPr lang="en-US"/>
               <a:t>To make sure that there are little to no conflict:</a:t>
             </a:r>
           </a:p>
           <a:p>
             <a:pPr lvl="2"/>
             <a:r>
-              <a:rPr lang="en-US" dirty="0"/>
+              <a:rPr lang="en-US"/>
               <a:t>Use your dedicated test file for testing the functions you’re creating.</a:t>
             </a:r>
           </a:p>
           <a:p>
             <a:pPr lvl="2"/>
             <a:r>
-              <a:rPr lang="en-US" dirty="0"/>
+              <a:rPr lang="en-US"/>
               <a:t>Write your functions in a separate module.</a:t>
             </a:r>
           </a:p>
           <a:p>
             <a:pPr lvl="2"/>
             <a:r>
-              <a:rPr lang="en-US" dirty="0"/>
+              <a:rPr lang="en-US"/>
               <a:t>Once you’re able to ascertain that your functions actually work, move them from that temporary module into the required module.</a:t>
             </a:r>
           </a:p>
           <a:p>
             <a:pPr lvl="2"/>
             <a:r>
-              <a:rPr lang="en-US" dirty="0"/>
+              <a:rPr lang="en-US"/>
               <a:t>If your function was NOT present in the required module, there will likely be no conflicts for merging.</a:t>
             </a:r>
           </a:p>
           <a:p>
             <a:pPr lvl="2"/>
             <a:r>
-              <a:rPr lang="en-US" dirty="0"/>
+              <a:rPr lang="en-US"/>
               <a:t>If your function has altered the state of the previous module, it will likely be the only conflict for merging, in which case you can confidently overwrite the previous code in </a:t>
             </a:r>
             <a:r>
-              <a:rPr lang="en-US" dirty="0" err="1"/>
+              <a:rPr lang="en-US" err="1"/>
               <a:t>th</a:t>
             </a:r>
             <a:r>
-              <a:rPr lang="en-US" dirty="0"/>
+              <a:rPr lang="en-US"/>
               <a:t> main branch, knowing that you’re the only one working on that function. </a:t>
             </a:r>
           </a:p>
           <a:p>
             <a:pPr lvl="1"/>
             <a:r>
-              <a:rPr lang="en-US" dirty="0"/>
+              <a:rPr lang="en-US"/>
               <a:t>If all else fails, we can always revert to a previous, working version of the main branch.	</a:t>
             </a:r>
-            <a:endParaRPr lang="en-IN" dirty="0"/>
+            <a:endParaRPr lang="en-IN"/>
           </a:p>
         </p:txBody>
       </p:sp>
@@ -9407,11 +9430,11 @@
           <a:lstStyle/>
           <a:p>
             <a:r>
-              <a:rPr lang="en-IN" dirty="0"/>
+              <a:rPr lang="en-IN"/>
               <a:t>Objective: Deploy a </a:t>
             </a:r>
             <a:r>
-              <a:rPr lang="en-IN" dirty="0">
+              <a:rPr lang="en-IN">
                 <a:solidFill>
                   <a:srgbClr val="7030A0"/>
                 </a:solidFill>
@@ -9419,18 +9442,18 @@
               <a:t>Julia</a:t>
             </a:r>
             <a:r>
-              <a:rPr lang="en-IN" dirty="0"/>
+              <a:rPr lang="en-IN"/>
               <a:t> package for Power System Analysis</a:t>
             </a:r>
             <a:br>
-              <a:rPr lang="en-IN" dirty="0"/>
+              <a:rPr lang="en-IN"/>
             </a:br>
             <a:r>
-              <a:rPr lang="en-IN" sz="2200" dirty="0"/>
+              <a:rPr lang="en-IN" sz="2200"/>
               <a:t>and possibly Power System Stability and Control too</a:t>
             </a:r>
             <a:r>
-              <a:rPr lang="en-IN" dirty="0"/>
+              <a:rPr lang="en-IN"/>
               <a:t>.</a:t>
             </a:r>
           </a:p>
@@ -9468,98 +9491,98 @@
               <a:buNone/>
             </a:pPr>
             <a:r>
-              <a:rPr lang="en-IN" sz="2600" dirty="0"/>
+              <a:rPr lang="en-IN" sz="2600"/>
               <a:t>What will be its contents?</a:t>
             </a:r>
           </a:p>
           <a:p>
             <a:pPr lvl="1"/>
             <a:r>
-              <a:rPr lang="en-IN" sz="2600" dirty="0"/>
+              <a:rPr lang="en-IN" sz="2600"/>
               <a:t>Same as the requirements of EE 521 (Analysis of Power Systems), which are:</a:t>
             </a:r>
           </a:p>
           <a:p>
             <a:pPr lvl="2"/>
             <a:r>
-              <a:rPr lang="en-IN" dirty="0"/>
+              <a:rPr lang="en-IN"/>
               <a:t>Power Flow (Newton Raphson Power Flow, Decoupled Power Flow, Fast Decoupled Power Flow).</a:t>
             </a:r>
           </a:p>
           <a:p>
             <a:pPr lvl="2"/>
             <a:r>
-              <a:rPr lang="en-IN" dirty="0"/>
+              <a:rPr lang="en-IN"/>
               <a:t>Sparse Power Flow</a:t>
             </a:r>
           </a:p>
           <a:p>
             <a:pPr lvl="2"/>
             <a:r>
-              <a:rPr lang="en-IN" dirty="0"/>
+              <a:rPr lang="en-IN"/>
               <a:t>Continuation Power Flow</a:t>
             </a:r>
           </a:p>
           <a:p>
             <a:pPr lvl="2"/>
             <a:r>
-              <a:rPr lang="en-IN" dirty="0"/>
+              <a:rPr lang="en-IN"/>
               <a:t>State Estimation in Power Systems</a:t>
             </a:r>
           </a:p>
           <a:p>
             <a:pPr lvl="2"/>
             <a:r>
-              <a:rPr lang="en-IN" dirty="0"/>
+              <a:rPr lang="en-IN"/>
               <a:t>Optimal Power Flow</a:t>
             </a:r>
           </a:p>
           <a:p>
             <a:pPr lvl="1"/>
             <a:r>
-              <a:rPr lang="en-IN" sz="2600" dirty="0"/>
+              <a:rPr lang="en-IN" sz="2600"/>
               <a:t>Possibly also the requirements of EE 523 (Power System Stability and Control):</a:t>
             </a:r>
           </a:p>
           <a:p>
             <a:pPr lvl="2"/>
             <a:r>
-              <a:rPr lang="en-IN" sz="2100" dirty="0"/>
+              <a:rPr lang="en-IN" sz="2100"/>
               <a:t>Power System Dynamic Initialization</a:t>
             </a:r>
           </a:p>
           <a:p>
             <a:pPr lvl="2"/>
             <a:r>
-              <a:rPr lang="en-IN" sz="2100" dirty="0"/>
+              <a:rPr lang="en-IN" sz="2100"/>
               <a:t>Small-Signal Stability Analysis</a:t>
             </a:r>
           </a:p>
           <a:p>
             <a:pPr lvl="2"/>
             <a:r>
-              <a:rPr lang="en-IN" sz="2100" dirty="0"/>
+              <a:rPr lang="en-IN" sz="2100"/>
               <a:t>Transient Stability Analysis</a:t>
             </a:r>
           </a:p>
           <a:p>
             <a:pPr lvl="1"/>
             <a:r>
-              <a:rPr lang="en-IN" dirty="0"/>
+              <a:rPr lang="en-IN"/>
               <a:t>A IEEE Common Data Format (CDF) parser in Julia, for reading the system data.</a:t>
             </a:r>
           </a:p>
           <a:p>
             <a:pPr lvl="1"/>
-            <a:endParaRPr lang="en-IN" dirty="0"/>
+            <a:endParaRPr lang="en-IN"/>
           </a:p>
           <a:p>
             <a:pPr lvl="1"/>
-            <a:endParaRPr lang="en-IN" dirty="0"/>
+            <a:endParaRPr lang="en-IN"/>
           </a:p>
           <a:p>
             <a:pPr lvl="1"/>
-            <a:endParaRPr lang="en-IN" dirty="0"/>
+            <a:endParaRPr lang="en-IN"/>
           </a:p>
         </p:txBody>
       </p:sp>
@@ -9617,11 +9640,11 @@
           <a:lstStyle/>
           <a:p>
             <a:r>
-              <a:rPr lang="en-IN" dirty="0"/>
+              <a:rPr lang="en-IN"/>
               <a:t>Objective: Deploy a </a:t>
             </a:r>
             <a:r>
-              <a:rPr lang="en-IN" dirty="0">
+              <a:rPr lang="en-IN">
                 <a:solidFill>
                   <a:srgbClr val="7030A0"/>
                 </a:solidFill>
@@ -9629,18 +9652,18 @@
               <a:t>Julia</a:t>
             </a:r>
             <a:r>
-              <a:rPr lang="en-IN" dirty="0"/>
+              <a:rPr lang="en-IN"/>
               <a:t> package for Power System Analysis</a:t>
             </a:r>
             <a:br>
-              <a:rPr lang="en-IN" dirty="0"/>
+              <a:rPr lang="en-IN"/>
             </a:br>
             <a:r>
-              <a:rPr lang="en-IN" sz="2200" dirty="0"/>
+              <a:rPr lang="en-IN" sz="2200"/>
               <a:t>and possibly Power System Stability and Control too</a:t>
             </a:r>
             <a:r>
-              <a:rPr lang="en-IN" dirty="0"/>
+              <a:rPr lang="en-IN"/>
               <a:t>.</a:t>
             </a:r>
           </a:p>
@@ -9678,25 +9701,25 @@
               <a:buNone/>
             </a:pPr>
             <a:r>
-              <a:rPr lang="en-IN" dirty="0"/>
+              <a:rPr lang="en-IN"/>
               <a:t>Why deploy this package?</a:t>
             </a:r>
           </a:p>
           <a:p>
             <a:pPr lvl="1"/>
             <a:r>
-              <a:rPr lang="en-IN" dirty="0"/>
+              <a:rPr lang="en-IN"/>
               <a:t>Two of us have to finish working on EE 521 projects anyway.</a:t>
             </a:r>
           </a:p>
           <a:p>
             <a:pPr lvl="1"/>
             <a:r>
-              <a:rPr lang="en-IN" dirty="0"/>
+              <a:rPr lang="en-IN"/>
               <a:t>Working on a large project like this is the best way to truly gain expertise in a new language, here </a:t>
             </a:r>
             <a:r>
-              <a:rPr lang="en-IN" dirty="0">
+              <a:rPr lang="en-IN">
                 <a:solidFill>
                   <a:srgbClr val="7030A0"/>
                 </a:solidFill>
@@ -9704,36 +9727,36 @@
               <a:t>Julia</a:t>
             </a:r>
             <a:r>
-              <a:rPr lang="en-IN" dirty="0"/>
+              <a:rPr lang="en-IN"/>
               <a:t>.</a:t>
             </a:r>
           </a:p>
           <a:p>
             <a:pPr lvl="1"/>
             <a:r>
-              <a:rPr lang="en-IN" dirty="0"/>
+              <a:rPr lang="en-IN"/>
               <a:t>We realized that codes written by the students, and codes available to the faculties are kind of outdated, generally with little to no scope of scalability, and therefore no scope of deployment.</a:t>
             </a:r>
           </a:p>
           <a:p>
             <a:pPr lvl="1"/>
-            <a:endParaRPr lang="en-IN" dirty="0"/>
+            <a:endParaRPr lang="en-IN"/>
           </a:p>
           <a:p>
             <a:pPr lvl="1"/>
-            <a:endParaRPr lang="en-IN" dirty="0"/>
+            <a:endParaRPr lang="en-IN"/>
           </a:p>
           <a:p>
             <a:pPr lvl="1"/>
-            <a:endParaRPr lang="en-IN" dirty="0"/>
+            <a:endParaRPr lang="en-IN"/>
           </a:p>
           <a:p>
             <a:pPr lvl="1"/>
-            <a:endParaRPr lang="en-IN" dirty="0"/>
+            <a:endParaRPr lang="en-IN"/>
           </a:p>
           <a:p>
             <a:pPr lvl="1"/>
-            <a:endParaRPr lang="en-IN" dirty="0"/>
+            <a:endParaRPr lang="en-IN"/>
           </a:p>
         </p:txBody>
       </p:sp>
@@ -9791,7 +9814,7 @@
           <a:lstStyle/>
           <a:p>
             <a:r>
-              <a:rPr lang="en-IN" dirty="0"/>
+              <a:rPr lang="en-IN"/>
               <a:t>A dedicated team at NREL has already been continuously working on Julia Power System packages for a few years.</a:t>
             </a:r>
           </a:p>
@@ -9861,16 +9884,16 @@
           <a:lstStyle/>
           <a:p>
             <a:r>
-              <a:rPr lang="en-IN" dirty="0"/>
+              <a:rPr lang="en-IN"/>
               <a:t>We do not intend to compete (and cannot compete) with these packages.</a:t>
             </a:r>
           </a:p>
           <a:p>
-            <a:endParaRPr lang="en-IN" dirty="0"/>
-          </a:p>
-          <a:p>
-            <a:r>
-              <a:rPr lang="en-IN" dirty="0"/>
+            <a:endParaRPr lang="en-IN"/>
+          </a:p>
+          <a:p>
+            <a:r>
+              <a:rPr lang="en-IN"/>
               <a:t>We have however identified a couple of niches.</a:t>
             </a:r>
           </a:p>
@@ -10194,7 +10217,6 @@
               <a:rPr lang="en-IN"/>
               <a:t>Niches fulfilled by our Julia package.</a:t>
             </a:r>
-            <a:endParaRPr lang="en-IN" dirty="0"/>
           </a:p>
         </p:txBody>
       </p:sp>
@@ -10438,29 +10460,29 @@
           <a:p>
             <a:pPr lvl="1"/>
             <a:r>
-              <a:rPr lang="en-IN" dirty="0"/>
+              <a:rPr lang="en-IN"/>
               <a:t>Our package (exclusively) works with IEEE Common Data Format files or IEEE CDF files, which </a:t>
             </a:r>
             <a:r>
-              <a:rPr lang="en-IN" dirty="0" err="1"/>
+              <a:rPr lang="en-IN" err="1"/>
               <a:t>PowerSystems.jl</a:t>
             </a:r>
             <a:r>
-              <a:rPr lang="en-IN" dirty="0"/>
+              <a:rPr lang="en-IN"/>
               <a:t> does NOT support.</a:t>
             </a:r>
           </a:p>
           <a:p>
             <a:pPr lvl="1"/>
-            <a:endParaRPr lang="en-IN" dirty="0"/>
+            <a:endParaRPr lang="en-IN"/>
           </a:p>
           <a:p>
             <a:pPr lvl="1"/>
-            <a:endParaRPr lang="en-IN" dirty="0"/>
+            <a:endParaRPr lang="en-IN"/>
           </a:p>
           <a:p>
             <a:pPr lvl="1"/>
-            <a:endParaRPr lang="en-IN" dirty="0"/>
+            <a:endParaRPr lang="en-IN"/>
           </a:p>
         </p:txBody>
       </p:sp>
@@ -10516,11 +10538,11 @@
           <a:lstStyle/>
           <a:p>
             <a:r>
-              <a:rPr lang="en-IN" dirty="0"/>
+              <a:rPr lang="en-IN"/>
               <a:t>Niches fulfilled by our </a:t>
             </a:r>
             <a:r>
-              <a:rPr lang="en-IN" dirty="0">
+              <a:rPr lang="en-IN">
                 <a:solidFill>
                   <a:srgbClr val="7030A0"/>
                 </a:solidFill>
@@ -10528,7 +10550,7 @@
               <a:t>Julia</a:t>
             </a:r>
             <a:r>
-              <a:rPr lang="en-IN" dirty="0"/>
+              <a:rPr lang="en-IN"/>
               <a:t> package.</a:t>
             </a:r>
           </a:p>
@@ -10557,44 +10579,44 @@
           <a:p>
             <a:pPr lvl="1"/>
             <a:r>
-              <a:rPr lang="en-IN" dirty="0"/>
+              <a:rPr lang="en-IN"/>
               <a:t>Our package makes good usage of the </a:t>
             </a:r>
             <a:r>
-              <a:rPr lang="en-IN" dirty="0" err="1"/>
+              <a:rPr lang="en-IN" err="1"/>
               <a:t>DataFrame</a:t>
             </a:r>
             <a:r>
-              <a:rPr lang="en-IN" dirty="0"/>
+              <a:rPr lang="en-IN"/>
               <a:t> data structure of Julia (which is like the table data structure in MATLAB), which gives a user easy insight into key inputs, outputs and intermediate data for a given algorithm. </a:t>
             </a:r>
           </a:p>
           <a:p>
             <a:pPr lvl="2"/>
             <a:r>
-              <a:rPr lang="en-IN" dirty="0"/>
+              <a:rPr lang="en-IN"/>
               <a:t>We expect this to be helpful for usage by instructors and teaching assistants for teaching grad level courses in Power System Analysis (like WSU’s EE 521) and Power System Stability and Control (like WSU’s EE 523).</a:t>
             </a:r>
             <a:br>
-              <a:rPr lang="en-IN" dirty="0"/>
+              <a:rPr lang="en-IN"/>
             </a:br>
-            <a:endParaRPr lang="en-IN" dirty="0"/>
+            <a:endParaRPr lang="en-IN"/>
           </a:p>
           <a:p>
             <a:pPr lvl="1"/>
-            <a:endParaRPr lang="en-IN" dirty="0"/>
+            <a:endParaRPr lang="en-IN"/>
           </a:p>
           <a:p>
             <a:pPr lvl="1"/>
-            <a:endParaRPr lang="en-IN" dirty="0"/>
+            <a:endParaRPr lang="en-IN"/>
           </a:p>
           <a:p>
             <a:pPr lvl="1"/>
-            <a:endParaRPr lang="en-IN" dirty="0"/>
+            <a:endParaRPr lang="en-IN"/>
           </a:p>
           <a:p>
             <a:pPr lvl="1"/>
-            <a:endParaRPr lang="en-IN" dirty="0"/>
+            <a:endParaRPr lang="en-IN"/>
           </a:p>
         </p:txBody>
       </p:sp>
@@ -10710,13 +10732,13 @@
           <a:lstStyle/>
           <a:p>
             <a:r>
-              <a:rPr lang="en-US" dirty="0">
+              <a:rPr lang="en-US">
                 <a:latin typeface="Palatino Linotype" panose="02040502050505030304" pitchFamily="18" charset="0"/>
               </a:rPr>
               <a:t>Presenting </a:t>
             </a:r>
             <a:r>
-              <a:rPr lang="en-US" dirty="0" err="1">
+              <a:rPr lang="en-US" err="1">
                 <a:solidFill>
                   <a:srgbClr val="9558B2"/>
                 </a:solidFill>
@@ -10725,7 +10747,7 @@
               <a:t>PowerEdu.jl</a:t>
             </a:r>
             <a:r>
-              <a:rPr lang="en-US" dirty="0">
+              <a:rPr lang="en-US">
                 <a:solidFill>
                   <a:srgbClr val="9558B2"/>
                 </a:solidFill>
@@ -10734,7 +10756,7 @@
               <a:t> </a:t>
             </a:r>
             <a:r>
-              <a:rPr lang="en-US" dirty="0">
+              <a:rPr lang="en-US">
                 <a:latin typeface="Palatino Linotype" panose="02040502050505030304" pitchFamily="18" charset="0"/>
               </a:rPr>
               <a:t>in a paper</a:t>
@@ -10766,35 +10788,35 @@
           <a:lstStyle/>
           <a:p>
             <a:r>
-              <a:rPr lang="en-US" dirty="0">
+              <a:rPr lang="en-US">
                 <a:latin typeface="Georgia" panose="02040502050405020303" pitchFamily="18" charset="0"/>
                 <a:cs typeface="Helvetica" panose="020B0604020202020204" pitchFamily="34" charset="0"/>
               </a:rPr>
               <a:t>We’re doing </a:t>
             </a:r>
             <a:r>
-              <a:rPr lang="en-US" b="1" dirty="0">
+              <a:rPr lang="en-US" b="1">
                 <a:latin typeface="Georgia" panose="02040502050405020303" pitchFamily="18" charset="0"/>
                 <a:cs typeface="Helvetica" panose="020B0604020202020204" pitchFamily="34" charset="0"/>
               </a:rPr>
               <a:t>useful</a:t>
             </a:r>
             <a:r>
-              <a:rPr lang="en-US" dirty="0">
+              <a:rPr lang="en-US">
                 <a:latin typeface="Georgia" panose="02040502050405020303" pitchFamily="18" charset="0"/>
                 <a:cs typeface="Helvetica" panose="020B0604020202020204" pitchFamily="34" charset="0"/>
               </a:rPr>
               <a:t>, </a:t>
             </a:r>
             <a:r>
-              <a:rPr lang="en-US" b="1" dirty="0">
+              <a:rPr lang="en-US" b="1">
                 <a:latin typeface="Georgia" panose="02040502050405020303" pitchFamily="18" charset="0"/>
                 <a:cs typeface="Helvetica" panose="020B0604020202020204" pitchFamily="34" charset="0"/>
               </a:rPr>
               <a:t>innovative</a:t>
             </a:r>
             <a:r>
-              <a:rPr lang="en-US" dirty="0">
+              <a:rPr lang="en-US">
                 <a:latin typeface="Georgia" panose="02040502050405020303" pitchFamily="18" charset="0"/>
                 <a:cs typeface="Helvetica" panose="020B0604020202020204" pitchFamily="34" charset="0"/>
               </a:rPr>
@@ -10803,35 +10825,35 @@
           </a:p>
           <a:p>
             <a:r>
-              <a:rPr lang="en-US" dirty="0">
+              <a:rPr lang="en-US">
                 <a:latin typeface="Georgia" panose="02040502050405020303" pitchFamily="18" charset="0"/>
                 <a:cs typeface="Helvetica" panose="020B0604020202020204" pitchFamily="34" charset="0"/>
               </a:rPr>
               <a:t>Need to convince the reviewers that our work is </a:t>
             </a:r>
             <a:r>
-              <a:rPr lang="en-US" b="1" dirty="0">
+              <a:rPr lang="en-US" b="1">
                 <a:latin typeface="Georgia" panose="02040502050405020303" pitchFamily="18" charset="0"/>
                 <a:cs typeface="Helvetica" panose="020B0604020202020204" pitchFamily="34" charset="0"/>
               </a:rPr>
               <a:t>useful</a:t>
             </a:r>
             <a:r>
-              <a:rPr lang="en-US" dirty="0">
+              <a:rPr lang="en-US">
                 <a:latin typeface="Georgia" panose="02040502050405020303" pitchFamily="18" charset="0"/>
                 <a:cs typeface="Helvetica" panose="020B0604020202020204" pitchFamily="34" charset="0"/>
               </a:rPr>
               <a:t> and </a:t>
             </a:r>
             <a:r>
-              <a:rPr lang="en-US" b="1" dirty="0">
+              <a:rPr lang="en-US" b="1">
                 <a:latin typeface="Georgia" panose="02040502050405020303" pitchFamily="18" charset="0"/>
                 <a:cs typeface="Helvetica" panose="020B0604020202020204" pitchFamily="34" charset="0"/>
               </a:rPr>
               <a:t>innovative</a:t>
             </a:r>
             <a:r>
-              <a:rPr lang="en-US" dirty="0">
+              <a:rPr lang="en-US">
                 <a:latin typeface="Georgia" panose="02040502050405020303" pitchFamily="18" charset="0"/>
                 <a:cs typeface="Helvetica" panose="020B0604020202020204" pitchFamily="34" charset="0"/>
               </a:rPr>
@@ -10840,7 +10862,7 @@
           </a:p>
           <a:p>
             <a:r>
-              <a:rPr lang="en-US" dirty="0">
+              <a:rPr lang="en-US">
                 <a:latin typeface="Georgia" panose="02040502050405020303" pitchFamily="18" charset="0"/>
                 <a:cs typeface="Helvetica" panose="020B0604020202020204" pitchFamily="34" charset="0"/>
               </a:rPr>
@@ -10901,11 +10923,11 @@
           <a:lstStyle/>
           <a:p>
             <a:r>
-              <a:rPr lang="en-IN" dirty="0"/>
+              <a:rPr lang="en-IN"/>
               <a:t>Niches fulfilled by our </a:t>
             </a:r>
             <a:r>
-              <a:rPr lang="en-IN" dirty="0">
+              <a:rPr lang="en-IN">
                 <a:solidFill>
                   <a:srgbClr val="7030A0"/>
                 </a:solidFill>
@@ -10913,7 +10935,7 @@
               <a:t>Julia</a:t>
             </a:r>
             <a:r>
-              <a:rPr lang="en-IN" dirty="0"/>
+              <a:rPr lang="en-IN"/>
               <a:t> package.</a:t>
             </a:r>
           </a:p>
@@ -10942,37 +10964,37 @@
           <a:p>
             <a:pPr lvl="1"/>
             <a:r>
-              <a:rPr lang="en-IN" dirty="0"/>
+              <a:rPr lang="en-IN"/>
               <a:t>Users will be able to easily control the algorithm inputs, algorithm types and hyperparameters in a notebook environment (probably will be Pluto or </a:t>
             </a:r>
             <a:r>
-              <a:rPr lang="en-IN" dirty="0" err="1"/>
+              <a:rPr lang="en-IN" err="1"/>
               <a:t>Jupyter</a:t>
             </a:r>
             <a:r>
-              <a:rPr lang="en-IN" dirty="0"/>
+              <a:rPr lang="en-IN"/>
               <a:t>).</a:t>
             </a:r>
             <a:br>
-              <a:rPr lang="en-IN" dirty="0"/>
+              <a:rPr lang="en-IN"/>
             </a:br>
-            <a:endParaRPr lang="en-IN" dirty="0"/>
+            <a:endParaRPr lang="en-IN"/>
           </a:p>
           <a:p>
             <a:pPr lvl="1"/>
-            <a:endParaRPr lang="en-IN" dirty="0"/>
+            <a:endParaRPr lang="en-IN"/>
           </a:p>
           <a:p>
             <a:pPr lvl="1"/>
-            <a:endParaRPr lang="en-IN" dirty="0"/>
+            <a:endParaRPr lang="en-IN"/>
           </a:p>
           <a:p>
             <a:pPr lvl="1"/>
-            <a:endParaRPr lang="en-IN" dirty="0"/>
+            <a:endParaRPr lang="en-IN"/>
           </a:p>
           <a:p>
             <a:pPr lvl="1"/>
-            <a:endParaRPr lang="en-IN" dirty="0"/>
+            <a:endParaRPr lang="en-IN"/>
           </a:p>
         </p:txBody>
       </p:sp>
@@ -11058,11 +11080,11 @@
           <a:lstStyle/>
           <a:p>
             <a:r>
-              <a:rPr lang="en-IN" dirty="0"/>
+              <a:rPr lang="en-IN"/>
               <a:t>Niches fulfilled by our </a:t>
             </a:r>
             <a:r>
-              <a:rPr lang="en-IN" dirty="0">
+              <a:rPr lang="en-IN">
                 <a:solidFill>
                   <a:srgbClr val="7030A0"/>
                 </a:solidFill>
@@ -11070,14 +11092,14 @@
               <a:t>Julia</a:t>
             </a:r>
             <a:r>
-              <a:rPr lang="en-IN" dirty="0"/>
+              <a:rPr lang="en-IN"/>
               <a:t> package.</a:t>
             </a:r>
           </a:p>
         </p:txBody>
       </p:sp>
-      <mc:AlternateContent xmlns:mc="http://schemas.openxmlformats.org/markup-compatibility/2006" xmlns:a14="http://schemas.microsoft.com/office/drawing/2010/main">
-        <mc:Choice Requires="a14">
+      <mc:AlternateContent xmlns:mc="http://schemas.openxmlformats.org/markup-compatibility/2006">
+        <mc:Choice xmlns:a14="http://schemas.microsoft.com/office/drawing/2010/main" Requires="a14">
           <p:sp>
             <p:nvSpPr>
               <p:cNvPr id="3" name="Content Placeholder 2">
@@ -11101,21 +11123,21 @@
               <a:p>
                 <a:pPr lvl="1"/>
                 <a:r>
-                  <a:rPr lang="en-IN" dirty="0"/>
+                  <a:rPr lang="en-IN"/>
                   <a:t>Most importantly, our functions are robust, yet user friendly.</a:t>
                 </a:r>
               </a:p>
               <a:p>
                 <a:pPr lvl="1"/>
                 <a:r>
-                  <a:rPr lang="en-IN" dirty="0"/>
+                  <a:rPr lang="en-IN"/>
                   <a:t>For example, all three function calls below are calling the same function.</a:t>
                 </a:r>
               </a:p>
               <a:p>
                 <a:pPr lvl="1"/>
                 <a:r>
-                  <a:rPr lang="en-IN" dirty="0"/>
+                  <a:rPr lang="en-IN"/>
                   <a:t>In the first call, the user just wants to extract a </a:t>
                 </a:r>
                 <a14:m>
@@ -11148,41 +11170,41 @@
                   </m:oMath>
                 </a14:m>
                 <a:r>
-                  <a:rPr lang="en-IN" dirty="0"/>
+                  <a:rPr lang="en-IN"/>
                   <a:t> from system data.</a:t>
                 </a:r>
               </a:p>
               <a:p>
                 <a:pPr lvl="1"/>
                 <a:r>
-                  <a:rPr lang="en-IN" dirty="0"/>
+                  <a:rPr lang="en-IN"/>
                   <a:t>In the latter two calls, the user is specifying optional arguments as well as demanding additional outputs depending on their needs.</a:t>
                 </a:r>
                 <a:br>
-                  <a:rPr lang="en-IN" dirty="0"/>
+                  <a:rPr lang="en-IN"/>
                 </a:br>
-                <a:endParaRPr lang="en-IN" dirty="0"/>
+                <a:endParaRPr lang="en-IN"/>
               </a:p>
               <a:p>
                 <a:pPr lvl="1"/>
-                <a:endParaRPr lang="en-IN" dirty="0"/>
+                <a:endParaRPr lang="en-IN"/>
               </a:p>
               <a:p>
                 <a:pPr lvl="1"/>
-                <a:endParaRPr lang="en-IN" dirty="0"/>
+                <a:endParaRPr lang="en-IN"/>
               </a:p>
               <a:p>
                 <a:pPr lvl="1"/>
-                <a:endParaRPr lang="en-IN" dirty="0"/>
+                <a:endParaRPr lang="en-IN"/>
               </a:p>
               <a:p>
                 <a:pPr lvl="1"/>
-                <a:endParaRPr lang="en-IN" dirty="0"/>
+                <a:endParaRPr lang="en-IN"/>
               </a:p>
             </p:txBody>
           </p:sp>
         </mc:Choice>
-        <mc:Fallback xmlns="">
+        <mc:Fallback>
           <p:sp>
             <p:nvSpPr>
               <p:cNvPr id="3" name="Content Placeholder 2">
@@ -11304,11 +11326,11 @@
           <a:lstStyle/>
           <a:p>
             <a:r>
-              <a:rPr lang="en-IN" dirty="0"/>
+              <a:rPr lang="en-IN"/>
               <a:t>Niches fulfilled by our </a:t>
             </a:r>
             <a:r>
-              <a:rPr lang="en-IN" dirty="0">
+              <a:rPr lang="en-IN">
                 <a:solidFill>
                   <a:srgbClr val="7030A0"/>
                 </a:solidFill>
@@ -11316,7 +11338,7 @@
               <a:t>Julia</a:t>
             </a:r>
             <a:r>
-              <a:rPr lang="en-IN" dirty="0"/>
+              <a:rPr lang="en-IN"/>
               <a:t> package.</a:t>
             </a:r>
           </a:p>
@@ -11349,20 +11371,20 @@
               <a:buNone/>
             </a:pPr>
             <a:r>
-              <a:rPr lang="en-US" dirty="0">
+              <a:rPr lang="en-US">
                 <a:cs typeface="Calibri"/>
               </a:rPr>
               <a:t>With the objective of implementing sparse techniques for power flow analysis, ours is probably the only Julia package implementing </a:t>
             </a:r>
             <a:r>
-              <a:rPr lang="en-US" dirty="0">
+              <a:rPr lang="en-US">
                 <a:cs typeface="Calibri"/>
                 <a:hlinkClick r:id="rId2"/>
               </a:rPr>
               <a:t>Mariesa L. Crow's</a:t>
             </a:r>
             <a:r>
-              <a:rPr lang="en-US" dirty="0">
+              <a:rPr lang="en-US">
                 <a:cs typeface="Calibri"/>
               </a:rPr>
               <a:t> vector-based implementation for mimicking linked-lists.</a:t>
@@ -11527,11 +11549,11 @@
           <a:lstStyle/>
           <a:p>
             <a:r>
-              <a:rPr lang="en-IN" dirty="0"/>
+              <a:rPr lang="en-IN"/>
               <a:t>Niches fulfilled by our </a:t>
             </a:r>
             <a:r>
-              <a:rPr lang="en-IN" dirty="0">
+              <a:rPr lang="en-IN">
                 <a:solidFill>
                   <a:srgbClr val="7030A0"/>
                 </a:solidFill>
@@ -11539,14 +11561,14 @@
               <a:t>Julia</a:t>
             </a:r>
             <a:r>
-              <a:rPr lang="en-IN" dirty="0"/>
+              <a:rPr lang="en-IN"/>
               <a:t> package.</a:t>
             </a:r>
           </a:p>
         </p:txBody>
       </p:sp>
-      <mc:AlternateContent xmlns:mc="http://schemas.openxmlformats.org/markup-compatibility/2006" xmlns:a14="http://schemas.microsoft.com/office/drawing/2010/main">
-        <mc:Choice Requires="a14">
+      <mc:AlternateContent xmlns:mc="http://schemas.openxmlformats.org/markup-compatibility/2006">
+        <mc:Choice xmlns:a14="http://schemas.microsoft.com/office/drawing/2010/main" Requires="a14">
           <p:sp>
             <p:nvSpPr>
               <p:cNvPr id="5" name="Content Placeholder 4">
@@ -11574,7 +11596,7 @@
                   <a:buNone/>
                 </a:pPr>
                 <a:r>
-                  <a:rPr lang="en-US" dirty="0">
+                  <a:rPr lang="en-US">
                     <a:cs typeface="Calibri"/>
                   </a:rPr>
                   <a:t>The method involves building the following vectors </a:t>
@@ -11987,7 +12009,7 @@
                   </m:oMath>
                 </a14:m>
                 <a:r>
-                  <a:rPr lang="en-US" dirty="0">
+                  <a:rPr lang="en-US">
                     <a:cs typeface="Calibri"/>
                   </a:rPr>
                   <a:t>which can be classified into two collections of vectors, namely </a:t>
@@ -11998,7 +12020,7 @@
                   <a:buNone/>
                 </a:pPr>
                 <a:r>
-                  <a:rPr lang="en-US" dirty="0">
+                  <a:rPr lang="en-US">
                     <a:cs typeface="Calibri"/>
                   </a:rPr>
                   <a:t>the </a:t>
@@ -12068,7 +12090,7 @@
                   </m:oMath>
                 </a14:m>
                 <a:r>
-                  <a:rPr lang="en-US" dirty="0">
+                  <a:rPr lang="en-US">
                     <a:cs typeface="Calibri"/>
                   </a:rPr>
                   <a:t> vectors and </a:t>
@@ -12079,7 +12101,7 @@
                   <a:buNone/>
                 </a:pPr>
                 <a:r>
-                  <a:rPr lang="en-US" dirty="0">
+                  <a:rPr lang="en-US">
                     <a:cs typeface="Calibri"/>
                   </a:rPr>
                   <a:t>the </a:t>
@@ -12209,7 +12231,7 @@
                   </m:oMath>
                 </a14:m>
                 <a:r>
-                  <a:rPr lang="en-US" dirty="0">
+                  <a:rPr lang="en-US">
                     <a:cs typeface="Calibri"/>
                   </a:rPr>
                   <a:t> vectors.</a:t>
@@ -12218,7 +12240,7 @@
             </p:txBody>
           </p:sp>
         </mc:Choice>
-        <mc:Fallback xmlns="">
+        <mc:Fallback>
           <p:sp>
             <p:nvSpPr>
               <p:cNvPr id="5" name="Content Placeholder 4">
@@ -12248,7 +12270,7 @@
               <a:lstStyle/>
               <a:p>
                 <a:r>
-                  <a:rPr lang="en-IN">
+                  <a:rPr lang="en-US">
                     <a:noFill/>
                   </a:rPr>
                   <a:t> </a:t>
@@ -12385,14 +12407,14 @@
           <a:lstStyle/>
           <a:p>
             <a:r>
-              <a:rPr lang="en-IN" dirty="0"/>
+              <a:rPr lang="en-IN"/>
               <a:t>Meeting Notes: 22 May 2023</a:t>
             </a:r>
           </a:p>
         </p:txBody>
       </p:sp>
-      <mc:AlternateContent xmlns:mc="http://schemas.openxmlformats.org/markup-compatibility/2006" xmlns:a14="http://schemas.microsoft.com/office/drawing/2010/main">
-        <mc:Choice Requires="a14">
+      <mc:AlternateContent xmlns:mc="http://schemas.openxmlformats.org/markup-compatibility/2006">
+        <mc:Choice xmlns:a14="http://schemas.microsoft.com/office/drawing/2010/main" Requires="a14">
           <p:sp>
             <p:nvSpPr>
               <p:cNvPr id="3" name="Content Placeholder 2">
@@ -12417,7 +12439,7 @@
               <a:lstStyle/>
               <a:p>
                 <a:r>
-                  <a:rPr lang="en-IN" b="0" dirty="0">
+                  <a:rPr lang="en-IN" b="0">
                     <a:latin typeface="Cambria Math" panose="02040503050406030204" pitchFamily="18" charset="0"/>
                   </a:rPr>
                   <a:t>Make a branch for yourself on the repo. Keep committing and pushing to YOUR branch upon every successful increment.</a:t>
@@ -12425,7 +12447,7 @@
               </a:p>
               <a:p>
                 <a:r>
-                  <a:rPr lang="en-IN" b="0" dirty="0">
+                  <a:rPr lang="en-IN" b="0">
                     <a:latin typeface="Cambria Math" panose="02040503050406030204" pitchFamily="18" charset="0"/>
                   </a:rPr>
                   <a:t>&lt;Merging to the main branch&gt; Later.</a:t>
@@ -12433,25 +12455,25 @@
               </a:p>
               <a:p>
                 <a:r>
-                  <a:rPr lang="en-IN" b="0" dirty="0">
+                  <a:rPr lang="en-IN" b="0">
                     <a:latin typeface="Cambria Math" panose="02040503050406030204" pitchFamily="18" charset="0"/>
                   </a:rPr>
                   <a:t>Where to store outputs as handy CSV files? Where to store images? </a:t>
                 </a:r>
                 <a:r>
-                  <a:rPr lang="en-IN" dirty="0">
+                  <a:rPr lang="en-IN">
                     <a:latin typeface="Cambria Math" panose="02040503050406030204" pitchFamily="18" charset="0"/>
                   </a:rPr>
                   <a:t>For now, they are in </a:t>
                 </a:r>
                 <a:r>
-                  <a:rPr lang="en-IN" dirty="0" err="1">
+                  <a:rPr lang="en-IN" err="1">
                     <a:latin typeface="Cambria Math" panose="02040503050406030204" pitchFamily="18" charset="0"/>
                   </a:rPr>
                   <a:t>processedData</a:t>
                 </a:r>
                 <a:r>
-                  <a:rPr lang="en-IN" dirty="0">
+                  <a:rPr lang="en-IN">
                     <a:latin typeface="Cambria Math" panose="02040503050406030204" pitchFamily="18" charset="0"/>
                   </a:rPr>
                   <a:t> folder.</a:t>
@@ -12459,43 +12481,43 @@
               </a:p>
               <a:p>
                 <a:r>
-                  <a:rPr lang="en-IN" b="0" dirty="0">
+                  <a:rPr lang="en-IN" b="0">
                     <a:latin typeface="Cambria Math" panose="02040503050406030204" pitchFamily="18" charset="0"/>
                   </a:rPr>
                   <a:t>Are </a:t>
                 </a:r>
                 <a:r>
-                  <a:rPr lang="en-IN" b="0" dirty="0" err="1">
+                  <a:rPr lang="en-IN" b="0" err="1">
                     <a:latin typeface="Cambria Math" panose="02040503050406030204" pitchFamily="18" charset="0"/>
                   </a:rPr>
                   <a:t>DataFrames</a:t>
                 </a:r>
                 <a:r>
-                  <a:rPr lang="en-IN" b="0" dirty="0">
+                  <a:rPr lang="en-IN" b="0">
                     <a:latin typeface="Cambria Math" panose="02040503050406030204" pitchFamily="18" charset="0"/>
                   </a:rPr>
                   <a:t> being mutated by function calls? Does Julia mutate them anyway? Do we want to mutate the original </a:t>
                 </a:r>
                 <a:r>
-                  <a:rPr lang="en-IN" b="0" dirty="0" err="1">
+                  <a:rPr lang="en-IN" b="0" err="1">
                     <a:latin typeface="Cambria Math" panose="02040503050406030204" pitchFamily="18" charset="0"/>
                   </a:rPr>
                   <a:t>DataFrames</a:t>
                 </a:r>
                 <a:r>
-                  <a:rPr lang="en-IN" b="0" dirty="0">
+                  <a:rPr lang="en-IN" b="0">
                     <a:latin typeface="Cambria Math" panose="02040503050406030204" pitchFamily="18" charset="0"/>
                   </a:rPr>
                   <a:t>? If yes, do we separately call the </a:t>
                 </a:r>
                 <a:r>
-                  <a:rPr lang="en-IN" b="0" dirty="0" err="1">
+                  <a:rPr lang="en-IN" b="0" err="1">
                     <a:latin typeface="Cambria Math" panose="02040503050406030204" pitchFamily="18" charset="0"/>
                   </a:rPr>
                   <a:t>DataFrames</a:t>
                 </a:r>
                 <a:r>
-                  <a:rPr lang="en-IN" b="0" dirty="0">
+                  <a:rPr lang="en-IN" b="0">
                     <a:latin typeface="Cambria Math" panose="02040503050406030204" pitchFamily="18" charset="0"/>
                   </a:rPr>
                   <a:t> back as function outputs? </a:t>
@@ -12519,7 +12541,7 @@
                   </m:oMath>
                 </a14:m>
                 <a:r>
-                  <a:rPr lang="en-IN" dirty="0"/>
+                  <a:rPr lang="en-IN"/>
                   <a:t>= #Buses in the system.</a:t>
                 </a:r>
               </a:p>
@@ -12607,12 +12629,12 @@
                     </m:r>
                   </m:oMath>
                 </a14:m>
-                <a:endParaRPr lang="en-US" dirty="0"/>
+                <a:endParaRPr lang="en-US"/>
               </a:p>
               <a:p>
                 <a:pPr lvl="1"/>
                 <a:r>
-                  <a:rPr lang="en-US" dirty="0"/>
+                  <a:rPr lang="en-US"/>
                   <a:t>means an </a:t>
                 </a:r>
                 <a14:m>
@@ -12638,14 +12660,14 @@
                   </m:oMath>
                 </a14:m>
                 <a:r>
-                  <a:rPr lang="en-US" dirty="0"/>
+                  <a:rPr lang="en-US"/>
                   <a:t> 2D Array (Julia also calls them as Matrix) which has complex doubles (64 bit), initialized with all zeros.</a:t>
                 </a:r>
               </a:p>
               <a:p>
                 <a:pPr lvl="1"/>
                 <a:r>
-                  <a:rPr lang="en-US" dirty="0"/>
+                  <a:rPr lang="en-US"/>
                   <a:t>It is the same as specifying </a:t>
                 </a:r>
                 <a14:m>
@@ -12773,12 +12795,12 @@
                     </m:r>
                   </m:oMath>
                 </a14:m>
-                <a:endParaRPr lang="en-IN" dirty="0"/>
+                <a:endParaRPr lang="en-IN"/>
               </a:p>
               <a:p>
                 <a:pPr lvl="1"/>
                 <a:r>
-                  <a:rPr lang="en-IN" dirty="0"/>
+                  <a:rPr lang="en-IN"/>
                   <a:t>For ‘fixed’ size data structures such as Arrays, initializing your elements with zeros is encouraged.</a:t>
                 </a:r>
               </a:p>
@@ -12787,29 +12809,29 @@
                   <a:buNone/>
                 </a:pPr>
                 <a:br>
-                  <a:rPr lang="en-US" dirty="0"/>
+                  <a:rPr lang="en-US"/>
                 </a:br>
-                <a:endParaRPr lang="en-US" dirty="0"/>
+                <a:endParaRPr lang="en-US"/>
               </a:p>
               <a:p>
                 <a:pPr marL="457200" lvl="1" indent="0">
                   <a:buNone/>
                 </a:pPr>
-                <a:endParaRPr lang="en-US" dirty="0"/>
+                <a:endParaRPr lang="en-US"/>
               </a:p>
               <a:p>
                 <a:pPr marL="457200" lvl="1" indent="0">
                   <a:buNone/>
                 </a:pPr>
-                <a:endParaRPr lang="en-US" dirty="0"/>
+                <a:endParaRPr lang="en-US"/>
               </a:p>
               <a:p>
-                <a:endParaRPr lang="en-IN" dirty="0"/>
+                <a:endParaRPr lang="en-IN"/>
               </a:p>
             </p:txBody>
           </p:sp>
         </mc:Choice>
-        <mc:Fallback xmlns="">
+        <mc:Fallback>
           <p:sp>
             <p:nvSpPr>
               <p:cNvPr id="3" name="Content Placeholder 2">
@@ -12839,7 +12861,7 @@
               <a:lstStyle/>
               <a:p>
                 <a:r>
-                  <a:rPr lang="en-IN">
+                  <a:rPr lang="en-US">
                     <a:noFill/>
                   </a:rPr>
                   <a:t> </a:t>
@@ -12904,7 +12926,6 @@
               <a:rPr lang="en-IN"/>
               <a:t>Starting Workflow – Project Interdependencies</a:t>
             </a:r>
-            <a:endParaRPr lang="en-IN" dirty="0"/>
           </a:p>
         </p:txBody>
       </p:sp>
@@ -12930,11 +12951,11 @@
           <a:lstStyle/>
           <a:p>
             <a:r>
-              <a:rPr lang="en-IN" dirty="0"/>
+              <a:rPr lang="en-IN"/>
               <a:t>Having a working </a:t>
             </a:r>
             <a:r>
-              <a:rPr lang="en-IN" b="1" dirty="0">
+              <a:rPr lang="en-IN" b="1">
                 <a:solidFill>
                   <a:srgbClr val="002060"/>
                 </a:solidFill>
@@ -12942,7 +12963,7 @@
               <a:t>P1: </a:t>
             </a:r>
             <a:r>
-              <a:rPr lang="en-IN" b="1" dirty="0" err="1">
+              <a:rPr lang="en-IN" b="1" err="1">
                 <a:solidFill>
                   <a:srgbClr val="002060"/>
                 </a:solidFill>
@@ -12950,7 +12971,7 @@
               <a:t>PowerFlow</a:t>
             </a:r>
             <a:r>
-              <a:rPr lang="en-IN" b="1" dirty="0">
+              <a:rPr lang="en-IN" b="1">
                 <a:solidFill>
                   <a:srgbClr val="002060"/>
                 </a:solidFill>
@@ -12958,11 +12979,11 @@
               <a:t> </a:t>
             </a:r>
             <a:r>
-              <a:rPr lang="en-IN" dirty="0"/>
+              <a:rPr lang="en-IN"/>
               <a:t>code is a prerequisite for a couple of other tasks: (</a:t>
             </a:r>
             <a:r>
-              <a:rPr lang="en-IN" b="1" dirty="0">
+              <a:rPr lang="en-IN" b="1">
                 <a:solidFill>
                   <a:schemeClr val="accent6">
                     <a:lumMod val="75000"/>
@@ -12972,7 +12993,7 @@
               <a:t>P4: </a:t>
             </a:r>
             <a:r>
-              <a:rPr lang="en-IN" b="1" dirty="0" err="1">
+              <a:rPr lang="en-IN" b="1" err="1">
                 <a:solidFill>
                   <a:schemeClr val="accent6">
                     <a:lumMod val="75000"/>
@@ -12982,7 +13003,7 @@
               <a:t>StateEstimation</a:t>
             </a:r>
             <a:r>
-              <a:rPr lang="en-IN" b="1" dirty="0">
+              <a:rPr lang="en-IN" b="1">
                 <a:solidFill>
                   <a:schemeClr val="accent2">
                     <a:lumMod val="75000"/>
@@ -12992,7 +13013,7 @@
               <a:t>, P5: </a:t>
             </a:r>
             <a:r>
-              <a:rPr lang="en-IN" b="1" dirty="0" err="1">
+              <a:rPr lang="en-IN" b="1" err="1">
                 <a:solidFill>
                   <a:schemeClr val="accent2">
                     <a:lumMod val="75000"/>
@@ -13002,18 +13023,18 @@
               <a:t>OptimalPowerFlow</a:t>
             </a:r>
             <a:r>
-              <a:rPr lang="en-IN" dirty="0"/>
+              <a:rPr lang="en-IN"/>
               <a:t>). </a:t>
             </a:r>
             <a:r>
-              <a:rPr lang="en-IN" sz="1400" dirty="0"/>
+              <a:rPr lang="en-IN" sz="1400"/>
               <a:t>NRPF only though.</a:t>
             </a:r>
-            <a:endParaRPr lang="en-IN" dirty="0"/>
-          </a:p>
-          <a:p>
-            <a:r>
-              <a:rPr lang="en-IN" b="1" dirty="0">
+            <a:endParaRPr lang="en-IN"/>
+          </a:p>
+          <a:p>
+            <a:r>
+              <a:rPr lang="en-IN" b="1">
                 <a:solidFill>
                   <a:srgbClr val="C00000"/>
                 </a:solidFill>
@@ -13021,11 +13042,11 @@
               <a:t>P3: ContinuationPowerFlow </a:t>
             </a:r>
             <a:r>
-              <a:rPr lang="en-IN" dirty="0"/>
+              <a:rPr lang="en-IN"/>
               <a:t>does NOT require the full implementation of </a:t>
             </a:r>
             <a:r>
-              <a:rPr lang="en-IN" b="1" dirty="0">
+              <a:rPr lang="en-IN" b="1">
                 <a:solidFill>
                   <a:srgbClr val="002060"/>
                 </a:solidFill>
@@ -13033,7 +13054,7 @@
               <a:t>P1 </a:t>
             </a:r>
             <a:r>
-              <a:rPr lang="en-IN" i="1" dirty="0" err="1">
+              <a:rPr lang="en-IN" i="1" err="1">
                 <a:solidFill>
                   <a:srgbClr val="002060"/>
                 </a:solidFill>
@@ -13041,15 +13062,15 @@
               <a:t>solveForPowerFlow</a:t>
             </a:r>
             <a:r>
-              <a:rPr lang="en-IN" dirty="0"/>
+              <a:rPr lang="en-IN"/>
               <a:t>, and can be done in parallel. </a:t>
             </a:r>
             <a:r>
-              <a:rPr lang="en-IN" sz="1600" dirty="0"/>
+              <a:rPr lang="en-IN" sz="1600"/>
               <a:t>Some functions from </a:t>
             </a:r>
             <a:r>
-              <a:rPr lang="en-IN" sz="1600" dirty="0">
+              <a:rPr lang="en-IN" sz="1600">
                 <a:solidFill>
                   <a:srgbClr val="002060"/>
                 </a:solidFill>
@@ -13057,18 +13078,18 @@
               <a:t>P1, including construction of Jacobian,</a:t>
             </a:r>
             <a:r>
-              <a:rPr lang="en-IN" sz="1600" dirty="0"/>
+              <a:rPr lang="en-IN" sz="1600"/>
               <a:t> are required though.</a:t>
             </a:r>
-            <a:endParaRPr lang="en-IN" dirty="0"/>
-          </a:p>
-          <a:p>
-            <a:r>
-              <a:rPr lang="en-IN" dirty="0"/>
+            <a:endParaRPr lang="en-IN"/>
+          </a:p>
+          <a:p>
+            <a:r>
+              <a:rPr lang="en-IN"/>
               <a:t>Only </a:t>
             </a:r>
             <a:r>
-              <a:rPr lang="en-IN" b="1" dirty="0">
+              <a:rPr lang="en-IN" b="1">
                 <a:solidFill>
                   <a:schemeClr val="bg2">
                     <a:lumMod val="50000"/>
@@ -13078,7 +13099,7 @@
               <a:t>P2: </a:t>
             </a:r>
             <a:r>
-              <a:rPr lang="en-IN" b="1" dirty="0" err="1">
+              <a:rPr lang="en-IN" b="1" err="1">
                 <a:solidFill>
                   <a:schemeClr val="bg2">
                     <a:lumMod val="50000"/>
@@ -13088,7 +13109,7 @@
               <a:t>SparsePowerFlow</a:t>
             </a:r>
             <a:r>
-              <a:rPr lang="en-IN" b="1" dirty="0">
+              <a:rPr lang="en-IN" b="1">
                 <a:solidFill>
                   <a:schemeClr val="bg2">
                     <a:lumMod val="50000"/>
@@ -13098,21 +13119,21 @@
               <a:t> </a:t>
             </a:r>
             <a:r>
-              <a:rPr lang="en-IN" dirty="0"/>
+              <a:rPr lang="en-IN"/>
               <a:t>is a completely independent task, and can be done in parallel. </a:t>
             </a:r>
             <a:r>
-              <a:rPr lang="en-IN" sz="2000" dirty="0"/>
+              <a:rPr lang="en-IN" sz="2000"/>
               <a:t>In fact it is not permissible to use any assets from the other projects.</a:t>
             </a:r>
           </a:p>
           <a:p>
             <a:r>
-              <a:rPr lang="en-IN" dirty="0"/>
+              <a:rPr lang="en-IN"/>
               <a:t>Once </a:t>
             </a:r>
             <a:r>
-              <a:rPr lang="en-IN" b="1" dirty="0">
+              <a:rPr lang="en-IN" b="1">
                 <a:solidFill>
                   <a:srgbClr val="002060"/>
                 </a:solidFill>
@@ -13120,19 +13141,19 @@
               <a:t>P1</a:t>
             </a:r>
             <a:r>
-              <a:rPr lang="en-IN" dirty="0"/>
+              <a:rPr lang="en-IN"/>
               <a:t> is completed ALL other projects can be completed in parallel, </a:t>
             </a:r>
             <a:r>
-              <a:rPr lang="en-IN" dirty="0" err="1"/>
+              <a:rPr lang="en-IN" err="1"/>
               <a:t>i.e</a:t>
             </a:r>
             <a:r>
-              <a:rPr lang="en-IN" dirty="0"/>
+              <a:rPr lang="en-IN"/>
               <a:t> </a:t>
             </a:r>
             <a:r>
-              <a:rPr lang="en-IN" b="1" dirty="0">
+              <a:rPr lang="en-IN" b="1">
                 <a:solidFill>
                   <a:schemeClr val="bg2">
                     <a:lumMod val="50000"/>
@@ -13142,11 +13163,11 @@
               <a:t>P2</a:t>
             </a:r>
             <a:r>
-              <a:rPr lang="en-IN" dirty="0"/>
+              <a:rPr lang="en-IN"/>
               <a:t>, </a:t>
             </a:r>
             <a:r>
-              <a:rPr lang="en-IN" b="1" dirty="0">
+              <a:rPr lang="en-IN" b="1">
                 <a:solidFill>
                   <a:srgbClr val="C00000"/>
                 </a:solidFill>
@@ -13154,11 +13175,11 @@
               <a:t>P3</a:t>
             </a:r>
             <a:r>
-              <a:rPr lang="en-IN" dirty="0"/>
+              <a:rPr lang="en-IN"/>
               <a:t>, </a:t>
             </a:r>
             <a:r>
-              <a:rPr lang="en-IN" b="1" dirty="0">
+              <a:rPr lang="en-IN" b="1">
                 <a:solidFill>
                   <a:schemeClr val="accent6">
                     <a:lumMod val="75000"/>
@@ -13168,11 +13189,11 @@
               <a:t>P4</a:t>
             </a:r>
             <a:r>
-              <a:rPr lang="en-IN" dirty="0"/>
+              <a:rPr lang="en-IN"/>
               <a:t> and </a:t>
             </a:r>
             <a:r>
-              <a:rPr lang="en-IN" b="1" dirty="0">
+              <a:rPr lang="en-IN" b="1">
                 <a:solidFill>
                   <a:schemeClr val="accent2">
                     <a:lumMod val="75000"/>
@@ -13182,7 +13203,7 @@
               <a:t>P5</a:t>
             </a:r>
             <a:r>
-              <a:rPr lang="en-IN" dirty="0"/>
+              <a:rPr lang="en-IN"/>
               <a:t> do NOT have any interdependencies.</a:t>
             </a:r>
           </a:p>
@@ -13243,7 +13264,6 @@
               <a:rPr lang="en-IN"/>
               <a:t>Starting Design Decisions</a:t>
             </a:r>
-            <a:endParaRPr lang="en-IN" dirty="0"/>
           </a:p>
         </p:txBody>
       </p:sp>
@@ -13271,88 +13291,88 @@
           <a:lstStyle/>
           <a:p>
             <a:r>
-              <a:rPr lang="en-IN" dirty="0"/>
+              <a:rPr lang="en-IN"/>
               <a:t>A SINGLE main file, from where </a:t>
             </a:r>
             <a:r>
-              <a:rPr lang="en-IN" dirty="0" err="1"/>
+              <a:rPr lang="en-IN" err="1"/>
               <a:t>Dr.</a:t>
             </a:r>
             <a:r>
-              <a:rPr lang="en-IN" dirty="0"/>
+              <a:rPr lang="en-IN"/>
               <a:t> Noel can be shown all five projects with just a few clicks. </a:t>
             </a:r>
             <a:r>
-              <a:rPr lang="en-IN" sz="1800" dirty="0"/>
+              <a:rPr lang="en-IN" sz="1800"/>
               <a:t>This file should only contain meta information, like user defined variables. E.g. whether to </a:t>
             </a:r>
             <a:r>
-              <a:rPr lang="en-IN" sz="1800" dirty="0" err="1"/>
+              <a:rPr lang="en-IN" sz="1800" err="1"/>
               <a:t>plotResults</a:t>
             </a:r>
             <a:r>
-              <a:rPr lang="en-IN" sz="1800" dirty="0"/>
+              <a:rPr lang="en-IN" sz="1800"/>
               <a:t>, show </a:t>
             </a:r>
             <a:r>
-              <a:rPr lang="en-IN" sz="1800" dirty="0" err="1"/>
+              <a:rPr lang="en-IN" sz="1800" err="1"/>
               <a:t>yBus</a:t>
             </a:r>
             <a:r>
-              <a:rPr lang="en-IN" sz="1800" dirty="0"/>
+              <a:rPr lang="en-IN" sz="1800"/>
               <a:t>, save Jacobians, </a:t>
             </a:r>
             <a:r>
-              <a:rPr lang="en-IN" sz="1800" dirty="0" err="1"/>
+              <a:rPr lang="en-IN" sz="1800" err="1"/>
               <a:t>plotCPF</a:t>
             </a:r>
             <a:r>
-              <a:rPr lang="en-IN" sz="1800" dirty="0"/>
+              <a:rPr lang="en-IN" sz="1800"/>
               <a:t> curves, which is the chosen CPF bus, showing some symbolic formulae, saving tables, etc.</a:t>
             </a:r>
           </a:p>
           <a:p>
             <a:r>
-              <a:rPr lang="en-IN" dirty="0"/>
+              <a:rPr lang="en-IN"/>
               <a:t>Use </a:t>
             </a:r>
             <a:r>
-              <a:rPr lang="en-IN" dirty="0" err="1"/>
+              <a:rPr lang="en-IN" err="1"/>
               <a:t>DataFrames</a:t>
             </a:r>
             <a:r>
-              <a:rPr lang="en-IN" dirty="0"/>
+              <a:rPr lang="en-IN"/>
               <a:t> (tables) for </a:t>
             </a:r>
             <a:r>
-              <a:rPr lang="en-IN" dirty="0" err="1"/>
+              <a:rPr lang="en-IN" err="1"/>
               <a:t>busData</a:t>
             </a:r>
             <a:r>
-              <a:rPr lang="en-IN" dirty="0"/>
+              <a:rPr lang="en-IN"/>
               <a:t>, </a:t>
             </a:r>
             <a:r>
-              <a:rPr lang="en-IN" dirty="0" err="1"/>
+              <a:rPr lang="en-IN" err="1"/>
               <a:t>branchData</a:t>
             </a:r>
             <a:r>
-              <a:rPr lang="en-IN" dirty="0"/>
+              <a:rPr lang="en-IN"/>
               <a:t> (and a handful of other results). </a:t>
             </a:r>
             <a:r>
-              <a:rPr lang="en-IN" sz="1600" dirty="0"/>
+              <a:rPr lang="en-IN" sz="1600"/>
               <a:t>For convenient data retrieval, good visualization.</a:t>
             </a:r>
-            <a:endParaRPr lang="en-IN" dirty="0"/>
-          </a:p>
-          <a:p>
-            <a:r>
-              <a:rPr lang="en-IN" dirty="0"/>
+            <a:endParaRPr lang="en-IN"/>
+          </a:p>
+          <a:p>
+            <a:r>
+              <a:rPr lang="en-IN"/>
               <a:t>Write functions in modules. Modules can be </a:t>
             </a:r>
             <a:r>
-              <a:rPr lang="en-IN" b="1" dirty="0" err="1">
+              <a:rPr lang="en-IN" b="1" err="1">
                 <a:solidFill>
                   <a:srgbClr val="002060"/>
                 </a:solidFill>
@@ -13360,11 +13380,11 @@
               <a:t>NKGPowerFlow</a:t>
             </a:r>
             <a:r>
-              <a:rPr lang="en-IN" dirty="0"/>
+              <a:rPr lang="en-IN"/>
               <a:t>, </a:t>
             </a:r>
             <a:r>
-              <a:rPr lang="en-IN" b="1" dirty="0" err="1">
+              <a:rPr lang="en-IN" b="1" err="1">
                 <a:solidFill>
                   <a:schemeClr val="bg2">
                     <a:lumMod val="50000"/>
@@ -13374,11 +13394,11 @@
               <a:t>NKGSparsePowerFlow</a:t>
             </a:r>
             <a:r>
-              <a:rPr lang="en-IN" dirty="0"/>
+              <a:rPr lang="en-IN"/>
               <a:t>, </a:t>
             </a:r>
             <a:r>
-              <a:rPr lang="en-IN" b="1" dirty="0" err="1">
+              <a:rPr lang="en-IN" b="1" err="1">
                 <a:solidFill>
                   <a:srgbClr val="C00000"/>
                 </a:solidFill>
@@ -13386,11 +13406,11 @@
               <a:t>NKGContinuationPowerFlow</a:t>
             </a:r>
             <a:r>
-              <a:rPr lang="en-IN" dirty="0"/>
+              <a:rPr lang="en-IN"/>
               <a:t>, </a:t>
             </a:r>
             <a:r>
-              <a:rPr lang="en-IN" b="1" dirty="0" err="1">
+              <a:rPr lang="en-IN" b="1" err="1">
                 <a:solidFill>
                   <a:schemeClr val="accent6">
                     <a:lumMod val="75000"/>
@@ -13400,11 +13420,11 @@
               <a:t>NKGStateEstimation</a:t>
             </a:r>
             <a:r>
-              <a:rPr lang="en-IN" dirty="0"/>
+              <a:rPr lang="en-IN"/>
               <a:t> and </a:t>
             </a:r>
             <a:r>
-              <a:rPr lang="en-IN" b="1" dirty="0" err="1">
+              <a:rPr lang="en-IN" b="1" err="1">
                 <a:solidFill>
                   <a:schemeClr val="accent2">
                     <a:lumMod val="75000"/>
@@ -13414,19 +13434,19 @@
               <a:t>NKGOptimization</a:t>
             </a:r>
             <a:r>
-              <a:rPr lang="en-IN" dirty="0"/>
+              <a:rPr lang="en-IN"/>
               <a:t>. </a:t>
             </a:r>
             <a:r>
-              <a:rPr lang="en-IN" sz="1400" dirty="0"/>
+              <a:rPr lang="en-IN" sz="1400"/>
               <a:t>Unlike MATLAB where it is standard to write a single function in a single .m/.mlx file and just </a:t>
             </a:r>
             <a:r>
-              <a:rPr lang="en-IN" sz="1400" dirty="0" err="1"/>
+              <a:rPr lang="en-IN" sz="1400" err="1"/>
               <a:t>addpath</a:t>
             </a:r>
             <a:r>
-              <a:rPr lang="en-IN" sz="1400" dirty="0"/>
+              <a:rPr lang="en-IN" sz="1400"/>
               <a:t> the address of all the functions.</a:t>
             </a:r>
           </a:p>
@@ -13562,7 +13582,6 @@
               <a:rPr lang="en-IN"/>
               <a:t>Starting Design Decisions</a:t>
             </a:r>
-            <a:endParaRPr lang="en-IN" dirty="0"/>
           </a:p>
         </p:txBody>
       </p:sp>
@@ -14642,7 +14661,6 @@
               <a:rPr lang="en-IN"/>
               <a:t>Starting Design Decisions</a:t>
             </a:r>
-            <a:endParaRPr lang="en-IN" dirty="0"/>
           </a:p>
         </p:txBody>
       </p:sp>
@@ -14670,7 +14688,7 @@
           <a:lstStyle/>
           <a:p>
             <a:r>
-              <a:rPr lang="en-US" dirty="0">
+              <a:rPr lang="en-US">
                 <a:solidFill>
                   <a:srgbClr val="FF0000"/>
                 </a:solidFill>
@@ -14678,33 +14696,33 @@
               <a:t>Question</a:t>
             </a:r>
             <a:r>
-              <a:rPr lang="en-US" dirty="0"/>
+              <a:rPr lang="en-US"/>
               <a:t>: Numerical parameters specific to an algorithm, like </a:t>
             </a:r>
             <a:r>
-              <a:rPr lang="en-US" sz="2000" dirty="0" err="1">
+              <a:rPr lang="en-US" sz="2000" err="1">
                 <a:latin typeface="Courier New" panose="02070309020205020404" pitchFamily="49" charset="0"/>
                 <a:cs typeface="Courier New" panose="02070309020205020404" pitchFamily="49" charset="0"/>
               </a:rPr>
               <a:t>toleranceLimit</a:t>
             </a:r>
             <a:r>
-              <a:rPr lang="en-US" dirty="0"/>
+              <a:rPr lang="en-US"/>
               <a:t>, </a:t>
             </a:r>
             <a:r>
-              <a:rPr lang="en-US" sz="2000" dirty="0" err="1">
+              <a:rPr lang="en-US" sz="2000" err="1">
                 <a:latin typeface="Courier New" panose="02070309020205020404" pitchFamily="49" charset="0"/>
                 <a:cs typeface="Courier New" panose="02070309020205020404" pitchFamily="49" charset="0"/>
               </a:rPr>
               <a:t>maxIterations</a:t>
             </a:r>
             <a:r>
-              <a:rPr lang="en-US" dirty="0"/>
+              <a:rPr lang="en-US"/>
               <a:t> for NRPF in </a:t>
             </a:r>
             <a:r>
-              <a:rPr lang="en-US" b="1" dirty="0">
+              <a:rPr lang="en-US" b="1">
                 <a:solidFill>
                   <a:srgbClr val="002060"/>
                 </a:solidFill>
@@ -14712,66 +14730,66 @@
               <a:t>P1</a:t>
             </a:r>
             <a:r>
-              <a:rPr lang="en-US" dirty="0"/>
+              <a:rPr lang="en-US"/>
               <a:t>, </a:t>
             </a:r>
             <a:r>
-              <a:rPr lang="en-US" sz="2000" dirty="0" err="1">
+              <a:rPr lang="en-US" sz="2000" err="1">
                 <a:latin typeface="Courier New" panose="02070309020205020404" pitchFamily="49" charset="0"/>
                 <a:cs typeface="Courier New" panose="02070309020205020404" pitchFamily="49" charset="0"/>
               </a:rPr>
               <a:t>CPFItrMax</a:t>
             </a:r>
             <a:r>
-              <a:rPr lang="en-US" dirty="0"/>
+              <a:rPr lang="en-US"/>
               <a:t>, </a:t>
             </a:r>
             <a:r>
-              <a:rPr lang="en-US" sz="2000" dirty="0" err="1">
+              <a:rPr lang="en-US" sz="2000" err="1">
                 <a:latin typeface="Courier New" panose="02070309020205020404" pitchFamily="49" charset="0"/>
                 <a:cs typeface="Courier New" panose="02070309020205020404" pitchFamily="49" charset="0"/>
               </a:rPr>
               <a:t>SectionItrMax</a:t>
             </a:r>
             <a:r>
-              <a:rPr lang="en-US" dirty="0"/>
+              <a:rPr lang="en-US"/>
               <a:t>, </a:t>
             </a:r>
             <a:r>
-              <a:rPr lang="en-US" sz="2000" dirty="0">
+              <a:rPr lang="en-US" sz="2000">
                 <a:latin typeface="Courier New" panose="02070309020205020404" pitchFamily="49" charset="0"/>
                 <a:cs typeface="Courier New" panose="02070309020205020404" pitchFamily="49" charset="0"/>
               </a:rPr>
               <a:t>sigma1</a:t>
             </a:r>
             <a:r>
-              <a:rPr lang="en-US" dirty="0"/>
+              <a:rPr lang="en-US"/>
               <a:t>, </a:t>
             </a:r>
             <a:r>
-              <a:rPr lang="en-US" sz="2000" dirty="0">
+              <a:rPr lang="en-US" sz="2000">
                 <a:latin typeface="Courier New" panose="02070309020205020404" pitchFamily="49" charset="0"/>
                 <a:cs typeface="Courier New" panose="02070309020205020404" pitchFamily="49" charset="0"/>
               </a:rPr>
               <a:t>2</a:t>
             </a:r>
             <a:r>
-              <a:rPr lang="en-US" dirty="0"/>
+              <a:rPr lang="en-US"/>
               <a:t> and </a:t>
             </a:r>
             <a:r>
-              <a:rPr lang="en-US" sz="2000" dirty="0">
+              <a:rPr lang="en-US" sz="2000">
                 <a:latin typeface="Courier New" panose="02070309020205020404" pitchFamily="49" charset="0"/>
                 <a:cs typeface="Courier New" panose="02070309020205020404" pitchFamily="49" charset="0"/>
               </a:rPr>
               <a:t>3</a:t>
             </a:r>
             <a:r>
-              <a:rPr lang="en-US" dirty="0"/>
+              <a:rPr lang="en-US"/>
               <a:t> for </a:t>
             </a:r>
             <a:r>
-              <a:rPr lang="en-US" b="1" dirty="0">
+              <a:rPr lang="en-US" b="1">
                 <a:solidFill>
                   <a:srgbClr val="FF0000"/>
                 </a:solidFill>
@@ -14779,128 +14797,128 @@
               <a:t>P3</a:t>
             </a:r>
             <a:r>
-              <a:rPr lang="en-US" dirty="0"/>
+              <a:rPr lang="en-US"/>
               <a:t>, and so on.. which are NOT </a:t>
             </a:r>
             <a:r>
-              <a:rPr lang="en-US" dirty="0" err="1"/>
+              <a:rPr lang="en-US" err="1"/>
               <a:t>gonna</a:t>
             </a:r>
             <a:r>
-              <a:rPr lang="en-US" dirty="0"/>
+              <a:rPr lang="en-US"/>
               <a:t> be changed or altered by a Dr. Noel:</a:t>
             </a:r>
             <a:br>
-              <a:rPr lang="en-US" dirty="0"/>
+              <a:rPr lang="en-US"/>
             </a:br>
             <a:r>
-              <a:rPr lang="en-US" dirty="0"/>
+              <a:rPr lang="en-US"/>
               <a:t>Should they be </a:t>
             </a:r>
           </a:p>
           <a:p>
             <a:pPr lvl="1"/>
             <a:r>
-              <a:rPr lang="en-US" dirty="0"/>
+              <a:rPr lang="en-US"/>
               <a:t>1. hidden from a user away in the function? </a:t>
             </a:r>
           </a:p>
           <a:p>
             <a:pPr lvl="2"/>
             <a:r>
-              <a:rPr lang="en-US" dirty="0"/>
+              <a:rPr lang="en-US"/>
               <a:t>Pros: </a:t>
             </a:r>
           </a:p>
           <a:p>
             <a:pPr lvl="3"/>
             <a:r>
-              <a:rPr lang="en-US" dirty="0"/>
+              <a:rPr lang="en-US"/>
               <a:t>Cleaner, more scrollable main file, functions have reduced input arguments. </a:t>
             </a:r>
           </a:p>
           <a:p>
             <a:pPr lvl="2"/>
             <a:r>
-              <a:rPr lang="en-US" dirty="0"/>
+              <a:rPr lang="en-US"/>
               <a:t>Cons: </a:t>
             </a:r>
           </a:p>
           <a:p>
             <a:pPr lvl="3"/>
             <a:r>
-              <a:rPr lang="en-US" dirty="0"/>
+              <a:rPr lang="en-US"/>
               <a:t>Can get annoying to change parameter values every time by going into a specific function/module during initial development</a:t>
             </a:r>
           </a:p>
           <a:p>
             <a:pPr lvl="1"/>
             <a:r>
-              <a:rPr lang="en-US" dirty="0"/>
+              <a:rPr lang="en-US"/>
               <a:t>Or 2. should they be </a:t>
             </a:r>
             <a:r>
-              <a:rPr lang="en-US" dirty="0" err="1"/>
+              <a:rPr lang="en-US" err="1"/>
               <a:t>tinkerable</a:t>
             </a:r>
             <a:r>
-              <a:rPr lang="en-US" dirty="0"/>
+              <a:rPr lang="en-US"/>
               <a:t> in the main file itself? (this is what I did) </a:t>
             </a:r>
           </a:p>
           <a:p>
             <a:pPr lvl="2"/>
             <a:r>
-              <a:rPr lang="en-US" dirty="0"/>
+              <a:rPr lang="en-US"/>
               <a:t>Pros: </a:t>
             </a:r>
           </a:p>
           <a:p>
             <a:pPr lvl="3"/>
             <a:r>
-              <a:rPr lang="en-US" dirty="0"/>
+              <a:rPr lang="en-US"/>
               <a:t>Highly </a:t>
             </a:r>
             <a:r>
-              <a:rPr lang="en-US" dirty="0" err="1"/>
+              <a:rPr lang="en-US" err="1"/>
               <a:t>tinkerable</a:t>
             </a:r>
             <a:r>
-              <a:rPr lang="en-US" dirty="0"/>
+              <a:rPr lang="en-US"/>
               <a:t> code making way for easier development time.</a:t>
             </a:r>
           </a:p>
           <a:p>
             <a:pPr lvl="3"/>
             <a:r>
-              <a:rPr lang="en-US" dirty="0"/>
+              <a:rPr lang="en-US"/>
               <a:t>The user operating the code via the main file feels truly powerful.</a:t>
             </a:r>
           </a:p>
           <a:p>
             <a:pPr lvl="2"/>
             <a:r>
-              <a:rPr lang="en-US" dirty="0"/>
+              <a:rPr lang="en-US"/>
               <a:t>Cons:</a:t>
             </a:r>
           </a:p>
           <a:p>
             <a:pPr lvl="3"/>
             <a:r>
-              <a:rPr lang="en-US" dirty="0"/>
+              <a:rPr lang="en-US"/>
               <a:t>Number of function arguments gets nasty for some complex algorithms</a:t>
             </a:r>
           </a:p>
           <a:p>
             <a:pPr lvl="3"/>
             <a:r>
-              <a:rPr lang="en-US" dirty="0"/>
+              <a:rPr lang="en-US"/>
               <a:t>Bigger main file. Parameters can feel out of place if the user is NOT interested in running a particular project at the time.</a:t>
             </a:r>
             <a:br>
-              <a:rPr lang="en-US" dirty="0"/>
+              <a:rPr lang="en-US"/>
             </a:br>
-            <a:endParaRPr lang="en-IN" dirty="0"/>
+            <a:endParaRPr lang="en-IN"/>
           </a:p>
         </p:txBody>
       </p:sp>
@@ -14956,13 +14974,13 @@
           <a:lstStyle/>
           <a:p>
             <a:r>
-              <a:rPr lang="en-US" dirty="0">
+              <a:rPr lang="en-US">
                 <a:latin typeface="Palatino Linotype" panose="02040502050505030304" pitchFamily="18" charset="0"/>
               </a:rPr>
               <a:t>Presenting </a:t>
             </a:r>
             <a:r>
-              <a:rPr lang="en-US" dirty="0" err="1">
+              <a:rPr lang="en-US" err="1">
                 <a:solidFill>
                   <a:srgbClr val="9558B2"/>
                 </a:solidFill>
@@ -14971,7 +14989,7 @@
               <a:t>PowerEdu.jl</a:t>
             </a:r>
             <a:r>
-              <a:rPr lang="en-US" dirty="0">
+              <a:rPr lang="en-US">
                 <a:solidFill>
                   <a:srgbClr val="9558B2"/>
                 </a:solidFill>
@@ -14980,7 +14998,7 @@
               <a:t> </a:t>
             </a:r>
             <a:r>
-              <a:rPr lang="en-US" dirty="0">
+              <a:rPr lang="en-US">
                 <a:latin typeface="Palatino Linotype" panose="02040502050505030304" pitchFamily="18" charset="0"/>
               </a:rPr>
               <a:t>in a paper</a:t>
@@ -15015,7 +15033,7 @@
               <a:buNone/>
             </a:pPr>
             <a:r>
-              <a:rPr lang="en-US" dirty="0">
+              <a:rPr lang="en-US">
                 <a:latin typeface="Georgia" panose="02040502050405020303" pitchFamily="18" charset="0"/>
                 <a:cs typeface="Helvetica" panose="020B0604020202020204" pitchFamily="34" charset="0"/>
               </a:rPr>
@@ -15026,7 +15044,7 @@
             <a:pPr marL="0" indent="0">
               <a:buNone/>
             </a:pPr>
-            <a:endParaRPr lang="en-US" dirty="0">
+            <a:endParaRPr lang="en-US">
               <a:latin typeface="Georgia" panose="02040502050405020303" pitchFamily="18" charset="0"/>
               <a:cs typeface="Helvetica" panose="020B0604020202020204" pitchFamily="34" charset="0"/>
             </a:endParaRPr>
@@ -15041,42 +15059,42 @@
               <a:buChar char="v"/>
             </a:pPr>
             <a:r>
-              <a:rPr lang="en-US" sz="1600" dirty="0" err="1">
+              <a:rPr lang="en-US" sz="1600" err="1">
                 <a:latin typeface="Georgia" panose="02040502050405020303" pitchFamily="18" charset="0"/>
                 <a:cs typeface="Helvetica" panose="020B0604020202020204" pitchFamily="34" charset="0"/>
               </a:rPr>
               <a:t>PowerModels.jl</a:t>
             </a:r>
             <a:r>
-              <a:rPr lang="en-US" sz="1600" dirty="0">
+              <a:rPr lang="en-US" sz="1600">
                 <a:latin typeface="Georgia" panose="02040502050405020303" pitchFamily="18" charset="0"/>
                 <a:cs typeface="Helvetica" panose="020B0604020202020204" pitchFamily="34" charset="0"/>
               </a:rPr>
               <a:t>: An Open-Source Framework for Exploring Power Flow Formulations from </a:t>
             </a:r>
             <a:r>
-              <a:rPr lang="en-US" sz="1600" i="1" dirty="0">
+              <a:rPr lang="en-US" sz="1600" i="1">
                 <a:latin typeface="Georgia" panose="02040502050405020303" pitchFamily="18" charset="0"/>
                 <a:cs typeface="Helvetica" panose="020B0604020202020204" pitchFamily="34" charset="0"/>
               </a:rPr>
               <a:t>PSCC 2018</a:t>
             </a:r>
             <a:r>
-              <a:rPr lang="en-US" sz="1600" dirty="0">
+              <a:rPr lang="en-US" sz="1600">
                 <a:latin typeface="Georgia" panose="02040502050405020303" pitchFamily="18" charset="0"/>
                 <a:cs typeface="Helvetica" panose="020B0604020202020204" pitchFamily="34" charset="0"/>
               </a:rPr>
               <a:t>. </a:t>
             </a:r>
             <a:r>
-              <a:rPr lang="en-US" sz="1600" dirty="0">
+              <a:rPr lang="en-US" sz="1600">
                 <a:latin typeface="Georgia" panose="02040502050405020303" pitchFamily="18" charset="0"/>
                 <a:cs typeface="Helvetica" panose="020B0604020202020204" pitchFamily="34" charset="0"/>
                 <a:hlinkClick r:id="rId2"/>
               </a:rPr>
               <a:t>Link</a:t>
             </a:r>
-            <a:endParaRPr lang="en-US" sz="1600" dirty="0">
+            <a:endParaRPr lang="en-US" sz="1600">
               <a:latin typeface="Georgia" panose="02040502050405020303" pitchFamily="18" charset="0"/>
               <a:cs typeface="Helvetica" panose="020B0604020202020204" pitchFamily="34" charset="0"/>
             </a:endParaRPr>
@@ -15090,7 +15108,7 @@
               <a:buFont typeface="Wingdings" panose="05000000000000000000" pitchFamily="2" charset="2"/>
               <a:buChar char="v"/>
             </a:pPr>
-            <a:endParaRPr lang="en-US" sz="1600" dirty="0">
+            <a:endParaRPr lang="en-US" sz="1600">
               <a:latin typeface="Georgia" panose="02040502050405020303" pitchFamily="18" charset="0"/>
               <a:cs typeface="Helvetica" panose="020B0604020202020204" pitchFamily="34" charset="0"/>
             </a:endParaRPr>
@@ -15105,49 +15123,49 @@
               <a:buChar char="v"/>
             </a:pPr>
             <a:r>
-              <a:rPr lang="en-US" sz="1600" dirty="0" err="1">
+              <a:rPr lang="en-US" sz="1600" err="1">
                 <a:latin typeface="Georgia" panose="02040502050405020303" pitchFamily="18" charset="0"/>
                 <a:cs typeface="Helvetica" panose="020B0604020202020204" pitchFamily="34" charset="0"/>
               </a:rPr>
               <a:t>PowerSystems.jl</a:t>
             </a:r>
             <a:r>
-              <a:rPr lang="en-US" sz="1600" dirty="0">
+              <a:rPr lang="en-US" sz="1600">
                 <a:latin typeface="Georgia" panose="02040502050405020303" pitchFamily="18" charset="0"/>
                 <a:cs typeface="Helvetica" panose="020B0604020202020204" pitchFamily="34" charset="0"/>
               </a:rPr>
               <a:t> — A power system data management package for large scale modeling from </a:t>
             </a:r>
             <a:r>
-              <a:rPr lang="en-US" sz="1600" i="1" dirty="0" err="1">
+              <a:rPr lang="en-US" sz="1600" i="1" err="1">
                 <a:latin typeface="Georgia" panose="02040502050405020303" pitchFamily="18" charset="0"/>
                 <a:cs typeface="Helvetica" panose="020B0604020202020204" pitchFamily="34" charset="0"/>
               </a:rPr>
               <a:t>SoftwareX</a:t>
             </a:r>
             <a:r>
-              <a:rPr lang="en-US" sz="1600" i="1" dirty="0">
+              <a:rPr lang="en-US" sz="1600" i="1">
                 <a:latin typeface="Georgia" panose="02040502050405020303" pitchFamily="18" charset="0"/>
                 <a:cs typeface="Helvetica" panose="020B0604020202020204" pitchFamily="34" charset="0"/>
               </a:rPr>
               <a:t> 2021</a:t>
             </a:r>
             <a:r>
-              <a:rPr lang="en-US" sz="1600" dirty="0">
+              <a:rPr lang="en-US" sz="1600">
                 <a:latin typeface="Georgia" panose="02040502050405020303" pitchFamily="18" charset="0"/>
                 <a:cs typeface="Helvetica" panose="020B0604020202020204" pitchFamily="34" charset="0"/>
               </a:rPr>
               <a:t>. </a:t>
             </a:r>
             <a:r>
-              <a:rPr lang="en-US" sz="1600" dirty="0">
+              <a:rPr lang="en-US" sz="1600">
                 <a:latin typeface="Georgia" panose="02040502050405020303" pitchFamily="18" charset="0"/>
                 <a:cs typeface="Helvetica" panose="020B0604020202020204" pitchFamily="34" charset="0"/>
                 <a:hlinkClick r:id="rId3" action="ppaction://hlinkfile"/>
               </a:rPr>
               <a:t>Link</a:t>
             </a:r>
-            <a:endParaRPr lang="en-US" sz="1600" dirty="0">
+            <a:endParaRPr lang="en-US" sz="1600">
               <a:latin typeface="Georgia" panose="02040502050405020303" pitchFamily="18" charset="0"/>
               <a:cs typeface="Helvetica" panose="020B0604020202020204" pitchFamily="34" charset="0"/>
             </a:endParaRPr>
@@ -15161,7 +15179,7 @@
               <a:buFont typeface="Wingdings" panose="05000000000000000000" pitchFamily="2" charset="2"/>
               <a:buChar char="v"/>
             </a:pPr>
-            <a:endParaRPr lang="en-US" sz="1600" dirty="0">
+            <a:endParaRPr lang="en-US" sz="1600">
               <a:latin typeface="Georgia" panose="02040502050405020303" pitchFamily="18" charset="0"/>
               <a:cs typeface="Helvetica" panose="020B0604020202020204" pitchFamily="34" charset="0"/>
             </a:endParaRPr>
@@ -15176,42 +15194,42 @@
               <a:buChar char="v"/>
             </a:pPr>
             <a:r>
-              <a:rPr lang="en-US" sz="1600" dirty="0" err="1">
+              <a:rPr lang="en-US" sz="1600" err="1">
                 <a:latin typeface="Georgia" panose="02040502050405020303" pitchFamily="18" charset="0"/>
                 <a:cs typeface="Helvetica" panose="020B0604020202020204" pitchFamily="34" charset="0"/>
               </a:rPr>
               <a:t>PyPSA</a:t>
             </a:r>
             <a:r>
-              <a:rPr lang="en-US" sz="1600" dirty="0">
+              <a:rPr lang="en-US" sz="1600">
                 <a:latin typeface="Georgia" panose="02040502050405020303" pitchFamily="18" charset="0"/>
                 <a:cs typeface="Helvetica" panose="020B0604020202020204" pitchFamily="34" charset="0"/>
               </a:rPr>
               <a:t>: Python for Power System Analysis from </a:t>
             </a:r>
             <a:r>
-              <a:rPr lang="en-US" sz="1600" i="1" dirty="0">
+              <a:rPr lang="en-US" sz="1600" i="1">
                 <a:latin typeface="Georgia" panose="02040502050405020303" pitchFamily="18" charset="0"/>
                 <a:cs typeface="Helvetica" panose="020B0604020202020204" pitchFamily="34" charset="0"/>
               </a:rPr>
               <a:t>Journal of Open Research Software, 2018</a:t>
             </a:r>
             <a:r>
-              <a:rPr lang="en-US" sz="1600" b="1" dirty="0">
+              <a:rPr lang="en-US" sz="1600" b="1">
                 <a:latin typeface="Georgia" panose="02040502050405020303" pitchFamily="18" charset="0"/>
                 <a:cs typeface="Helvetica" panose="020B0604020202020204" pitchFamily="34" charset="0"/>
               </a:rPr>
               <a:t> </a:t>
             </a:r>
             <a:r>
-              <a:rPr lang="en-US" sz="1600" dirty="0">
+              <a:rPr lang="en-US" sz="1600">
                 <a:latin typeface="Georgia" panose="02040502050405020303" pitchFamily="18" charset="0"/>
                 <a:cs typeface="Helvetica" panose="020B0604020202020204" pitchFamily="34" charset="0"/>
                 <a:hlinkClick r:id="rId4" action="ppaction://hlinkfile"/>
               </a:rPr>
               <a:t>Link</a:t>
             </a:r>
-            <a:endParaRPr lang="en-US" sz="1600" dirty="0">
+            <a:endParaRPr lang="en-US" sz="1600">
               <a:latin typeface="Georgia" panose="02040502050405020303" pitchFamily="18" charset="0"/>
               <a:cs typeface="Helvetica" panose="020B0604020202020204" pitchFamily="34" charset="0"/>
             </a:endParaRPr>
@@ -15225,7 +15243,7 @@
               <a:buFont typeface="Wingdings" panose="05000000000000000000" pitchFamily="2" charset="2"/>
               <a:buChar char="v"/>
             </a:pPr>
-            <a:endParaRPr lang="en-US" sz="1600" dirty="0">
+            <a:endParaRPr lang="en-US" sz="1600">
               <a:latin typeface="Georgia" panose="02040502050405020303" pitchFamily="18" charset="0"/>
               <a:cs typeface="Helvetica" panose="020B0604020202020204" pitchFamily="34" charset="0"/>
             </a:endParaRPr>
@@ -15240,42 +15258,42 @@
               <a:buChar char="v"/>
             </a:pPr>
             <a:r>
-              <a:rPr lang="en-US" sz="1600" dirty="0" err="1">
+              <a:rPr lang="en-US" sz="1600" err="1">
                 <a:latin typeface="Georgia" panose="02040502050405020303" pitchFamily="18" charset="0"/>
                 <a:cs typeface="Helvetica" panose="020B0604020202020204" pitchFamily="34" charset="0"/>
               </a:rPr>
               <a:t>PowerModelsDistribution.jl</a:t>
             </a:r>
             <a:r>
-              <a:rPr lang="en-US" sz="1600" dirty="0">
+              <a:rPr lang="en-US" sz="1600">
                 <a:latin typeface="Georgia" panose="02040502050405020303" pitchFamily="18" charset="0"/>
                 <a:cs typeface="Helvetica" panose="020B0604020202020204" pitchFamily="34" charset="0"/>
               </a:rPr>
               <a:t>: An Open-Source Framework for Exploring Distribution Power Flow Formulations from </a:t>
             </a:r>
             <a:r>
-              <a:rPr lang="en-US" sz="1600" i="1" dirty="0">
+              <a:rPr lang="en-US" sz="1600" i="1">
                 <a:latin typeface="Georgia" panose="02040502050405020303" pitchFamily="18" charset="0"/>
                 <a:cs typeface="Helvetica" panose="020B0604020202020204" pitchFamily="34" charset="0"/>
               </a:rPr>
               <a:t>Electric Power Systems Research 2020</a:t>
             </a:r>
             <a:r>
-              <a:rPr lang="en-US" sz="1600" dirty="0">
+              <a:rPr lang="en-US" sz="1600">
                 <a:latin typeface="Georgia" panose="02040502050405020303" pitchFamily="18" charset="0"/>
                 <a:cs typeface="Helvetica" panose="020B0604020202020204" pitchFamily="34" charset="0"/>
               </a:rPr>
               <a:t>. </a:t>
             </a:r>
             <a:r>
-              <a:rPr lang="en-US" sz="1600" dirty="0">
+              <a:rPr lang="en-US" sz="1600">
                 <a:latin typeface="Georgia" panose="02040502050405020303" pitchFamily="18" charset="0"/>
                 <a:cs typeface="Helvetica" panose="020B0604020202020204" pitchFamily="34" charset="0"/>
                 <a:hlinkClick r:id="rId5" action="ppaction://hlinkfile"/>
               </a:rPr>
               <a:t>Link</a:t>
             </a:r>
-            <a:endParaRPr lang="en-US" sz="1600" dirty="0">
+            <a:endParaRPr lang="en-US" sz="1600">
               <a:latin typeface="Georgia" panose="02040502050405020303" pitchFamily="18" charset="0"/>
               <a:cs typeface="Helvetica" panose="020B0604020202020204" pitchFamily="34" charset="0"/>
             </a:endParaRPr>
@@ -15337,7 +15355,6 @@
               <a:rPr lang="en-IN"/>
               <a:t>Sample functions in modules</a:t>
             </a:r>
-            <a:endParaRPr lang="en-IN" dirty="0"/>
           </a:p>
         </p:txBody>
       </p:sp>
@@ -15365,7 +15382,7 @@
           <a:lstStyle/>
           <a:p>
             <a:r>
-              <a:rPr lang="en-IN" b="1" dirty="0">
+              <a:rPr lang="en-IN" b="1">
                 <a:solidFill>
                   <a:srgbClr val="002060"/>
                 </a:solidFill>
@@ -15373,14 +15390,14 @@
               <a:t>P1: </a:t>
             </a:r>
             <a:r>
-              <a:rPr lang="en-IN" b="1" dirty="0" err="1">
+              <a:rPr lang="en-IN" b="1" err="1">
                 <a:solidFill>
                   <a:srgbClr val="002060"/>
                 </a:solidFill>
               </a:rPr>
               <a:t>NKGPowerFlow</a:t>
             </a:r>
-            <a:endParaRPr lang="en-IN" b="1" dirty="0">
+            <a:endParaRPr lang="en-IN" b="1">
               <a:solidFill>
                 <a:srgbClr val="002060"/>
               </a:solidFill>
@@ -15389,205 +15406,205 @@
           <a:p>
             <a:pPr lvl="1"/>
             <a:r>
-              <a:rPr lang="en-IN" i="1" dirty="0" err="1"/>
+              <a:rPr lang="en-IN" i="1" err="1"/>
               <a:t>constructYBus</a:t>
             </a:r>
-            <a:endParaRPr lang="en-IN" i="1" dirty="0"/>
+            <a:endParaRPr lang="en-IN" i="1"/>
           </a:p>
           <a:p>
             <a:pPr lvl="1"/>
             <a:r>
-              <a:rPr lang="en-IN" i="1" dirty="0" err="1"/>
+              <a:rPr lang="en-IN" i="1" err="1"/>
               <a:t>solveUsingPowerFlow</a:t>
             </a:r>
             <a:r>
-              <a:rPr lang="en-IN" dirty="0"/>
+              <a:rPr lang="en-IN"/>
               <a:t>: NRPF/FDPF  We can make it work for both </a:t>
             </a:r>
             <a:r>
-              <a:rPr lang="en-IN" dirty="0" err="1"/>
+              <a:rPr lang="en-IN" err="1"/>
               <a:t>powerFlowMethods</a:t>
             </a:r>
             <a:r>
-              <a:rPr lang="en-IN" dirty="0"/>
+              <a:rPr lang="en-IN"/>
               <a:t>: “NRPF” or “FDPF”.</a:t>
             </a:r>
           </a:p>
           <a:p>
             <a:pPr lvl="2"/>
             <a:r>
-              <a:rPr lang="en-IN" i="1" dirty="0" err="1"/>
+              <a:rPr lang="en-IN" i="1" err="1"/>
               <a:t>initializeVectors</a:t>
             </a:r>
             <a:r>
-              <a:rPr lang="en-IN" i="1" dirty="0"/>
+              <a:rPr lang="en-IN" i="1"/>
               <a:t>: </a:t>
             </a:r>
             <a:r>
-              <a:rPr lang="en-IN" dirty="0"/>
+              <a:rPr lang="en-IN"/>
               <a:t>Handy function which reads [</a:t>
             </a:r>
             <a:r>
-              <a:rPr lang="en-IN" dirty="0" err="1"/>
+              <a:rPr lang="en-IN" err="1"/>
               <a:t>busData</a:t>
             </a:r>
             <a:r>
-              <a:rPr lang="en-IN" dirty="0"/>
+              <a:rPr lang="en-IN"/>
               <a:t>, </a:t>
             </a:r>
             <a:r>
-              <a:rPr lang="en-IN" dirty="0" err="1"/>
+              <a:rPr lang="en-IN" err="1"/>
               <a:t>branchData</a:t>
             </a:r>
             <a:r>
-              <a:rPr lang="en-IN" dirty="0"/>
+              <a:rPr lang="en-IN"/>
               <a:t>] and can retrieve highly used parameter values like </a:t>
             </a:r>
             <a:r>
-              <a:rPr lang="en-IN" dirty="0" err="1"/>
+              <a:rPr lang="en-IN" err="1"/>
               <a:t>listOfPVBuses</a:t>
             </a:r>
             <a:r>
-              <a:rPr lang="en-IN" dirty="0"/>
+              <a:rPr lang="en-IN"/>
               <a:t>, </a:t>
             </a:r>
             <a:r>
-              <a:rPr lang="en-IN" dirty="0" err="1"/>
+              <a:rPr lang="en-IN" err="1"/>
               <a:t>nPQ</a:t>
             </a:r>
             <a:r>
-              <a:rPr lang="en-IN" dirty="0"/>
+              <a:rPr lang="en-IN"/>
               <a:t> (#PQ Buses), </a:t>
             </a:r>
             <a:r>
-              <a:rPr lang="en-IN" dirty="0" err="1"/>
+              <a:rPr lang="en-IN" err="1"/>
               <a:t>PSpecified</a:t>
             </a:r>
             <a:r>
-              <a:rPr lang="en-IN" dirty="0"/>
+              <a:rPr lang="en-IN"/>
               <a:t>, etc.</a:t>
             </a:r>
           </a:p>
           <a:p>
             <a:pPr lvl="2"/>
             <a:r>
-              <a:rPr lang="en-IN" i="1" dirty="0" err="1"/>
+              <a:rPr lang="en-IN" i="1" err="1"/>
               <a:t>computeBusInjections</a:t>
             </a:r>
             <a:r>
-              <a:rPr lang="en-IN" i="1" dirty="0"/>
+              <a:rPr lang="en-IN" i="1"/>
               <a:t>: calculate </a:t>
             </a:r>
             <a:r>
-              <a:rPr lang="en-IN" i="1" dirty="0" err="1"/>
+              <a:rPr lang="en-IN" i="1" err="1"/>
               <a:t>P_i</a:t>
             </a:r>
             <a:r>
-              <a:rPr lang="en-IN" i="1" dirty="0"/>
+              <a:rPr lang="en-IN" i="1"/>
               <a:t> and </a:t>
             </a:r>
             <a:r>
-              <a:rPr lang="en-IN" i="1" dirty="0" err="1"/>
+              <a:rPr lang="en-IN" i="1" err="1"/>
               <a:t>Q_i</a:t>
             </a:r>
-            <a:endParaRPr lang="en-IN" i="1" dirty="0"/>
+            <a:endParaRPr lang="en-IN" i="1"/>
           </a:p>
           <a:p>
             <a:pPr lvl="2"/>
             <a:r>
-              <a:rPr lang="en-IN" i="1" dirty="0" err="1"/>
+              <a:rPr lang="en-IN" i="1" err="1"/>
               <a:t>computeMismatches</a:t>
             </a:r>
             <a:r>
-              <a:rPr lang="en-IN" dirty="0"/>
+              <a:rPr lang="en-IN"/>
               <a:t>: NRPF/FDPF a simple function which calculates mismatches (for every Powerflow iteration) by first computing power injections. Helpful in creation of diagonal Jacobian elements too.</a:t>
             </a:r>
           </a:p>
           <a:p>
             <a:pPr lvl="2"/>
             <a:r>
-              <a:rPr lang="en-IN" i="1" dirty="0" err="1"/>
+              <a:rPr lang="en-IN" i="1" err="1"/>
               <a:t>constructJacobian</a:t>
             </a:r>
             <a:r>
-              <a:rPr lang="en-IN" dirty="0"/>
+              <a:rPr lang="en-IN"/>
               <a:t>: NRPF/FDPF Compute J11, J22 (and J12, J21 and J in case of NRPF)</a:t>
             </a:r>
           </a:p>
           <a:p>
             <a:pPr lvl="2"/>
             <a:r>
-              <a:rPr lang="en-IN" i="1" dirty="0" err="1"/>
+              <a:rPr lang="en-IN" i="1" err="1"/>
               <a:t>solveUsingLU</a:t>
             </a:r>
             <a:r>
-              <a:rPr lang="en-IN" dirty="0"/>
+              <a:rPr lang="en-IN"/>
               <a:t>: Using given Jacobian (J11/J) and mismatch vector (</a:t>
             </a:r>
             <a:r>
-              <a:rPr lang="en-IN" dirty="0" err="1"/>
+              <a:rPr lang="en-IN" err="1"/>
               <a:t>delP</a:t>
             </a:r>
             <a:r>
-              <a:rPr lang="en-IN" dirty="0"/>
+              <a:rPr lang="en-IN"/>
               <a:t>/[</a:t>
             </a:r>
             <a:r>
-              <a:rPr lang="en-IN" dirty="0" err="1"/>
+              <a:rPr lang="en-IN" err="1"/>
               <a:t>delP</a:t>
             </a:r>
             <a:r>
-              <a:rPr lang="en-IN" dirty="0"/>
+              <a:rPr lang="en-IN"/>
               <a:t>; </a:t>
             </a:r>
             <a:r>
-              <a:rPr lang="en-IN" dirty="0" err="1"/>
+              <a:rPr lang="en-IN" err="1"/>
               <a:t>delQ</a:t>
             </a:r>
             <a:r>
-              <a:rPr lang="en-IN" dirty="0"/>
+              <a:rPr lang="en-IN"/>
               <a:t>]), compute correction vector (</a:t>
             </a:r>
             <a:r>
-              <a:rPr lang="en-IN" dirty="0" err="1"/>
+              <a:rPr lang="en-IN" err="1"/>
               <a:t>delDelta</a:t>
             </a:r>
             <a:r>
-              <a:rPr lang="en-IN" dirty="0"/>
+              <a:rPr lang="en-IN"/>
               <a:t>/[</a:t>
             </a:r>
             <a:r>
-              <a:rPr lang="en-IN" dirty="0" err="1"/>
+              <a:rPr lang="en-IN" err="1"/>
               <a:t>delDeltas</a:t>
             </a:r>
             <a:r>
-              <a:rPr lang="en-IN" dirty="0"/>
+              <a:rPr lang="en-IN"/>
               <a:t>; </a:t>
             </a:r>
             <a:r>
-              <a:rPr lang="en-IN" dirty="0" err="1"/>
+              <a:rPr lang="en-IN" err="1"/>
               <a:t>delV</a:t>
             </a:r>
             <a:r>
-              <a:rPr lang="en-IN" dirty="0"/>
+              <a:rPr lang="en-IN"/>
               <a:t>]).</a:t>
             </a:r>
           </a:p>
           <a:p>
             <a:pPr lvl="3"/>
             <a:r>
-              <a:rPr lang="en-IN" dirty="0" err="1"/>
+              <a:rPr lang="en-IN" err="1"/>
               <a:t>solveUsingForwardSubstitution</a:t>
             </a:r>
-            <a:endParaRPr lang="en-IN" dirty="0"/>
+            <a:endParaRPr lang="en-IN"/>
           </a:p>
           <a:p>
             <a:pPr lvl="3"/>
             <a:r>
-              <a:rPr lang="en-IN" dirty="0" err="1"/>
+              <a:rPr lang="en-IN" err="1"/>
               <a:t>solveUsingBackwardSubstituion</a:t>
             </a:r>
-            <a:endParaRPr lang="en-IN" i="1" dirty="0"/>
+            <a:endParaRPr lang="en-IN" i="1"/>
           </a:p>
         </p:txBody>
       </p:sp>
@@ -15643,7 +15660,7 @@
           <a:lstStyle/>
           <a:p>
             <a:r>
-              <a:rPr lang="en-IN" dirty="0"/>
+              <a:rPr lang="en-IN"/>
               <a:t>Sample functions in modules</a:t>
             </a:r>
           </a:p>
@@ -15673,7 +15690,7 @@
           <a:lstStyle/>
           <a:p>
             <a:r>
-              <a:rPr lang="en-IN" b="1" dirty="0">
+              <a:rPr lang="en-IN" b="1">
                 <a:solidFill>
                   <a:srgbClr val="002060"/>
                 </a:solidFill>
@@ -15681,7 +15698,7 @@
               <a:t>P1: </a:t>
             </a:r>
             <a:r>
-              <a:rPr lang="en-IN" b="1" dirty="0" err="1">
+              <a:rPr lang="en-IN" b="1" err="1">
                 <a:solidFill>
                   <a:srgbClr val="002060"/>
                 </a:solidFill>
@@ -15689,7 +15706,7 @@
               <a:t>NKGPowerFlow</a:t>
             </a:r>
             <a:r>
-              <a:rPr lang="en-IN" b="1" dirty="0">
+              <a:rPr lang="en-IN" b="1">
                 <a:solidFill>
                   <a:srgbClr val="002060"/>
                 </a:solidFill>
@@ -15697,65 +15714,65 @@
               <a:t> </a:t>
             </a:r>
             <a:r>
-              <a:rPr lang="en-IN" dirty="0"/>
+              <a:rPr lang="en-IN"/>
               <a:t>(contd.)</a:t>
             </a:r>
           </a:p>
           <a:p>
             <a:pPr lvl="1"/>
             <a:r>
-              <a:rPr lang="en-IN" i="1" dirty="0" err="1"/>
+              <a:rPr lang="en-IN" i="1" err="1"/>
               <a:t>displayPowerFlowResults</a:t>
             </a:r>
             <a:r>
-              <a:rPr lang="en-IN" i="1" dirty="0"/>
+              <a:rPr lang="en-IN" i="1"/>
               <a:t>: </a:t>
             </a:r>
             <a:r>
-              <a:rPr lang="en-IN" dirty="0"/>
+              <a:rPr lang="en-IN"/>
               <a:t>A neat table containing [V, delta, P, Q] with easy to see rows called as ‘Bus 01’, ‘Bus 02’ …</a:t>
             </a:r>
           </a:p>
           <a:p>
             <a:pPr lvl="1"/>
             <a:r>
-              <a:rPr lang="en-IN" i="1" dirty="0" err="1"/>
+              <a:rPr lang="en-IN" i="1" err="1"/>
               <a:t>plotPowerFlowResults</a:t>
             </a:r>
             <a:r>
-              <a:rPr lang="en-IN" i="1" dirty="0"/>
+              <a:rPr lang="en-IN" i="1"/>
               <a:t>: </a:t>
             </a:r>
             <a:r>
-              <a:rPr lang="en-IN" dirty="0"/>
+              <a:rPr lang="en-IN"/>
               <a:t>Compare your own results to the results in the CDF file, via two plots:</a:t>
             </a:r>
           </a:p>
           <a:p>
             <a:pPr lvl="2"/>
             <a:r>
-              <a:rPr lang="en-IN" dirty="0"/>
+              <a:rPr lang="en-IN"/>
               <a:t>Relative percentage difference in </a:t>
             </a:r>
             <a:r>
-              <a:rPr lang="en-IN" dirty="0" err="1"/>
+              <a:rPr lang="en-IN" err="1"/>
               <a:t>pu</a:t>
             </a:r>
             <a:r>
-              <a:rPr lang="en-IN" dirty="0"/>
+              <a:rPr lang="en-IN"/>
               <a:t> Voltages</a:t>
             </a:r>
           </a:p>
           <a:p>
             <a:pPr lvl="2"/>
             <a:r>
-              <a:rPr lang="en-IN" dirty="0"/>
+              <a:rPr lang="en-IN"/>
               <a:t>absolute difference in delta values.</a:t>
             </a:r>
           </a:p>
           <a:p>
             <a:r>
-              <a:rPr lang="en-IN" dirty="0">
+              <a:rPr lang="en-IN">
                 <a:solidFill>
                   <a:srgbClr val="C00000"/>
                 </a:solidFill>
@@ -15764,7 +15781,7 @@
             </a:r>
           </a:p>
           <a:p>
-            <a:endParaRPr lang="en-IN" b="1" dirty="0">
+            <a:endParaRPr lang="en-IN" b="1">
               <a:solidFill>
                 <a:srgbClr val="002060"/>
               </a:solidFill>
@@ -15824,7 +15841,7 @@
           <a:lstStyle/>
           <a:p>
             <a:r>
-              <a:rPr lang="en-IN" dirty="0"/>
+              <a:rPr lang="en-IN"/>
               <a:t>Sample functions in modules</a:t>
             </a:r>
           </a:p>
@@ -15854,7 +15871,7 @@
           <a:lstStyle/>
           <a:p>
             <a:r>
-              <a:rPr lang="en-IN" b="1" dirty="0">
+              <a:rPr lang="en-IN" b="1">
                 <a:solidFill>
                   <a:schemeClr val="bg2">
                     <a:lumMod val="50000"/>
@@ -15864,7 +15881,7 @@
               <a:t>P2: </a:t>
             </a:r>
             <a:r>
-              <a:rPr lang="en-IN" b="1" dirty="0" err="1">
+              <a:rPr lang="en-IN" b="1" err="1">
                 <a:solidFill>
                   <a:schemeClr val="bg2">
                     <a:lumMod val="50000"/>
@@ -15873,7 +15890,7 @@
               </a:rPr>
               <a:t>NKGSparsePowerFlow</a:t>
             </a:r>
-            <a:endParaRPr lang="en-IN" b="1" dirty="0">
+            <a:endParaRPr lang="en-IN" b="1">
               <a:solidFill>
                 <a:schemeClr val="bg2">
                   <a:lumMod val="50000"/>
@@ -15883,299 +15900,299 @@
           </a:p>
           <a:p>
             <a:r>
-              <a:rPr lang="en-IN" dirty="0"/>
+              <a:rPr lang="en-IN"/>
               <a:t>Need to rethink all implementations (check Caveat).</a:t>
             </a:r>
           </a:p>
           <a:p>
             <a:r>
-              <a:rPr lang="en-IN" dirty="0"/>
+              <a:rPr lang="en-IN"/>
               <a:t>function</a:t>
             </a:r>
             <a:r>
-              <a:rPr lang="en-IN" i="1" dirty="0"/>
+              <a:rPr lang="en-IN" i="1"/>
               <a:t> [</a:t>
             </a:r>
             <a:r>
-              <a:rPr lang="en-IN" i="1" dirty="0" err="1"/>
+              <a:rPr lang="en-IN" i="1" err="1"/>
               <a:t>nnzYBus</a:t>
             </a:r>
             <a:r>
-              <a:rPr lang="en-IN" i="1" dirty="0"/>
+              <a:rPr lang="en-IN" i="1"/>
               <a:t>, </a:t>
             </a:r>
             <a:r>
-              <a:rPr lang="en-IN" i="1" dirty="0" err="1"/>
+              <a:rPr lang="en-IN" i="1" err="1"/>
               <a:t>NYBus</a:t>
             </a:r>
             <a:r>
-              <a:rPr lang="en-IN" i="1" dirty="0"/>
+              <a:rPr lang="en-IN" i="1"/>
               <a:t>] = </a:t>
             </a:r>
             <a:r>
-              <a:rPr lang="en-IN" i="1" dirty="0" err="1"/>
+              <a:rPr lang="en-IN" i="1" err="1"/>
               <a:t>makeSparseYBus</a:t>
             </a:r>
             <a:r>
-              <a:rPr lang="en-IN" i="1" dirty="0"/>
+              <a:rPr lang="en-IN" i="1"/>
               <a:t>(</a:t>
             </a:r>
             <a:r>
-              <a:rPr lang="en-IN" i="1" dirty="0" err="1"/>
+              <a:rPr lang="en-IN" i="1" err="1"/>
               <a:t>busData</a:t>
             </a:r>
             <a:r>
-              <a:rPr lang="en-IN" i="1" dirty="0"/>
+              <a:rPr lang="en-IN" i="1"/>
               <a:t>, </a:t>
             </a:r>
             <a:r>
-              <a:rPr lang="en-IN" i="1" dirty="0" err="1"/>
+              <a:rPr lang="en-IN" i="1" err="1"/>
               <a:t>branchData</a:t>
             </a:r>
             <a:r>
-              <a:rPr lang="en-IN" i="1" dirty="0"/>
+              <a:rPr lang="en-IN" i="1"/>
               <a:t>)</a:t>
             </a:r>
           </a:p>
           <a:p>
             <a:pPr lvl="1"/>
             <a:r>
-              <a:rPr lang="en-IN" i="1" dirty="0"/>
+              <a:rPr lang="en-IN" i="1"/>
               <a:t>[</a:t>
             </a:r>
             <a:r>
-              <a:rPr lang="en-IN" i="1" dirty="0" err="1"/>
+              <a:rPr lang="en-IN" i="1" err="1"/>
               <a:t>iYBus</a:t>
             </a:r>
             <a:r>
-              <a:rPr lang="en-IN" i="1" dirty="0"/>
+              <a:rPr lang="en-IN" i="1"/>
               <a:t>, </a:t>
             </a:r>
             <a:r>
-              <a:rPr lang="en-IN" i="1" dirty="0" err="1"/>
+              <a:rPr lang="en-IN" i="1" err="1"/>
               <a:t>jYBus</a:t>
             </a:r>
             <a:r>
-              <a:rPr lang="en-IN" i="1" dirty="0"/>
+              <a:rPr lang="en-IN" i="1"/>
               <a:t>, </a:t>
             </a:r>
             <a:r>
-              <a:rPr lang="en-IN" i="1" dirty="0" err="1"/>
+              <a:rPr lang="en-IN" i="1" err="1"/>
               <a:t>valYBus</a:t>
             </a:r>
             <a:r>
-              <a:rPr lang="en-IN" i="1" dirty="0"/>
+              <a:rPr lang="en-IN" i="1"/>
               <a:t>] = </a:t>
             </a:r>
             <a:r>
-              <a:rPr lang="en-IN" i="1" dirty="0" err="1"/>
+              <a:rPr lang="en-IN" i="1" err="1"/>
               <a:t>constructSparseYBusTable</a:t>
             </a:r>
             <a:r>
-              <a:rPr lang="en-IN" i="1" dirty="0"/>
+              <a:rPr lang="en-IN" i="1"/>
               <a:t>(</a:t>
             </a:r>
             <a:r>
-              <a:rPr lang="en-IN" i="1" dirty="0" err="1"/>
+              <a:rPr lang="en-IN" i="1" err="1"/>
               <a:t>busData</a:t>
             </a:r>
             <a:r>
-              <a:rPr lang="en-IN" i="1" dirty="0"/>
+              <a:rPr lang="en-IN" i="1"/>
               <a:t>, </a:t>
             </a:r>
             <a:r>
-              <a:rPr lang="en-IN" i="1" dirty="0" err="1"/>
+              <a:rPr lang="en-IN" i="1" err="1"/>
               <a:t>branchData</a:t>
             </a:r>
             <a:r>
-              <a:rPr lang="en-IN" i="1" dirty="0"/>
+              <a:rPr lang="en-IN" i="1"/>
               <a:t>)</a:t>
             </a:r>
           </a:p>
           <a:p>
             <a:pPr lvl="1"/>
             <a:r>
-              <a:rPr lang="en-IN" i="1" dirty="0"/>
+              <a:rPr lang="en-IN" i="1"/>
               <a:t>[</a:t>
             </a:r>
             <a:r>
-              <a:rPr lang="en-IN" i="1" dirty="0" err="1"/>
+              <a:rPr lang="en-IN" i="1" err="1"/>
               <a:t>nnz</a:t>
             </a:r>
             <a:r>
-              <a:rPr lang="en-IN" i="1" dirty="0"/>
+              <a:rPr lang="en-IN" i="1"/>
               <a:t>, N] = </a:t>
             </a:r>
             <a:r>
-              <a:rPr lang="en-IN" i="1" dirty="0" err="1"/>
+              <a:rPr lang="en-IN" i="1" err="1"/>
               <a:t>sparmat</a:t>
             </a:r>
             <a:r>
-              <a:rPr lang="en-IN" i="1" dirty="0"/>
+              <a:rPr lang="en-IN" i="1"/>
               <a:t>([</a:t>
             </a:r>
             <a:r>
-              <a:rPr lang="en-IN" i="1" dirty="0" err="1"/>
+              <a:rPr lang="en-IN" i="1" err="1"/>
               <a:t>i</a:t>
             </a:r>
             <a:r>
-              <a:rPr lang="en-IN" i="1" dirty="0"/>
+              <a:rPr lang="en-IN" i="1"/>
               <a:t>, j, </a:t>
             </a:r>
             <a:r>
-              <a:rPr lang="en-IN" i="1" dirty="0" err="1"/>
+              <a:rPr lang="en-IN" i="1" err="1"/>
               <a:t>val</a:t>
             </a:r>
             <a:r>
-              <a:rPr lang="en-IN" i="1" dirty="0"/>
+              <a:rPr lang="en-IN" i="1"/>
               <a:t>])</a:t>
             </a:r>
           </a:p>
           <a:p>
             <a:r>
-              <a:rPr lang="en-IN" dirty="0"/>
+              <a:rPr lang="en-IN"/>
               <a:t>function </a:t>
             </a:r>
             <a:r>
-              <a:rPr lang="en-IN" i="1" dirty="0"/>
+              <a:rPr lang="en-IN" i="1"/>
               <a:t>[</a:t>
             </a:r>
             <a:r>
-              <a:rPr lang="en-IN" i="1" dirty="0" err="1"/>
+              <a:rPr lang="en-IN" i="1" err="1"/>
               <a:t>deltaP</a:t>
             </a:r>
             <a:r>
-              <a:rPr lang="en-IN" i="1" dirty="0"/>
+              <a:rPr lang="en-IN" i="1"/>
               <a:t>, </a:t>
             </a:r>
             <a:r>
-              <a:rPr lang="en-IN" i="1" dirty="0" err="1"/>
+              <a:rPr lang="en-IN" i="1" err="1"/>
               <a:t>deltaQ</a:t>
             </a:r>
             <a:r>
-              <a:rPr lang="en-IN" i="1" dirty="0"/>
+              <a:rPr lang="en-IN" i="1"/>
               <a:t>] = </a:t>
             </a:r>
             <a:r>
-              <a:rPr lang="en-IN" i="1" dirty="0" err="1"/>
+              <a:rPr lang="en-IN" i="1" err="1"/>
               <a:t>computeMismatchesViaSparseYBus</a:t>
             </a:r>
             <a:r>
-              <a:rPr lang="en-IN" i="1" dirty="0"/>
+              <a:rPr lang="en-IN" i="1"/>
               <a:t>(</a:t>
             </a:r>
             <a:r>
-              <a:rPr lang="en-IN" i="1" dirty="0" err="1"/>
+              <a:rPr lang="en-IN" i="1" err="1"/>
               <a:t>nnzYBus</a:t>
             </a:r>
             <a:r>
-              <a:rPr lang="en-IN" i="1" dirty="0"/>
+              <a:rPr lang="en-IN" i="1"/>
               <a:t>, </a:t>
             </a:r>
             <a:r>
-              <a:rPr lang="en-IN" i="1" dirty="0" err="1"/>
+              <a:rPr lang="en-IN" i="1" err="1"/>
               <a:t>NYBus</a:t>
             </a:r>
             <a:r>
-              <a:rPr lang="en-IN" i="1" dirty="0"/>
+              <a:rPr lang="en-IN" i="1"/>
               <a:t>, ..)</a:t>
             </a:r>
           </a:p>
           <a:p>
             <a:r>
-              <a:rPr lang="en-IN" i="1" dirty="0"/>
+              <a:rPr lang="en-IN" i="1"/>
               <a:t>function [</a:t>
             </a:r>
             <a:r>
-              <a:rPr lang="en-IN" i="1" dirty="0" err="1"/>
+              <a:rPr lang="en-IN" i="1" err="1"/>
               <a:t>nnzJ</a:t>
             </a:r>
             <a:r>
-              <a:rPr lang="en-IN" i="1" dirty="0"/>
+              <a:rPr lang="en-IN" i="1"/>
               <a:t>, NJ] = </a:t>
             </a:r>
             <a:r>
-              <a:rPr lang="en-IN" i="1" dirty="0" err="1"/>
+              <a:rPr lang="en-IN" i="1" err="1"/>
               <a:t>constructSparseJacobian</a:t>
             </a:r>
             <a:r>
-              <a:rPr lang="en-IN" i="1" dirty="0"/>
+              <a:rPr lang="en-IN" i="1"/>
               <a:t>(</a:t>
             </a:r>
             <a:r>
-              <a:rPr lang="en-IN" i="1" dirty="0" err="1"/>
+              <a:rPr lang="en-IN" i="1" err="1"/>
               <a:t>nnzYBus</a:t>
             </a:r>
             <a:r>
-              <a:rPr lang="en-IN" i="1" dirty="0"/>
+              <a:rPr lang="en-IN" i="1"/>
               <a:t>, </a:t>
             </a:r>
             <a:r>
-              <a:rPr lang="en-IN" i="1" dirty="0" err="1"/>
+              <a:rPr lang="en-IN" i="1" err="1"/>
               <a:t>NYBus</a:t>
             </a:r>
             <a:r>
-              <a:rPr lang="en-IN" i="1" dirty="0"/>
+              <a:rPr lang="en-IN" i="1"/>
               <a:t>, …)</a:t>
             </a:r>
           </a:p>
           <a:p>
             <a:r>
-              <a:rPr lang="en-IN" i="1" dirty="0"/>
+              <a:rPr lang="en-IN" i="1"/>
               <a:t>[</a:t>
             </a:r>
             <a:r>
-              <a:rPr lang="en-IN" i="1" dirty="0" err="1"/>
+              <a:rPr lang="en-IN" i="1" err="1"/>
               <a:t>nnzL</a:t>
             </a:r>
             <a:r>
-              <a:rPr lang="en-IN" i="1" dirty="0"/>
+              <a:rPr lang="en-IN" i="1"/>
               <a:t>, NL, </a:t>
             </a:r>
             <a:r>
-              <a:rPr lang="en-IN" i="1" dirty="0" err="1"/>
+              <a:rPr lang="en-IN" i="1" err="1"/>
               <a:t>nnzU</a:t>
             </a:r>
             <a:r>
-              <a:rPr lang="en-IN" i="1" dirty="0"/>
+              <a:rPr lang="en-IN" i="1"/>
               <a:t>, NU] = </a:t>
             </a:r>
             <a:r>
-              <a:rPr lang="en-IN" i="1" dirty="0" err="1"/>
+              <a:rPr lang="en-IN" i="1" err="1"/>
               <a:t>factorizeSparseLU</a:t>
             </a:r>
             <a:r>
-              <a:rPr lang="en-IN" i="1" dirty="0"/>
+              <a:rPr lang="en-IN" i="1"/>
               <a:t>(</a:t>
             </a:r>
             <a:r>
-              <a:rPr lang="en-IN" i="1" dirty="0" err="1"/>
+              <a:rPr lang="en-IN" i="1" err="1"/>
               <a:t>nnzJ</a:t>
             </a:r>
             <a:r>
-              <a:rPr lang="en-IN" i="1" dirty="0"/>
+              <a:rPr lang="en-IN" i="1"/>
               <a:t>, NJ)</a:t>
             </a:r>
           </a:p>
           <a:p>
             <a:pPr lvl="1"/>
             <a:r>
-              <a:rPr lang="en-IN" i="1" dirty="0" err="1"/>
+              <a:rPr lang="en-IN" i="1" err="1"/>
               <a:t>updateSparseMatrix</a:t>
             </a:r>
-            <a:endParaRPr lang="en-IN" i="1" dirty="0"/>
+            <a:endParaRPr lang="en-IN" i="1"/>
           </a:p>
           <a:p>
             <a:pPr lvl="1"/>
             <a:r>
-              <a:rPr lang="en-IN" i="1" dirty="0" err="1"/>
+              <a:rPr lang="en-IN" i="1" err="1"/>
               <a:t>computeSparseTriangularProduct</a:t>
             </a:r>
-            <a:endParaRPr lang="en-IN" i="1" dirty="0"/>
-          </a:p>
-          <a:p>
-            <a:r>
-              <a:rPr lang="en-IN" dirty="0">
+            <a:endParaRPr lang="en-IN" i="1"/>
+          </a:p>
+          <a:p>
+            <a:r>
+              <a:rPr lang="en-IN">
                 <a:solidFill>
                   <a:srgbClr val="C00000"/>
                 </a:solidFill>
@@ -16237,7 +16254,7 @@
           <a:lstStyle/>
           <a:p>
             <a:r>
-              <a:rPr lang="en-IN" dirty="0"/>
+              <a:rPr lang="en-IN"/>
               <a:t>Sample functions in modules</a:t>
             </a:r>
           </a:p>
@@ -16267,7 +16284,7 @@
           <a:lstStyle/>
           <a:p>
             <a:r>
-              <a:rPr lang="en-IN" b="1" dirty="0">
+              <a:rPr lang="en-IN" b="1">
                 <a:solidFill>
                   <a:srgbClr val="FF0000"/>
                 </a:solidFill>
@@ -16275,14 +16292,14 @@
               <a:t>P3: </a:t>
             </a:r>
             <a:r>
-              <a:rPr lang="en-IN" b="1" dirty="0" err="1">
+              <a:rPr lang="en-IN" b="1" err="1">
                 <a:solidFill>
                   <a:srgbClr val="FF0000"/>
                 </a:solidFill>
               </a:rPr>
               <a:t>NKGContinuationPowerFlow</a:t>
             </a:r>
-            <a:endParaRPr lang="en-IN" b="1" dirty="0">
+            <a:endParaRPr lang="en-IN" b="1">
               <a:solidFill>
                 <a:srgbClr val="FF0000"/>
               </a:solidFill>
@@ -16291,11 +16308,11 @@
           <a:p>
             <a:pPr lvl="1"/>
             <a:r>
-              <a:rPr lang="en-IN" dirty="0"/>
+              <a:rPr lang="en-IN"/>
               <a:t>Dependencies: </a:t>
             </a:r>
             <a:r>
-              <a:rPr lang="en-IN" b="1" dirty="0" err="1">
+              <a:rPr lang="en-IN" b="1" err="1">
                 <a:solidFill>
                   <a:srgbClr val="002060"/>
                 </a:solidFill>
@@ -16303,78 +16320,78 @@
               <a:t>NKGPowerFlow</a:t>
             </a:r>
             <a:r>
-              <a:rPr lang="en-IN" dirty="0"/>
+              <a:rPr lang="en-IN"/>
               <a:t>: </a:t>
             </a:r>
             <a:r>
-              <a:rPr lang="en-IN" i="1" dirty="0" err="1"/>
+              <a:rPr lang="en-IN" i="1" err="1"/>
               <a:t>initializeVectors</a:t>
             </a:r>
             <a:r>
-              <a:rPr lang="en-IN" dirty="0"/>
+              <a:rPr lang="en-IN"/>
               <a:t>, </a:t>
             </a:r>
             <a:r>
-              <a:rPr lang="en-IN" i="1" dirty="0" err="1"/>
+              <a:rPr lang="en-IN" i="1" err="1"/>
               <a:t>computeBusInjections</a:t>
             </a:r>
             <a:r>
-              <a:rPr lang="en-IN" i="1" dirty="0"/>
+              <a:rPr lang="en-IN" i="1"/>
               <a:t>,  </a:t>
             </a:r>
             <a:r>
-              <a:rPr lang="en-IN" i="1" dirty="0" err="1"/>
+              <a:rPr lang="en-IN" i="1" err="1"/>
               <a:t>solveUsingLU</a:t>
             </a:r>
-            <a:endParaRPr lang="en-IN" i="1" dirty="0"/>
+            <a:endParaRPr lang="en-IN" i="1"/>
           </a:p>
           <a:p>
             <a:pPr lvl="1"/>
             <a:r>
-              <a:rPr lang="en-IN" dirty="0"/>
+              <a:rPr lang="en-IN"/>
               <a:t>A few more functions, like </a:t>
             </a:r>
             <a:r>
-              <a:rPr lang="en-IN" i="1" dirty="0" err="1"/>
+              <a:rPr lang="en-IN" i="1" err="1"/>
               <a:t>PredictorFunction</a:t>
             </a:r>
             <a:r>
-              <a:rPr lang="en-IN" i="1" dirty="0"/>
+              <a:rPr lang="en-IN" i="1"/>
               <a:t> </a:t>
             </a:r>
             <a:r>
-              <a:rPr lang="en-IN" dirty="0"/>
+              <a:rPr lang="en-IN"/>
               <a:t>and </a:t>
             </a:r>
             <a:r>
-              <a:rPr lang="en-IN" i="1" dirty="0" err="1"/>
+              <a:rPr lang="en-IN" i="1" err="1"/>
               <a:t>CorrectorFunction</a:t>
             </a:r>
             <a:r>
-              <a:rPr lang="en-IN" dirty="0"/>
+              <a:rPr lang="en-IN"/>
               <a:t> </a:t>
             </a:r>
             <a:r>
-              <a:rPr lang="en-IN" sz="1600" dirty="0"/>
+              <a:rPr lang="en-IN" sz="1600"/>
               <a:t>(I just refactored a whole script by my project team mate, so for me it’s still in just one script, not too long.)</a:t>
             </a:r>
-            <a:endParaRPr lang="en-IN" dirty="0"/>
+            <a:endParaRPr lang="en-IN"/>
           </a:p>
           <a:p>
             <a:pPr lvl="1"/>
             <a:r>
-              <a:rPr lang="en-IN" i="1" dirty="0" err="1"/>
+              <a:rPr lang="en-IN" i="1" err="1"/>
               <a:t>plotCPFPlots</a:t>
             </a:r>
-            <a:endParaRPr lang="en-IN" i="1" dirty="0"/>
+            <a:endParaRPr lang="en-IN" i="1"/>
           </a:p>
           <a:p>
             <a:pPr lvl="1"/>
             <a:r>
-              <a:rPr lang="en-IN" i="1" dirty="0" err="1"/>
+              <a:rPr lang="en-IN" i="1" err="1"/>
               <a:t>displayCPFResults</a:t>
             </a:r>
-            <a:endParaRPr lang="en-IN" i="1" dirty="0"/>
+            <a:endParaRPr lang="en-IN" i="1"/>
           </a:p>
         </p:txBody>
       </p:sp>
@@ -16430,7 +16447,7 @@
           <a:lstStyle/>
           <a:p>
             <a:r>
-              <a:rPr lang="en-IN" dirty="0"/>
+              <a:rPr lang="en-IN"/>
               <a:t>Sample functions in modules</a:t>
             </a:r>
           </a:p>
@@ -16460,7 +16477,7 @@
           <a:lstStyle/>
           <a:p>
             <a:r>
-              <a:rPr lang="en-IN" b="1" dirty="0">
+              <a:rPr lang="en-IN" b="1">
                 <a:solidFill>
                   <a:schemeClr val="accent6">
                     <a:lumMod val="75000"/>
@@ -16470,7 +16487,7 @@
               <a:t>P4: </a:t>
             </a:r>
             <a:r>
-              <a:rPr lang="en-IN" b="1" dirty="0" err="1">
+              <a:rPr lang="en-IN" b="1" err="1">
                 <a:solidFill>
                   <a:schemeClr val="accent6">
                     <a:lumMod val="75000"/>
@@ -16479,7 +16496,7 @@
               </a:rPr>
               <a:t>NKGStateEstimation</a:t>
             </a:r>
-            <a:endParaRPr lang="en-IN" b="1" dirty="0">
+            <a:endParaRPr lang="en-IN" b="1">
               <a:solidFill>
                 <a:schemeClr val="accent6">
                   <a:lumMod val="75000"/>
@@ -16489,17 +16506,17 @@
           </a:p>
           <a:p>
             <a:r>
-              <a:rPr lang="en-IN" dirty="0"/>
+              <a:rPr lang="en-IN"/>
               <a:t>(My project partner completely did it.)</a:t>
             </a:r>
           </a:p>
           <a:p>
             <a:r>
-              <a:rPr lang="en-IN" dirty="0"/>
+              <a:rPr lang="en-IN"/>
               <a:t>Requires Powerflow results from </a:t>
             </a:r>
             <a:r>
-              <a:rPr lang="en-IN" b="1" dirty="0">
+              <a:rPr lang="en-IN" b="1">
                 <a:solidFill>
                   <a:srgbClr val="002060"/>
                 </a:solidFill>
@@ -16507,30 +16524,30 @@
               <a:t>P1 </a:t>
             </a:r>
             <a:r>
-              <a:rPr lang="en-IN" dirty="0"/>
+              <a:rPr lang="en-IN"/>
               <a:t>for branch currents.</a:t>
             </a:r>
           </a:p>
           <a:p>
             <a:r>
-              <a:rPr lang="en-IN" dirty="0"/>
+              <a:rPr lang="en-IN"/>
               <a:t>Likely requires using a lot of symbolic variables. Although he did it by literally writing out all of the derivative equations.</a:t>
             </a:r>
           </a:p>
           <a:p>
             <a:r>
-              <a:rPr lang="en-IN" dirty="0"/>
+              <a:rPr lang="en-IN"/>
               <a:t>Then some addition of noise to the currents.</a:t>
             </a:r>
           </a:p>
           <a:p>
             <a:r>
-              <a:rPr lang="en-IN" dirty="0"/>
+              <a:rPr lang="en-IN"/>
               <a:t>Then formation of H matrix, to be used in an iterative computation.</a:t>
             </a:r>
           </a:p>
           <a:p>
-            <a:endParaRPr lang="en-IN" dirty="0"/>
+            <a:endParaRPr lang="en-IN"/>
           </a:p>
         </p:txBody>
       </p:sp>
@@ -16586,7 +16603,7 @@
           <a:lstStyle/>
           <a:p>
             <a:r>
-              <a:rPr lang="en-IN" dirty="0"/>
+              <a:rPr lang="en-IN"/>
               <a:t>Sample functions in modules</a:t>
             </a:r>
           </a:p>
@@ -16616,7 +16633,7 @@
           <a:lstStyle/>
           <a:p>
             <a:r>
-              <a:rPr lang="en-IN" b="1" dirty="0">
+              <a:rPr lang="en-IN" b="1">
                 <a:solidFill>
                   <a:schemeClr val="accent2">
                     <a:lumMod val="75000"/>
@@ -16626,7 +16643,7 @@
               <a:t>P5: </a:t>
             </a:r>
             <a:r>
-              <a:rPr lang="en-IN" b="1" dirty="0" err="1">
+              <a:rPr lang="en-IN" b="1" err="1">
                 <a:solidFill>
                   <a:schemeClr val="accent2">
                     <a:lumMod val="75000"/>
@@ -16635,7 +16652,7 @@
               </a:rPr>
               <a:t>NKGOptimalPowerFlow</a:t>
             </a:r>
-            <a:endParaRPr lang="en-IN" b="1" dirty="0">
+            <a:endParaRPr lang="en-IN" b="1">
               <a:solidFill>
                 <a:schemeClr val="accent2">
                   <a:lumMod val="75000"/>
@@ -16645,11 +16662,11 @@
           </a:p>
           <a:p>
             <a:r>
-              <a:rPr lang="en-IN" dirty="0"/>
+              <a:rPr lang="en-IN"/>
               <a:t>Dependencies:</a:t>
             </a:r>
             <a:r>
-              <a:rPr lang="en-IN" b="1" dirty="0">
+              <a:rPr lang="en-IN" b="1">
                 <a:solidFill>
                   <a:schemeClr val="accent2">
                     <a:lumMod val="75000"/>
@@ -16659,7 +16676,7 @@
               <a:t> </a:t>
             </a:r>
             <a:r>
-              <a:rPr lang="en-IN" b="1" dirty="0" err="1">
+              <a:rPr lang="en-IN" b="1" err="1">
                 <a:solidFill>
                   <a:srgbClr val="002060"/>
                 </a:solidFill>
@@ -16667,86 +16684,86 @@
               <a:t>NKGPowerFlow</a:t>
             </a:r>
             <a:r>
-              <a:rPr lang="en-IN" dirty="0"/>
+              <a:rPr lang="en-IN"/>
               <a:t>: </a:t>
             </a:r>
             <a:r>
-              <a:rPr lang="en-IN" i="1" dirty="0" err="1"/>
+              <a:rPr lang="en-IN" i="1" err="1"/>
               <a:t>initializeVectors</a:t>
             </a:r>
             <a:r>
-              <a:rPr lang="en-IN" dirty="0"/>
+              <a:rPr lang="en-IN"/>
               <a:t>, </a:t>
             </a:r>
             <a:r>
-              <a:rPr lang="en-IN" i="1" dirty="0" err="1"/>
+              <a:rPr lang="en-IN" i="1" err="1"/>
               <a:t>constructJacobian</a:t>
             </a:r>
             <a:r>
-              <a:rPr lang="en-IN" i="1" dirty="0"/>
+              <a:rPr lang="en-IN" i="1"/>
               <a:t>, </a:t>
             </a:r>
             <a:r>
-              <a:rPr lang="en-IN" i="1" dirty="0" err="1"/>
+              <a:rPr lang="en-IN" i="1" err="1"/>
               <a:t>solveForPowerFlow</a:t>
             </a:r>
-            <a:endParaRPr lang="en-IN" dirty="0"/>
-          </a:p>
-          <a:p>
-            <a:r>
-              <a:rPr lang="en-IN" dirty="0"/>
+            <a:endParaRPr lang="en-IN"/>
+          </a:p>
+          <a:p>
+            <a:r>
+              <a:rPr lang="en-IN"/>
               <a:t>Note: Usage of symbolic variables recommended for computation of derivatives and </a:t>
             </a:r>
             <a:r>
-              <a:rPr lang="en-IN" dirty="0" err="1"/>
+              <a:rPr lang="en-IN" err="1"/>
               <a:t>jacobians</a:t>
             </a:r>
             <a:r>
-              <a:rPr lang="en-IN" dirty="0"/>
+              <a:rPr lang="en-IN"/>
               <a:t>.</a:t>
             </a:r>
           </a:p>
           <a:p>
             <a:r>
-              <a:rPr lang="en-IN" i="1" dirty="0" err="1"/>
+              <a:rPr lang="en-IN" i="1" err="1"/>
               <a:t>solveForEconomicDispatch</a:t>
             </a:r>
             <a:r>
-              <a:rPr lang="en-IN" i="1" dirty="0"/>
+              <a:rPr lang="en-IN" i="1"/>
               <a:t> </a:t>
             </a:r>
             <a:r>
-              <a:rPr lang="en-IN" dirty="0"/>
+              <a:rPr lang="en-IN"/>
               <a:t>for the first two scenarios</a:t>
             </a:r>
           </a:p>
           <a:p>
             <a:r>
-              <a:rPr lang="en-IN" i="1" dirty="0" err="1"/>
+              <a:rPr lang="en-IN" i="1" err="1"/>
               <a:t>solveForOPF</a:t>
             </a:r>
             <a:r>
-              <a:rPr lang="en-IN" i="1" dirty="0"/>
+              <a:rPr lang="en-IN" i="1"/>
               <a:t> </a:t>
             </a:r>
             <a:r>
-              <a:rPr lang="en-IN" dirty="0"/>
+              <a:rPr lang="en-IN"/>
               <a:t>for the next two scenarios</a:t>
             </a:r>
           </a:p>
           <a:p>
             <a:pPr lvl="1"/>
             <a:r>
-              <a:rPr lang="en-IN" i="1" dirty="0" err="1"/>
+              <a:rPr lang="en-IN" i="1" err="1"/>
               <a:t>generateSymoblicPowerFlowEquations</a:t>
             </a:r>
-            <a:endParaRPr lang="en-IN" i="1" dirty="0"/>
-          </a:p>
-          <a:p>
-            <a:endParaRPr lang="en-IN" i="1" dirty="0"/>
-          </a:p>
-          <a:p>
-            <a:endParaRPr lang="en-IN" i="1" dirty="0"/>
+            <a:endParaRPr lang="en-IN" i="1"/>
+          </a:p>
+          <a:p>
+            <a:endParaRPr lang="en-IN" i="1"/>
+          </a:p>
+          <a:p>
+            <a:endParaRPr lang="en-IN" i="1"/>
           </a:p>
         </p:txBody>
       </p:sp>
@@ -16803,17 +16820,17 @@
           <a:p>
             <a:pPr algn="ctr"/>
             <a:r>
-              <a:rPr lang="en-US" dirty="0"/>
+              <a:rPr lang="en-US"/>
               <a:t>Expected Time for Completion ~ 135 hours</a:t>
             </a:r>
             <a:br>
-              <a:rPr lang="en-US" dirty="0"/>
+              <a:rPr lang="en-US"/>
             </a:br>
             <a:r>
-              <a:rPr lang="en-US" sz="1800" dirty="0"/>
+              <a:rPr lang="en-US" sz="1800"/>
               <a:t>You think we can do it faster?</a:t>
             </a:r>
-            <a:endParaRPr lang="en-IN" dirty="0"/>
+            <a:endParaRPr lang="en-IN"/>
           </a:p>
         </p:txBody>
       </p:sp>
@@ -16899,10 +16916,10 @@
                     <a:lstStyle/>
                     <a:p>
                       <a:r>
-                        <a:rPr lang="en-US" dirty="0"/>
+                        <a:rPr lang="en-US"/>
                         <a:t>Project Number</a:t>
                       </a:r>
-                      <a:endParaRPr lang="en-IN" dirty="0"/>
+                      <a:endParaRPr lang="en-IN"/>
                     </a:p>
                   </a:txBody>
                   <a:tcPr/>
@@ -16913,10 +16930,10 @@
                     <a:lstStyle/>
                     <a:p>
                       <a:r>
-                        <a:rPr lang="en-US" dirty="0"/>
+                        <a:rPr lang="en-US"/>
                         <a:t>Project Name</a:t>
                       </a:r>
-                      <a:endParaRPr lang="en-IN" dirty="0"/>
+                      <a:endParaRPr lang="en-IN"/>
                     </a:p>
                   </a:txBody>
                   <a:tcPr/>
@@ -16927,10 +16944,10 @@
                     <a:lstStyle/>
                     <a:p>
                       <a:r>
-                        <a:rPr lang="en-US" dirty="0"/>
+                        <a:rPr lang="en-US"/>
                         <a:t>Encountered or Perceived Toughness</a:t>
                       </a:r>
-                      <a:endParaRPr lang="en-IN" dirty="0"/>
+                      <a:endParaRPr lang="en-IN"/>
                     </a:p>
                   </a:txBody>
                   <a:tcPr/>
@@ -16941,10 +16958,10 @@
                     <a:lstStyle/>
                     <a:p>
                       <a:r>
-                        <a:rPr lang="en-US" dirty="0"/>
+                        <a:rPr lang="en-US"/>
                         <a:t>Expect Time for Completion [hours]</a:t>
                       </a:r>
-                      <a:endParaRPr lang="en-IN" dirty="0"/>
+                      <a:endParaRPr lang="en-IN"/>
                     </a:p>
                   </a:txBody>
                   <a:tcPr/>
@@ -16955,10 +16972,10 @@
                     <a:lstStyle/>
                     <a:p>
                       <a:r>
-                        <a:rPr lang="en-US" dirty="0"/>
+                        <a:rPr lang="en-US"/>
                         <a:t>Remarks</a:t>
                       </a:r>
-                      <a:endParaRPr lang="en-IN" dirty="0"/>
+                      <a:endParaRPr lang="en-IN"/>
                     </a:p>
                   </a:txBody>
                   <a:tcPr/>
@@ -16969,10 +16986,10 @@
                     <a:lstStyle/>
                     <a:p>
                       <a:r>
-                        <a:rPr lang="en-US" dirty="0"/>
+                        <a:rPr lang="en-US"/>
                         <a:t>Prerequisites</a:t>
                       </a:r>
-                      <a:endParaRPr lang="en-IN" dirty="0"/>
+                      <a:endParaRPr lang="en-IN"/>
                     </a:p>
                   </a:txBody>
                   <a:tcPr/>
@@ -16990,14 +17007,14 @@
                     <a:lstStyle/>
                     <a:p>
                       <a:r>
-                        <a:rPr lang="en-US" b="1" dirty="0">
+                        <a:rPr lang="en-US" b="1">
                           <a:solidFill>
                             <a:srgbClr val="002060"/>
                           </a:solidFill>
                         </a:rPr>
                         <a:t>1</a:t>
                       </a:r>
-                      <a:endParaRPr lang="en-IN" b="1" dirty="0">
+                      <a:endParaRPr lang="en-IN" b="1">
                         <a:solidFill>
                           <a:srgbClr val="002060"/>
                         </a:solidFill>
@@ -17012,14 +17029,14 @@
                     <a:lstStyle/>
                     <a:p>
                       <a:r>
-                        <a:rPr lang="en-US" b="1" dirty="0" err="1">
+                        <a:rPr lang="en-US" b="1" err="1">
                           <a:solidFill>
                             <a:srgbClr val="002060"/>
                           </a:solidFill>
                         </a:rPr>
                         <a:t>PowerFlow</a:t>
                       </a:r>
-                      <a:endParaRPr lang="en-IN" b="1" dirty="0">
+                      <a:endParaRPr lang="en-IN" b="1">
                         <a:solidFill>
                           <a:srgbClr val="002060"/>
                         </a:solidFill>
@@ -17034,10 +17051,10 @@
                     <a:lstStyle/>
                     <a:p>
                       <a:r>
-                        <a:rPr lang="en-US" dirty="0"/>
+                        <a:rPr lang="en-US"/>
                         <a:t>Hard</a:t>
                       </a:r>
-                      <a:endParaRPr lang="en-IN" dirty="0"/>
+                      <a:endParaRPr lang="en-IN"/>
                     </a:p>
                   </a:txBody>
                   <a:tcPr/>
@@ -17048,10 +17065,10 @@
                     <a:lstStyle/>
                     <a:p>
                       <a:r>
-                        <a:rPr lang="en-US" dirty="0"/>
+                        <a:rPr lang="en-US"/>
                         <a:t>25</a:t>
                       </a:r>
-                      <a:endParaRPr lang="en-IN" dirty="0"/>
+                      <a:endParaRPr lang="en-IN"/>
                     </a:p>
                   </a:txBody>
                   <a:tcPr/>
@@ -17061,7 +17078,7 @@
                     <a:bodyPr/>
                     <a:lstStyle/>
                     <a:p>
-                      <a:endParaRPr lang="en-IN" dirty="0"/>
+                      <a:endParaRPr lang="en-IN"/>
                     </a:p>
                   </a:txBody>
                   <a:tcPr/>
@@ -17072,10 +17089,10 @@
                     <a:lstStyle/>
                     <a:p>
                       <a:r>
-                        <a:rPr lang="en-US" dirty="0"/>
+                        <a:rPr lang="en-US"/>
                         <a:t>-</a:t>
                       </a:r>
-                      <a:endParaRPr lang="en-IN" dirty="0"/>
+                      <a:endParaRPr lang="en-IN"/>
                     </a:p>
                   </a:txBody>
                   <a:tcPr/>
@@ -17093,7 +17110,7 @@
                     <a:lstStyle/>
                     <a:p>
                       <a:r>
-                        <a:rPr lang="en-US" dirty="0">
+                        <a:rPr lang="en-US">
                           <a:solidFill>
                             <a:schemeClr val="bg2">
                               <a:lumMod val="50000"/>
@@ -17102,7 +17119,7 @@
                         </a:rPr>
                         <a:t>2</a:t>
                       </a:r>
-                      <a:endParaRPr lang="en-IN" dirty="0">
+                      <a:endParaRPr lang="en-IN">
                         <a:solidFill>
                           <a:schemeClr val="bg2">
                             <a:lumMod val="50000"/>
@@ -17119,7 +17136,7 @@
                     <a:lstStyle/>
                     <a:p>
                       <a:r>
-                        <a:rPr lang="en-US" b="1" dirty="0" err="1">
+                        <a:rPr lang="en-US" b="1" err="1">
                           <a:solidFill>
                             <a:schemeClr val="bg2">
                               <a:lumMod val="50000"/>
@@ -17128,7 +17145,7 @@
                         </a:rPr>
                         <a:t>SparsePowerFlow</a:t>
                       </a:r>
-                      <a:endParaRPr lang="en-IN" b="1" dirty="0">
+                      <a:endParaRPr lang="en-IN" b="1">
                         <a:solidFill>
                           <a:schemeClr val="bg2">
                             <a:lumMod val="50000"/>
@@ -17145,10 +17162,10 @@
                     <a:lstStyle/>
                     <a:p>
                       <a:r>
-                        <a:rPr lang="en-US" dirty="0"/>
+                        <a:rPr lang="en-US"/>
                         <a:t>Very Hard</a:t>
                       </a:r>
-                      <a:endParaRPr lang="en-IN" dirty="0"/>
+                      <a:endParaRPr lang="en-IN"/>
                     </a:p>
                   </a:txBody>
                   <a:tcPr/>
@@ -17159,10 +17176,10 @@
                     <a:lstStyle/>
                     <a:p>
                       <a:r>
-                        <a:rPr lang="en-US" dirty="0"/>
+                        <a:rPr lang="en-US"/>
                         <a:t>50</a:t>
                       </a:r>
-                      <a:endParaRPr lang="en-IN" dirty="0"/>
+                      <a:endParaRPr lang="en-IN"/>
                     </a:p>
                   </a:txBody>
                   <a:tcPr/>
@@ -17173,10 +17190,10 @@
                     <a:lstStyle/>
                     <a:p>
                       <a:r>
-                        <a:rPr lang="en-US" dirty="0"/>
+                        <a:rPr lang="en-US"/>
                         <a:t>Most of the time spent in ideation.</a:t>
                       </a:r>
-                      <a:endParaRPr lang="en-IN" dirty="0"/>
+                      <a:endParaRPr lang="en-IN"/>
                     </a:p>
                   </a:txBody>
                   <a:tcPr/>
@@ -17187,10 +17204,10 @@
                     <a:lstStyle/>
                     <a:p>
                       <a:r>
-                        <a:rPr lang="en-US" dirty="0"/>
+                        <a:rPr lang="en-US"/>
                         <a:t>-</a:t>
                       </a:r>
-                      <a:endParaRPr lang="en-IN" dirty="0"/>
+                      <a:endParaRPr lang="en-IN"/>
                     </a:p>
                   </a:txBody>
                   <a:tcPr/>
@@ -17208,14 +17225,14 @@
                     <a:lstStyle/>
                     <a:p>
                       <a:r>
-                        <a:rPr lang="en-US" b="1" dirty="0">
+                        <a:rPr lang="en-US" b="1">
                           <a:solidFill>
                             <a:srgbClr val="C00000"/>
                           </a:solidFill>
                         </a:rPr>
                         <a:t>3</a:t>
                       </a:r>
-                      <a:endParaRPr lang="en-IN" b="1" dirty="0">
+                      <a:endParaRPr lang="en-IN" b="1">
                         <a:solidFill>
                           <a:srgbClr val="C00000"/>
                         </a:solidFill>
@@ -17230,14 +17247,14 @@
                     <a:lstStyle/>
                     <a:p>
                       <a:r>
-                        <a:rPr lang="en-US" b="1" dirty="0">
+                        <a:rPr lang="en-US" b="1">
                           <a:solidFill>
                             <a:srgbClr val="C00000"/>
                           </a:solidFill>
                         </a:rPr>
                         <a:t>ContinuationPowerFlow</a:t>
                       </a:r>
-                      <a:endParaRPr lang="en-IN" b="1" dirty="0">
+                      <a:endParaRPr lang="en-IN" b="1">
                         <a:solidFill>
                           <a:srgbClr val="C00000"/>
                         </a:solidFill>
@@ -17252,10 +17269,10 @@
                     <a:lstStyle/>
                     <a:p>
                       <a:r>
-                        <a:rPr lang="en-US" dirty="0"/>
+                        <a:rPr lang="en-US"/>
                         <a:t>Medium</a:t>
                       </a:r>
-                      <a:endParaRPr lang="en-IN" dirty="0"/>
+                      <a:endParaRPr lang="en-IN"/>
                     </a:p>
                   </a:txBody>
                   <a:tcPr/>
@@ -17266,10 +17283,10 @@
                     <a:lstStyle/>
                     <a:p>
                       <a:r>
-                        <a:rPr lang="en-US" dirty="0"/>
+                        <a:rPr lang="en-US"/>
                         <a:t>10</a:t>
                       </a:r>
-                      <a:endParaRPr lang="en-IN" dirty="0"/>
+                      <a:endParaRPr lang="en-IN"/>
                     </a:p>
                   </a:txBody>
                   <a:tcPr/>
@@ -17279,7 +17296,7 @@
                     <a:bodyPr/>
                     <a:lstStyle/>
                     <a:p>
-                      <a:endParaRPr lang="en-IN" dirty="0"/>
+                      <a:endParaRPr lang="en-IN"/>
                     </a:p>
                   </a:txBody>
                   <a:tcPr/>
@@ -17290,14 +17307,14 @@
                     <a:lstStyle/>
                     <a:p>
                       <a:r>
-                        <a:rPr lang="en-US" b="1" dirty="0">
+                        <a:rPr lang="en-US" b="1">
                           <a:solidFill>
                             <a:srgbClr val="002060"/>
                           </a:solidFill>
                         </a:rPr>
                         <a:t>P1</a:t>
                       </a:r>
-                      <a:endParaRPr lang="en-IN" b="1" dirty="0">
+                      <a:endParaRPr lang="en-IN" b="1">
                         <a:solidFill>
                           <a:srgbClr val="002060"/>
                         </a:solidFill>
@@ -17319,7 +17336,7 @@
                     <a:lstStyle/>
                     <a:p>
                       <a:r>
-                        <a:rPr lang="en-US" b="1" dirty="0">
+                        <a:rPr lang="en-US" b="1">
                           <a:solidFill>
                             <a:schemeClr val="accent6">
                               <a:lumMod val="75000"/>
@@ -17328,7 +17345,7 @@
                         </a:rPr>
                         <a:t>4</a:t>
                       </a:r>
-                      <a:endParaRPr lang="en-IN" b="1" dirty="0">
+                      <a:endParaRPr lang="en-IN" b="1">
                         <a:solidFill>
                           <a:schemeClr val="accent6">
                             <a:lumMod val="75000"/>
@@ -17345,7 +17362,7 @@
                     <a:lstStyle/>
                     <a:p>
                       <a:r>
-                        <a:rPr lang="en-US" b="1" dirty="0" err="1">
+                        <a:rPr lang="en-US" b="1" err="1">
                           <a:solidFill>
                             <a:schemeClr val="accent6">
                               <a:lumMod val="75000"/>
@@ -17354,7 +17371,7 @@
                         </a:rPr>
                         <a:t>StateEstimation</a:t>
                       </a:r>
-                      <a:endParaRPr lang="en-IN" b="1" dirty="0">
+                      <a:endParaRPr lang="en-IN" b="1">
                         <a:solidFill>
                           <a:schemeClr val="accent6">
                             <a:lumMod val="75000"/>
@@ -17371,10 +17388,10 @@
                     <a:lstStyle/>
                     <a:p>
                       <a:r>
-                        <a:rPr lang="en-US" dirty="0"/>
+                        <a:rPr lang="en-US"/>
                         <a:t>Hard</a:t>
                       </a:r>
-                      <a:endParaRPr lang="en-IN" dirty="0"/>
+                      <a:endParaRPr lang="en-IN"/>
                     </a:p>
                   </a:txBody>
                   <a:tcPr/>
@@ -17385,10 +17402,10 @@
                     <a:lstStyle/>
                     <a:p>
                       <a:r>
-                        <a:rPr lang="en-US" dirty="0"/>
+                        <a:rPr lang="en-US"/>
                         <a:t>25</a:t>
                       </a:r>
-                      <a:endParaRPr lang="en-IN" dirty="0"/>
+                      <a:endParaRPr lang="en-IN"/>
                     </a:p>
                   </a:txBody>
                   <a:tcPr/>
@@ -17399,10 +17416,10 @@
                     <a:lstStyle/>
                     <a:p>
                       <a:r>
-                        <a:rPr lang="en-US" dirty="0"/>
+                        <a:rPr lang="en-US"/>
                         <a:t>Was never implemented by me.</a:t>
                       </a:r>
-                      <a:endParaRPr lang="en-IN" dirty="0"/>
+                      <a:endParaRPr lang="en-IN"/>
                     </a:p>
                   </a:txBody>
                   <a:tcPr/>
@@ -17413,14 +17430,14 @@
                     <a:lstStyle/>
                     <a:p>
                       <a:r>
-                        <a:rPr lang="en-US" b="1" dirty="0">
+                        <a:rPr lang="en-US" b="1">
                           <a:solidFill>
                             <a:srgbClr val="002060"/>
                           </a:solidFill>
                         </a:rPr>
                         <a:t>P1</a:t>
                       </a:r>
-                      <a:endParaRPr lang="en-IN" b="1" dirty="0">
+                      <a:endParaRPr lang="en-IN" b="1">
                         <a:solidFill>
                           <a:srgbClr val="002060"/>
                         </a:solidFill>
@@ -17442,7 +17459,7 @@
                     <a:lstStyle/>
                     <a:p>
                       <a:r>
-                        <a:rPr lang="en-US" b="1" dirty="0">
+                        <a:rPr lang="en-US" b="1">
                           <a:solidFill>
                             <a:schemeClr val="accent2">
                               <a:lumMod val="75000"/>
@@ -17451,7 +17468,7 @@
                         </a:rPr>
                         <a:t>5</a:t>
                       </a:r>
-                      <a:endParaRPr lang="en-IN" b="1" dirty="0">
+                      <a:endParaRPr lang="en-IN" b="1">
                         <a:solidFill>
                           <a:schemeClr val="accent2">
                             <a:lumMod val="75000"/>
@@ -17468,7 +17485,7 @@
                     <a:lstStyle/>
                     <a:p>
                       <a:r>
-                        <a:rPr lang="en-US" b="1" dirty="0" err="1">
+                        <a:rPr lang="en-US" b="1" err="1">
                           <a:solidFill>
                             <a:schemeClr val="accent2">
                               <a:lumMod val="75000"/>
@@ -17477,7 +17494,7 @@
                         </a:rPr>
                         <a:t>OptimalPowerFlow</a:t>
                       </a:r>
-                      <a:endParaRPr lang="en-IN" b="1" dirty="0">
+                      <a:endParaRPr lang="en-IN" b="1">
                         <a:solidFill>
                           <a:schemeClr val="accent2">
                             <a:lumMod val="75000"/>
@@ -17494,10 +17511,10 @@
                     <a:lstStyle/>
                     <a:p>
                       <a:r>
-                        <a:rPr lang="en-US" dirty="0"/>
+                        <a:rPr lang="en-US"/>
                         <a:t>Hard</a:t>
                       </a:r>
-                      <a:endParaRPr lang="en-IN" dirty="0"/>
+                      <a:endParaRPr lang="en-IN"/>
                     </a:p>
                   </a:txBody>
                   <a:tcPr/>
@@ -17508,10 +17525,10 @@
                     <a:lstStyle/>
                     <a:p>
                       <a:r>
-                        <a:rPr lang="en-US" dirty="0"/>
+                        <a:rPr lang="en-US"/>
                         <a:t>25</a:t>
                       </a:r>
-                      <a:endParaRPr lang="en-IN" dirty="0"/>
+                      <a:endParaRPr lang="en-IN"/>
                     </a:p>
                   </a:txBody>
                   <a:tcPr/>
@@ -17522,10 +17539,10 @@
                     <a:lstStyle/>
                     <a:p>
                       <a:r>
-                        <a:rPr lang="en-US" dirty="0"/>
+                        <a:rPr lang="en-US"/>
                         <a:t>Has an easy part and a head-banging part.</a:t>
                       </a:r>
-                      <a:endParaRPr lang="en-IN" dirty="0"/>
+                      <a:endParaRPr lang="en-IN"/>
                     </a:p>
                   </a:txBody>
                   <a:tcPr/>
@@ -17536,14 +17553,14 @@
                     <a:lstStyle/>
                     <a:p>
                       <a:r>
-                        <a:rPr lang="en-US" b="1" dirty="0">
+                        <a:rPr lang="en-US" b="1">
                           <a:solidFill>
                             <a:srgbClr val="002060"/>
                           </a:solidFill>
                         </a:rPr>
                         <a:t>P1</a:t>
                       </a:r>
-                      <a:endParaRPr lang="en-IN" b="1" dirty="0">
+                      <a:endParaRPr lang="en-IN" b="1">
                         <a:solidFill>
                           <a:srgbClr val="002060"/>
                         </a:solidFill>
@@ -17617,11 +17634,11 @@
           <a:p>
             <a:pPr algn="ctr"/>
             <a:r>
-              <a:rPr lang="en-US" dirty="0"/>
+              <a:rPr lang="en-US"/>
               <a:t>Help yourself to </a:t>
             </a:r>
             <a:r>
-              <a:rPr lang="en-US" dirty="0">
+              <a:rPr lang="en-US">
                 <a:solidFill>
                   <a:schemeClr val="accent2">
                     <a:lumMod val="75000"/>
@@ -17631,13 +17648,13 @@
               <a:t>my implementations</a:t>
             </a:r>
             <a:br>
-              <a:rPr lang="en-US" dirty="0"/>
+              <a:rPr lang="en-US"/>
             </a:br>
             <a:r>
-              <a:rPr lang="en-US" sz="1800" dirty="0"/>
+              <a:rPr lang="en-US" sz="1800"/>
               <a:t>Easy high-level overview of all projects can be obtained just through a quick glance at my implementations.</a:t>
             </a:r>
-            <a:endParaRPr lang="en-IN" dirty="0"/>
+            <a:endParaRPr lang="en-IN"/>
           </a:p>
         </p:txBody>
       </p:sp>
@@ -17663,34 +17680,34 @@
           <a:lstStyle/>
           <a:p>
             <a:r>
-              <a:rPr lang="en-IN" dirty="0"/>
+              <a:rPr lang="en-IN"/>
               <a:t>Have the GitHub Desktop app installed.</a:t>
             </a:r>
           </a:p>
           <a:p>
             <a:r>
-              <a:rPr lang="en-IN" dirty="0"/>
+              <a:rPr lang="en-IN"/>
               <a:t>Have MATLAB 2023a installed. </a:t>
             </a:r>
             <a:r>
-              <a:rPr lang="en-IN" sz="1800" dirty="0"/>
+              <a:rPr lang="en-IN" sz="1800"/>
               <a:t>It helps to visualize desired outputs and check for function input arguments and outputs.</a:t>
             </a:r>
-            <a:endParaRPr lang="en-IN" dirty="0"/>
-          </a:p>
-          <a:p>
-            <a:r>
-              <a:rPr lang="en-IN" dirty="0"/>
+            <a:endParaRPr lang="en-IN"/>
+          </a:p>
+          <a:p>
+            <a:r>
+              <a:rPr lang="en-IN"/>
               <a:t>Clone my repo. </a:t>
             </a:r>
             <a:r>
-              <a:rPr lang="en-IN" sz="1600" dirty="0"/>
+              <a:rPr lang="en-IN" sz="1600"/>
               <a:t>It is fast and easy, plus I can help you if you haven’t done it before.</a:t>
             </a:r>
           </a:p>
           <a:p>
             <a:r>
-              <a:rPr lang="en-IN" dirty="0"/>
+              <a:rPr lang="en-IN"/>
               <a:t>Run ee521_main.mlx and visualize required outputs, check out the functions and their arguments, etc. and save time.	</a:t>
             </a:r>
           </a:p>
@@ -17749,13 +17766,13 @@
           <a:p>
             <a:pPr algn="ctr"/>
             <a:r>
-              <a:rPr lang="en-US" dirty="0">
+              <a:rPr lang="en-US">
                 <a:latin typeface="Calisto MT" panose="02040603050505030304" pitchFamily="18" charset="0"/>
               </a:rPr>
               <a:t>May our </a:t>
             </a:r>
             <a:r>
-              <a:rPr lang="en-US" dirty="0">
+              <a:rPr lang="en-US">
                 <a:solidFill>
                   <a:srgbClr val="7030A0"/>
                 </a:solidFill>
@@ -17764,12 +17781,12 @@
               <a:t>package</a:t>
             </a:r>
             <a:r>
-              <a:rPr lang="en-US" dirty="0">
+              <a:rPr lang="en-US">
                 <a:latin typeface="Calisto MT" panose="02040603050505030304" pitchFamily="18" charset="0"/>
               </a:rPr>
               <a:t> be glorious!</a:t>
             </a:r>
-            <a:endParaRPr lang="en-IN" dirty="0">
+            <a:endParaRPr lang="en-IN">
               <a:latin typeface="Calisto MT" panose="02040603050505030304" pitchFamily="18" charset="0"/>
             </a:endParaRPr>
           </a:p>
@@ -17796,7 +17813,7 @@
           <a:bodyPr/>
           <a:lstStyle/>
           <a:p>
-            <a:endParaRPr lang="en-IN" dirty="0"/>
+            <a:endParaRPr lang="en-IN"/>
           </a:p>
         </p:txBody>
       </p:sp>
@@ -17852,13 +17869,13 @@
           <a:lstStyle/>
           <a:p>
             <a:r>
-              <a:rPr lang="en-US" dirty="0">
+              <a:rPr lang="en-US">
                 <a:latin typeface="Palatino Linotype" panose="02040502050505030304" pitchFamily="18" charset="0"/>
               </a:rPr>
               <a:t>Presenting </a:t>
             </a:r>
             <a:r>
-              <a:rPr lang="en-US" dirty="0" err="1">
+              <a:rPr lang="en-US" err="1">
                 <a:solidFill>
                   <a:srgbClr val="9558B2"/>
                 </a:solidFill>
@@ -17867,7 +17884,7 @@
               <a:t>PowerEdu.jl</a:t>
             </a:r>
             <a:r>
-              <a:rPr lang="en-US" dirty="0">
+              <a:rPr lang="en-US">
                 <a:solidFill>
                   <a:srgbClr val="9558B2"/>
                 </a:solidFill>
@@ -17876,7 +17893,7 @@
               <a:t> </a:t>
             </a:r>
             <a:r>
-              <a:rPr lang="en-US" dirty="0">
+              <a:rPr lang="en-US">
                 <a:latin typeface="Palatino Linotype" panose="02040502050505030304" pitchFamily="18" charset="0"/>
               </a:rPr>
               <a:t>in a paper</a:t>
@@ -17911,7 +17928,7 @@
               <a:buNone/>
             </a:pPr>
             <a:r>
-              <a:rPr lang="en-US" dirty="0">
+              <a:rPr lang="en-US">
                 <a:latin typeface="Georgia" panose="02040502050405020303" pitchFamily="18" charset="0"/>
                 <a:cs typeface="Helvetica" panose="020B0604020202020204" pitchFamily="34" charset="0"/>
               </a:rPr>
@@ -17922,7 +17939,7 @@
             <a:pPr marL="0" indent="0">
               <a:buNone/>
             </a:pPr>
-            <a:endParaRPr lang="en-US" dirty="0">
+            <a:endParaRPr lang="en-US">
               <a:latin typeface="Georgia" panose="02040502050405020303" pitchFamily="18" charset="0"/>
               <a:cs typeface="Helvetica" panose="020B0604020202020204" pitchFamily="34" charset="0"/>
             </a:endParaRPr>
@@ -17937,28 +17954,28 @@
               <a:buChar char="v"/>
             </a:pPr>
             <a:r>
-              <a:rPr lang="en-US" sz="1600" dirty="0" err="1">
+              <a:rPr lang="en-US" sz="1600" err="1">
                 <a:latin typeface="Georgia" panose="02040502050405020303" pitchFamily="18" charset="0"/>
                 <a:cs typeface="Helvetica" panose="020B0604020202020204" pitchFamily="34" charset="0"/>
               </a:rPr>
               <a:t>Symbolics.jl</a:t>
             </a:r>
             <a:r>
-              <a:rPr lang="en-US" sz="1600" dirty="0">
+              <a:rPr lang="en-US" sz="1600">
                 <a:latin typeface="Georgia" panose="02040502050405020303" pitchFamily="18" charset="0"/>
                 <a:cs typeface="Helvetica" panose="020B0604020202020204" pitchFamily="34" charset="0"/>
               </a:rPr>
               <a:t> </a:t>
             </a:r>
             <a:r>
-              <a:rPr lang="en-US" sz="1600" dirty="0">
+              <a:rPr lang="en-US" sz="1600">
                 <a:latin typeface="Georgia" panose="02040502050405020303" pitchFamily="18" charset="0"/>
                 <a:cs typeface="Helvetica" panose="020B0604020202020204" pitchFamily="34" charset="0"/>
                 <a:hlinkClick r:id="rId2" action="ppaction://hlinkfile"/>
               </a:rPr>
               <a:t>paper</a:t>
             </a:r>
-            <a:endParaRPr lang="en-US" sz="1600" dirty="0">
+            <a:endParaRPr lang="en-US" sz="1600">
               <a:latin typeface="Georgia" panose="02040502050405020303" pitchFamily="18" charset="0"/>
               <a:cs typeface="Helvetica" panose="020B0604020202020204" pitchFamily="34" charset="0"/>
             </a:endParaRPr>
@@ -17973,12 +17990,31 @@
               <a:buChar char="v"/>
             </a:pPr>
             <a:r>
-              <a:rPr lang="en-US" sz="1600" dirty="0">
+              <a:rPr lang="en-US" sz="1600" err="1">
                 <a:latin typeface="Georgia" panose="02040502050405020303" pitchFamily="18" charset="0"/>
                 <a:cs typeface="Helvetica" panose="020B0604020202020204" pitchFamily="34" charset="0"/>
               </a:rPr>
-              <a:t>Every package we’re using</a:t>
-            </a:r>
+              <a:t>ForwardDiff.jl</a:t>
+            </a:r>
+            <a:r>
+              <a:rPr lang="en-US" sz="1600">
+                <a:latin typeface="Georgia" panose="02040502050405020303" pitchFamily="18" charset="0"/>
+                <a:cs typeface="Helvetica" panose="020B0604020202020204" pitchFamily="34" charset="0"/>
+              </a:rPr>
+              <a:t> </a:t>
+            </a:r>
+            <a:r>
+              <a:rPr lang="en-US" sz="1600">
+                <a:latin typeface="Georgia" panose="02040502050405020303" pitchFamily="18" charset="0"/>
+                <a:cs typeface="Helvetica" panose="020B0604020202020204" pitchFamily="34" charset="0"/>
+                <a:hlinkClick r:id="rId3"/>
+              </a:rPr>
+              <a:t>paper</a:t>
+            </a:r>
+            <a:endParaRPr lang="en-US" sz="1600">
+              <a:latin typeface="Georgia" panose="02040502050405020303" pitchFamily="18" charset="0"/>
+              <a:cs typeface="Helvetica" panose="020B0604020202020204" pitchFamily="34" charset="0"/>
+            </a:endParaRPr>
           </a:p>
           <a:p>
             <a:pPr lvl="1">
@@ -17990,23 +18026,29 @@
               <a:buChar char="v"/>
             </a:pPr>
             <a:r>
-              <a:rPr lang="en-US" sz="1600" dirty="0">
-                <a:latin typeface="Georgia" panose="02040502050405020303" pitchFamily="18" charset="0"/>
-                <a:cs typeface="Helvetica" panose="020B0604020202020204" pitchFamily="34" charset="0"/>
-              </a:rPr>
-              <a:t>Every package we’re </a:t>
-            </a:r>
-            <a:r>
               <a:rPr lang="en-US" sz="1600">
                 <a:latin typeface="Georgia" panose="02040502050405020303" pitchFamily="18" charset="0"/>
                 <a:cs typeface="Helvetica" panose="020B0604020202020204" pitchFamily="34" charset="0"/>
               </a:rPr>
-              <a:t>comparing against</a:t>
-            </a:r>
-            <a:endParaRPr lang="en-US" sz="1600" dirty="0">
-              <a:latin typeface="Georgia" panose="02040502050405020303" pitchFamily="18" charset="0"/>
-              <a:cs typeface="Helvetica" panose="020B0604020202020204" pitchFamily="34" charset="0"/>
-            </a:endParaRPr>
+              <a:t>Every package we’re using</a:t>
+            </a:r>
+          </a:p>
+          <a:p>
+            <a:pPr lvl="1">
+              <a:buClr>
+                <a:srgbClr val="00B050"/>
+              </a:buClr>
+              <a:buSzPct val="50000"/>
+              <a:buFont typeface="Wingdings" panose="05000000000000000000" pitchFamily="2" charset="2"/>
+              <a:buChar char="v"/>
+            </a:pPr>
+            <a:r>
+              <a:rPr lang="en-US" sz="1600">
+                <a:latin typeface="Georgia" panose="02040502050405020303" pitchFamily="18" charset="0"/>
+                <a:cs typeface="Helvetica" panose="020B0604020202020204" pitchFamily="34" charset="0"/>
+              </a:rPr>
+              <a:t>Every package we’re comparing against</a:t>
+            </a:r>
           </a:p>
         </p:txBody>
       </p:sp>
@@ -18070,27 +18112,27 @@
           <a:lstStyle/>
           <a:p>
             <a:r>
-              <a:rPr lang="en-US" sz="4000" dirty="0">
+              <a:rPr lang="en-US" sz="4000">
                 <a:latin typeface="Lobster" panose="00000500000000000000" pitchFamily="2" charset="0"/>
                 <a:cs typeface="Varela Round" panose="020B0604020202020204" pitchFamily="2" charset="-79"/>
               </a:rPr>
               <a:t>Goal 1: </a:t>
             </a:r>
             <a:br>
-              <a:rPr lang="en-US" sz="4000" dirty="0">
+              <a:rPr lang="en-US" sz="4000">
                 <a:latin typeface="Lobster" panose="00000500000000000000" pitchFamily="2" charset="0"/>
                 <a:cs typeface="Varela Round" panose="020B0604020202020204" pitchFamily="2" charset="-79"/>
               </a:rPr>
             </a:br>
             <a:r>
-              <a:rPr lang="en-US" sz="4000" dirty="0">
+              <a:rPr lang="en-US" sz="4000">
                 <a:latin typeface="Lobster" panose="00000500000000000000" pitchFamily="2" charset="0"/>
                 <a:cs typeface="Varela Round" panose="020B0604020202020204" pitchFamily="2" charset="-79"/>
               </a:rPr>
               <a:t>Present </a:t>
             </a:r>
             <a:r>
-              <a:rPr lang="en-US" sz="4000" dirty="0">
+              <a:rPr lang="en-US" sz="4000">
                 <a:solidFill>
                   <a:srgbClr val="C00000"/>
                 </a:solidFill>
@@ -18100,7 +18142,7 @@
               <a:t>Noel</a:t>
             </a:r>
             <a:r>
-              <a:rPr lang="en-US" sz="4000" dirty="0">
+              <a:rPr lang="en-US" sz="4000">
                 <a:solidFill>
                   <a:schemeClr val="accent3">
                     <a:lumMod val="75000"/>
@@ -18112,14 +18154,14 @@
               <a:t> </a:t>
             </a:r>
             <a:r>
-              <a:rPr lang="en-US" sz="4000" dirty="0">
+              <a:rPr lang="en-US" sz="4000">
                 <a:latin typeface="Lobster" panose="00000500000000000000" pitchFamily="2" charset="0"/>
                 <a:cs typeface="Varela Round" panose="020B0604020202020204" pitchFamily="2" charset="-79"/>
               </a:rPr>
               <a:t>with</a:t>
             </a:r>
             <a:r>
-              <a:rPr lang="en-US" sz="4000" dirty="0">
+              <a:rPr lang="en-US" sz="4000">
                 <a:solidFill>
                   <a:schemeClr val="accent3">
                     <a:lumMod val="75000"/>
@@ -18131,7 +18173,7 @@
               <a:t> </a:t>
             </a:r>
             <a:r>
-              <a:rPr lang="en-US" sz="4000" dirty="0">
+              <a:rPr lang="en-US" sz="4000">
                 <a:solidFill>
                   <a:srgbClr val="002060"/>
                 </a:solidFill>
@@ -18141,7 +18183,7 @@
               <a:t>P1</a:t>
             </a:r>
             <a:r>
-              <a:rPr lang="en-US" sz="4000" dirty="0">
+              <a:rPr lang="en-US" sz="4000">
                 <a:latin typeface="Lobster" panose="00000500000000000000" pitchFamily="2" charset="0"/>
                 <a:cs typeface="Varela Round" panose="020B0604020202020204" pitchFamily="2" charset="-79"/>
               </a:rPr>
@@ -18183,7 +18225,7 @@
               <a:buNone/>
             </a:pPr>
             <a:r>
-              <a:rPr lang="en-US" sz="2000" dirty="0">
+              <a:rPr lang="en-US" sz="2000">
                 <a:solidFill>
                   <a:schemeClr val="accent5">
                     <a:lumMod val="50000"/>
@@ -18198,7 +18240,7 @@
             <a:pPr marL="0" indent="0">
               <a:buNone/>
             </a:pPr>
-            <a:endParaRPr lang="en-US" sz="2000" dirty="0">
+            <a:endParaRPr lang="en-US" sz="2000">
               <a:solidFill>
                 <a:schemeClr val="accent5">
                   <a:lumMod val="50000"/>
@@ -18212,7 +18254,7 @@
               <a:buNone/>
             </a:pPr>
             <a:r>
-              <a:rPr lang="en-US" sz="2000" dirty="0">
+              <a:rPr lang="en-US" sz="2000">
                 <a:solidFill>
                   <a:schemeClr val="accent5">
                     <a:lumMod val="50000"/>
@@ -18228,7 +18270,7 @@
               <a:buNone/>
             </a:pPr>
             <a:r>
-              <a:rPr lang="en-US" sz="2000" dirty="0">
+              <a:rPr lang="en-US" sz="2000">
                 <a:solidFill>
                   <a:schemeClr val="accent5">
                     <a:lumMod val="50000"/>
@@ -18244,7 +18286,7 @@
               <a:buNone/>
             </a:pPr>
             <a:r>
-              <a:rPr lang="en-US" sz="2000" dirty="0">
+              <a:rPr lang="en-US" sz="2000">
                 <a:solidFill>
                   <a:schemeClr val="accent5">
                     <a:lumMod val="50000"/>
@@ -18408,27 +18450,27 @@
           <a:lstStyle/>
           <a:p>
             <a:r>
-              <a:rPr lang="en-US" sz="4000" dirty="0">
+              <a:rPr lang="en-US" sz="4000">
                 <a:latin typeface="Lobster" panose="00000500000000000000" pitchFamily="2" charset="0"/>
                 <a:cs typeface="Varela Round" panose="020B0604020202020204" pitchFamily="2" charset="-79"/>
               </a:rPr>
               <a:t>Goal 1: </a:t>
             </a:r>
             <a:br>
-              <a:rPr lang="en-US" sz="4000" dirty="0">
+              <a:rPr lang="en-US" sz="4000">
                 <a:latin typeface="Lobster" panose="00000500000000000000" pitchFamily="2" charset="0"/>
                 <a:cs typeface="Varela Round" panose="020B0604020202020204" pitchFamily="2" charset="-79"/>
               </a:rPr>
             </a:br>
             <a:r>
-              <a:rPr lang="en-US" sz="4000" dirty="0">
+              <a:rPr lang="en-US" sz="4000">
                 <a:latin typeface="Lobster" panose="00000500000000000000" pitchFamily="2" charset="0"/>
                 <a:cs typeface="Varela Round" panose="020B0604020202020204" pitchFamily="2" charset="-79"/>
               </a:rPr>
               <a:t>Present </a:t>
             </a:r>
             <a:r>
-              <a:rPr lang="en-US" sz="4000" dirty="0">
+              <a:rPr lang="en-US" sz="4000">
                 <a:solidFill>
                   <a:srgbClr val="C00000"/>
                 </a:solidFill>
@@ -18438,14 +18480,14 @@
               <a:t>Noel</a:t>
             </a:r>
             <a:r>
-              <a:rPr lang="en-US" sz="4000" dirty="0">
+              <a:rPr lang="en-US" sz="4000">
                 <a:latin typeface="Lobster" panose="00000500000000000000" pitchFamily="2" charset="0"/>
                 <a:cs typeface="Varela Round" panose="020B0604020202020204" pitchFamily="2" charset="-79"/>
               </a:rPr>
               <a:t> with </a:t>
             </a:r>
             <a:r>
-              <a:rPr lang="en-US" sz="4000" dirty="0">
+              <a:rPr lang="en-US" sz="4000">
                 <a:solidFill>
                   <a:srgbClr val="002060"/>
                 </a:solidFill>
@@ -18455,7 +18497,7 @@
               <a:t>P1</a:t>
             </a:r>
             <a:r>
-              <a:rPr lang="en-US" sz="4000" dirty="0">
+              <a:rPr lang="en-US" sz="4000">
                 <a:latin typeface="Lobster" panose="00000500000000000000" pitchFamily="2" charset="0"/>
                 <a:cs typeface="Varela Round" panose="020B0604020202020204" pitchFamily="2" charset="-79"/>
               </a:rPr>
@@ -18464,8 +18506,8 @@
           </a:p>
         </p:txBody>
       </p:sp>
-      <mc:AlternateContent xmlns:mc="http://schemas.openxmlformats.org/markup-compatibility/2006" xmlns:a14="http://schemas.microsoft.com/office/drawing/2010/main">
-        <mc:Choice Requires="a14">
+      <mc:AlternateContent xmlns:mc="http://schemas.openxmlformats.org/markup-compatibility/2006">
+        <mc:Choice xmlns:a14="http://schemas.microsoft.com/office/drawing/2010/main" Requires="a14">
           <p:sp>
             <p:nvSpPr>
               <p:cNvPr id="3" name="Content Placeholder 2">
@@ -18493,7 +18535,7 @@
                   <a:buNone/>
                 </a:pPr>
                 <a:r>
-                  <a:rPr lang="en-US" sz="2000" dirty="0">
+                  <a:rPr lang="en-US" sz="2000">
                     <a:solidFill>
                       <a:srgbClr val="002060"/>
                     </a:solidFill>
@@ -18510,7 +18552,7 @@
                   <a:buChar char="ü"/>
                 </a:pPr>
                 <a:r>
-                  <a:rPr lang="en-US" sz="2000" dirty="0">
+                  <a:rPr lang="en-US" sz="2000">
                     <a:solidFill>
                       <a:srgbClr val="002060"/>
                     </a:solidFill>
@@ -18527,7 +18569,7 @@
                   <a:buChar char="ü"/>
                 </a:pPr>
                 <a:r>
-                  <a:rPr lang="en-US" sz="1600" dirty="0">
+                  <a:rPr lang="en-US" sz="1600">
                     <a:solidFill>
                       <a:srgbClr val="002060"/>
                     </a:solidFill>
@@ -18544,7 +18586,7 @@
                   <a:buChar char="ü"/>
                 </a:pPr>
                 <a:r>
-                  <a:rPr lang="en-US" sz="1600" dirty="0" err="1">
+                  <a:rPr lang="en-US" sz="1600" err="1">
                     <a:solidFill>
                       <a:srgbClr val="002060"/>
                     </a:solidFill>
@@ -18554,7 +18596,7 @@
                   </a:rPr>
                   <a:t>Jupyter</a:t>
                 </a:r>
-                <a:endParaRPr lang="en-US" sz="1600" dirty="0">
+                <a:endParaRPr lang="en-US" sz="1600">
                   <a:solidFill>
                     <a:srgbClr val="002060"/>
                   </a:solidFill>
@@ -18569,7 +18611,7 @@
                   <a:buChar char="ü"/>
                 </a:pPr>
                 <a:r>
-                  <a:rPr lang="en-US" sz="2000" dirty="0">
+                  <a:rPr lang="en-US" sz="2000">
                     <a:solidFill>
                       <a:srgbClr val="002060"/>
                     </a:solidFill>
@@ -18586,7 +18628,7 @@
                   <a:buChar char="ü"/>
                 </a:pPr>
                 <a:r>
-                  <a:rPr lang="en-US" sz="2000" dirty="0">
+                  <a:rPr lang="en-US" sz="2000">
                     <a:solidFill>
                       <a:srgbClr val="002060"/>
                     </a:solidFill>
@@ -18597,7 +18639,7 @@
                   <a:t> </a:t>
                 </a:r>
                 <a:r>
-                  <a:rPr lang="en-US" sz="2000" dirty="0" err="1">
+                  <a:rPr lang="en-US" sz="2000" err="1">
                     <a:solidFill>
                       <a:srgbClr val="002060"/>
                     </a:solidFill>
@@ -18608,7 +18650,7 @@
                   <a:t>DataFrames</a:t>
                 </a:r>
                 <a:r>
-                  <a:rPr lang="en-US" sz="2000" dirty="0">
+                  <a:rPr lang="en-US" sz="2000">
                     <a:solidFill>
                       <a:srgbClr val="002060"/>
                     </a:solidFill>
@@ -18907,7 +18949,7 @@
                   </m:oMath>
                 </a14:m>
                 <a:r>
-                  <a:rPr lang="en-US" sz="2000" b="0" dirty="0">
+                  <a:rPr lang="en-US" sz="2000" b="0">
                     <a:solidFill>
                       <a:srgbClr val="002060"/>
                     </a:solidFill>
@@ -19042,7 +19084,7 @@
                   </m:oMath>
                 </a14:m>
                 <a:r>
-                  <a:rPr lang="en-US" sz="2000" b="0" dirty="0">
+                  <a:rPr lang="en-US" sz="2000" b="0">
                     <a:solidFill>
                       <a:srgbClr val="002060"/>
                     </a:solidFill>
@@ -19059,7 +19101,7 @@
                   <a:buChar char="ü"/>
                 </a:pPr>
                 <a:r>
-                  <a:rPr lang="en-US" sz="2000" dirty="0">
+                  <a:rPr lang="en-US" sz="2000">
                     <a:solidFill>
                       <a:srgbClr val="002060"/>
                     </a:solidFill>
@@ -19070,7 +19112,7 @@
                   <a:t>All functions generating these data structures have the option to save those </a:t>
                 </a:r>
                 <a:r>
-                  <a:rPr lang="en-US" sz="2000" dirty="0" err="1">
+                  <a:rPr lang="en-US" sz="2000" err="1">
                     <a:solidFill>
                       <a:srgbClr val="002060"/>
                     </a:solidFill>
@@ -19081,7 +19123,7 @@
                   <a:t>DataFrames</a:t>
                 </a:r>
                 <a:r>
-                  <a:rPr lang="en-US" sz="2000" dirty="0">
+                  <a:rPr lang="en-US" sz="2000">
                     <a:solidFill>
                       <a:srgbClr val="002060"/>
                     </a:solidFill>
@@ -19098,7 +19140,7 @@
                   <a:buChar char="ü"/>
                 </a:pPr>
                 <a:r>
-                  <a:rPr lang="en-US" sz="2000" dirty="0">
+                  <a:rPr lang="en-US" sz="2000">
                     <a:solidFill>
                       <a:srgbClr val="002060"/>
                     </a:solidFill>
@@ -19124,7 +19166,7 @@
                   </m:oMath>
                 </a14:m>
                 <a:r>
-                  <a:rPr lang="en-US" sz="2000" dirty="0">
+                  <a:rPr lang="en-US" sz="2000">
                     <a:solidFill>
                       <a:srgbClr val="002060"/>
                     </a:solidFill>
@@ -19150,7 +19192,7 @@
                   </m:oMath>
                 </a14:m>
                 <a:r>
-                  <a:rPr lang="en-US" sz="2000" dirty="0">
+                  <a:rPr lang="en-US" sz="2000">
                     <a:solidFill>
                       <a:srgbClr val="002060"/>
                     </a:solidFill>
@@ -19161,7 +19203,7 @@
                   <a:t>) comparing our </a:t>
                 </a:r>
                 <a:r>
-                  <a:rPr lang="en-US" sz="2000" dirty="0" err="1">
+                  <a:rPr lang="en-US" sz="2000" err="1">
                     <a:solidFill>
                       <a:srgbClr val="002060"/>
                     </a:solidFill>
@@ -19172,7 +19214,7 @@
                   <a:t>PowerFlow</a:t>
                 </a:r>
                 <a:r>
-                  <a:rPr lang="en-US" sz="2000" dirty="0">
+                  <a:rPr lang="en-US" sz="2000">
                     <a:solidFill>
                       <a:srgbClr val="002060"/>
                     </a:solidFill>
@@ -19189,7 +19231,7 @@
                   <a:buChar char="ü"/>
                 </a:pPr>
                 <a:r>
-                  <a:rPr lang="en-US" sz="2000" dirty="0">
+                  <a:rPr lang="en-US" sz="2000">
                     <a:solidFill>
                       <a:srgbClr val="002060"/>
                     </a:solidFill>
@@ -19203,7 +19245,7 @@
             </p:txBody>
           </p:sp>
         </mc:Choice>
-        <mc:Fallback xmlns="">
+        <mc:Fallback>
           <p:sp>
             <p:nvSpPr>
               <p:cNvPr id="3" name="Content Placeholder 2">
@@ -19224,7 +19266,7 @@
               <a:blipFill>
                 <a:blip r:embed="rId2"/>
                 <a:stretch>
-                  <a:fillRect l="-638" t="-1261"/>
+                  <a:fillRect l="-638" t="-1401" r="-290"/>
                 </a:stretch>
               </a:blipFill>
             </p:spPr>
@@ -19394,14 +19436,6 @@
               </a:rPr>
               <a:t>Current Objective: Develop a One-Page Abstract for the proposed Julia Package</a:t>
             </a:r>
-            <a:endParaRPr lang="en-US" sz="4800" kern="1200" dirty="0">
-              <a:solidFill>
-                <a:schemeClr val="tx1"/>
-              </a:solidFill>
-              <a:latin typeface="+mj-lt"/>
-              <a:ea typeface="+mj-ea"/>
-              <a:cs typeface="+mj-cs"/>
-            </a:endParaRPr>
           </a:p>
         </p:txBody>
       </p:sp>
@@ -19628,14 +19662,6 @@
               </a:rPr>
               <a:t>Current Objective: Develop a One-Page Abstract for the proposed Julia Package</a:t>
             </a:r>
-            <a:endParaRPr lang="en-US" sz="4800" kern="1200" dirty="0">
-              <a:solidFill>
-                <a:schemeClr val="tx1"/>
-              </a:solidFill>
-              <a:latin typeface="+mj-lt"/>
-              <a:ea typeface="+mj-ea"/>
-              <a:cs typeface="+mj-cs"/>
-            </a:endParaRPr>
           </a:p>
         </p:txBody>
       </p:sp>
@@ -19848,7 +19874,7 @@
           <a:lstStyle/>
           <a:p>
             <a:r>
-              <a:rPr lang="en-US" dirty="0"/>
+              <a:rPr lang="en-US"/>
               <a:t>Need to have him on-board.</a:t>
             </a:r>
           </a:p>
@@ -20497,14 +20523,6 @@
 </file>
 
 <file path=customXml/item2.xml><?xml version="1.0" encoding="utf-8"?>
-<p:properties xmlns:p="http://schemas.microsoft.com/office/2006/metadata/properties" xmlns:xsi="http://www.w3.org/2001/XMLSchema-instance" xmlns:pc="http://schemas.microsoft.com/office/infopath/2007/PartnerControls">
-  <documentManagement>
-    <_activity xmlns="07b86a79-a0e0-4fae-97d8-d960552457a2" xsi:nil="true"/>
-  </documentManagement>
-</p:properties>
-</file>
-
-<file path=customXml/item3.xml><?xml version="1.0" encoding="utf-8"?>
 <ct:contentTypeSchema xmlns:ct="http://schemas.microsoft.com/office/2006/metadata/contentType" xmlns:ma="http://schemas.microsoft.com/office/2006/metadata/properties/metaAttributes" ct:_="" ma:_="" ma:contentTypeName="Document" ma:contentTypeID="0x0101008EDD631CF16A9D4597B7910261C15C8D" ma:contentTypeVersion="8" ma:contentTypeDescription="Create a new document." ma:contentTypeScope="" ma:versionID="6df697ab8c469b327c4ca0ad6150b4d8">
   <xsd:schema xmlns:xsd="http://www.w3.org/2001/XMLSchema" xmlns:xs="http://www.w3.org/2001/XMLSchema" xmlns:p="http://schemas.microsoft.com/office/2006/metadata/properties" xmlns:ns3="07b86a79-a0e0-4fae-97d8-d960552457a2" xmlns:ns4="40f16175-07f6-4179-a7d3-44240c48c007" targetNamespace="http://schemas.microsoft.com/office/2006/metadata/properties" ma:root="true" ma:fieldsID="82c1df116234835aaac4f6705de5e513" ns3:_="" ns4:_="">
     <xsd:import namespace="07b86a79-a0e0-4fae-97d8-d960552457a2"/>
@@ -20693,6 +20711,14 @@
 </ct:contentTypeSchema>
 </file>
 
+<file path=customXml/item3.xml><?xml version="1.0" encoding="utf-8"?>
+<p:properties xmlns:p="http://schemas.microsoft.com/office/2006/metadata/properties" xmlns:xsi="http://www.w3.org/2001/XMLSchema-instance" xmlns:pc="http://schemas.microsoft.com/office/infopath/2007/PartnerControls">
+  <documentManagement>
+    <_activity xmlns="07b86a79-a0e0-4fae-97d8-d960552457a2" xsi:nil="true"/>
+  </documentManagement>
+</p:properties>
+</file>
+
 <file path=customXml/itemProps1.xml><?xml version="1.0" encoding="utf-8"?>
 <ds:datastoreItem xmlns:ds="http://schemas.openxmlformats.org/officeDocument/2006/customXml" ds:itemID="{8397E5B5-CBAB-4D43-BECA-E802B196F34B}">
   <ds:schemaRefs>
@@ -20702,37 +20728,37 @@
 </file>
 
 <file path=customXml/itemProps2.xml><?xml version="1.0" encoding="utf-8"?>
-<ds:datastoreItem xmlns:ds="http://schemas.openxmlformats.org/officeDocument/2006/customXml" ds:itemID="{8C02F8EE-7320-4FCF-B11C-9EEC626F5FA8}">
+<ds:datastoreItem xmlns:ds="http://schemas.openxmlformats.org/officeDocument/2006/customXml" ds:itemID="{837DA910-2E67-4D61-A7CC-4E283793B666}">
   <ds:schemaRefs>
-    <ds:schemaRef ds:uri="http://purl.org/dc/dcmitype/"/>
+    <ds:schemaRef ds:uri="07b86a79-a0e0-4fae-97d8-d960552457a2"/>
+    <ds:schemaRef ds:uri="40f16175-07f6-4179-a7d3-44240c48c007"/>
+    <ds:schemaRef ds:uri="http://purl.org/dc/elements/1.1/"/>
+    <ds:schemaRef ds:uri="http://purl.org/dc/terms/"/>
+    <ds:schemaRef ds:uri="http://schemas.microsoft.com/internal/obd"/>
+    <ds:schemaRef ds:uri="http://schemas.microsoft.com/office/2006/documentManagement/types"/>
+    <ds:schemaRef ds:uri="http://schemas.microsoft.com/office/2006/metadata/contentType"/>
     <ds:schemaRef ds:uri="http://schemas.microsoft.com/office/2006/metadata/properties"/>
-    <ds:schemaRef ds:uri="http://schemas.microsoft.com/office/2006/documentManagement/types"/>
-    <ds:schemaRef ds:uri="http://purl.org/dc/elements/1.1/"/>
+    <ds:schemaRef ds:uri="http://schemas.microsoft.com/office/2006/metadata/properties/metaAttributes"/>
     <ds:schemaRef ds:uri="http://schemas.microsoft.com/office/infopath/2007/PartnerControls"/>
-    <ds:schemaRef ds:uri="07b86a79-a0e0-4fae-97d8-d960552457a2"/>
     <ds:schemaRef ds:uri="http://schemas.openxmlformats.org/package/2006/metadata/core-properties"/>
-    <ds:schemaRef ds:uri="40f16175-07f6-4179-a7d3-44240c48c007"/>
-    <ds:schemaRef ds:uri="http://www.w3.org/XML/1998/namespace"/>
-    <ds:schemaRef ds:uri="http://purl.org/dc/terms/"/>
+    <ds:schemaRef ds:uri="http://www.w3.org/2001/XMLSchema"/>
   </ds:schemaRefs>
 </ds:datastoreItem>
 </file>
 
 <file path=customXml/itemProps3.xml><?xml version="1.0" encoding="utf-8"?>
-<ds:datastoreItem xmlns:ds="http://schemas.openxmlformats.org/officeDocument/2006/customXml" ds:itemID="{837DA910-2E67-4D61-A7CC-4E283793B666}">
+<ds:datastoreItem xmlns:ds="http://schemas.openxmlformats.org/officeDocument/2006/customXml" ds:itemID="{8C02F8EE-7320-4FCF-B11C-9EEC626F5FA8}">
   <ds:schemaRefs>
-    <ds:schemaRef ds:uri="http://schemas.microsoft.com/office/2006/metadata/contentType"/>
-    <ds:schemaRef ds:uri="http://schemas.microsoft.com/office/2006/metadata/properties/metaAttributes"/>
-    <ds:schemaRef ds:uri="http://www.w3.org/2001/XMLSchema"/>
-    <ds:schemaRef ds:uri="http://schemas.microsoft.com/office/2006/metadata/properties"/>
     <ds:schemaRef ds:uri="07b86a79-a0e0-4fae-97d8-d960552457a2"/>
     <ds:schemaRef ds:uri="40f16175-07f6-4179-a7d3-44240c48c007"/>
+    <ds:schemaRef ds:uri="http://purl.org/dc/dcmitype/"/>
+    <ds:schemaRef ds:uri="http://purl.org/dc/elements/1.1/"/>
+    <ds:schemaRef ds:uri="http://purl.org/dc/terms/"/>
     <ds:schemaRef ds:uri="http://schemas.microsoft.com/office/2006/documentManagement/types"/>
+    <ds:schemaRef ds:uri="http://schemas.microsoft.com/office/2006/metadata/properties"/>
     <ds:schemaRef ds:uri="http://schemas.microsoft.com/office/infopath/2007/PartnerControls"/>
     <ds:schemaRef ds:uri="http://schemas.openxmlformats.org/package/2006/metadata/core-properties"/>
-    <ds:schemaRef ds:uri="http://purl.org/dc/elements/1.1/"/>
-    <ds:schemaRef ds:uri="http://purl.org/dc/terms/"/>
-    <ds:schemaRef ds:uri="http://schemas.microsoft.com/internal/obd"/>
+    <ds:schemaRef ds:uri="http://www.w3.org/XML/1998/namespace"/>
   </ds:schemaRefs>
 </ds:datastoreItem>
 </file>
--- a/ee521_julia_plan.pptx
+++ b/ee521_julia_plan.pptx
@@ -40,9 +40,11 @@
     <p:sldId id="263" r:id="rId37"/>
     <p:sldId id="269" r:id="rId38"/>
     <p:sldId id="262" r:id="rId39"/>
-    <p:sldId id="272" r:id="rId40"/>
-    <p:sldId id="258" r:id="rId41"/>
-    <p:sldId id="273" r:id="rId42"/>
+    <p:sldId id="299" r:id="rId40"/>
+    <p:sldId id="298" r:id="rId41"/>
+    <p:sldId id="272" r:id="rId42"/>
+    <p:sldId id="258" r:id="rId43"/>
+    <p:sldId id="273" r:id="rId44"/>
   </p:sldIdLst>
   <p:sldSz cx="12192000" cy="6858000"/>
   <p:notesSz cx="6858000" cy="9144000"/>
@@ -152,7 +154,7 @@
 <file path=ppt/revisionInfo.xml><?xml version="1.0" encoding="utf-8"?>
 <p1510:revInfo xmlns:a="http://schemas.openxmlformats.org/drawingml/2006/main" xmlns:r="http://schemas.openxmlformats.org/officeDocument/2006/relationships" xmlns:p1510="http://schemas.microsoft.com/office/powerpoint/2015/10/main">
   <p1510:revLst>
-    <p1510:client id="{59271A2F-800F-4122-AAC7-0E7320B692D6}" v="22" dt="2023-06-06T05:23:05.912"/>
+    <p1510:client id="{59271A2F-800F-4122-AAC7-0E7320B692D6}" v="370" dt="2023-06-07T00:43:57.385"/>
   </p1510:revLst>
 </p1510:revInfo>
 </file>
@@ -161,11 +163,26 @@
 <pc:chgInfo xmlns:a="http://schemas.openxmlformats.org/drawingml/2006/main" xmlns:r="http://schemas.openxmlformats.org/officeDocument/2006/relationships" xmlns:ac="http://schemas.microsoft.com/office/drawing/2013/main/command" xmlns:pc="http://schemas.microsoft.com/office/powerpoint/2013/main/command">
   <pc:docChgLst>
     <pc:chgData name="Jha, Aryan Ritwajeet" userId="2aad577e-539b-449b-83a6-8d411f484b4d" providerId="ADAL" clId="{59271A2F-800F-4122-AAC7-0E7320B692D6}"/>
-    <pc:docChg chg="modSld">
-      <pc:chgData name="Jha, Aryan Ritwajeet" userId="2aad577e-539b-449b-83a6-8d411f484b4d" providerId="ADAL" clId="{59271A2F-800F-4122-AAC7-0E7320B692D6}" dt="2023-06-06T05:23:01.524" v="20" actId="20577"/>
+    <pc:docChg chg="undo custSel addSld modSld">
+      <pc:chgData name="Jha, Aryan Ritwajeet" userId="2aad577e-539b-449b-83a6-8d411f484b4d" providerId="ADAL" clId="{59271A2F-800F-4122-AAC7-0E7320B692D6}" dt="2023-06-07T00:43:57.384" v="1467" actId="20577"/>
       <pc:docMkLst>
         <pc:docMk/>
       </pc:docMkLst>
+      <pc:sldChg chg="modSp mod">
+        <pc:chgData name="Jha, Aryan Ritwajeet" userId="2aad577e-539b-449b-83a6-8d411f484b4d" providerId="ADAL" clId="{59271A2F-800F-4122-AAC7-0E7320B692D6}" dt="2023-06-07T00:31:11.551" v="853" actId="207"/>
+        <pc:sldMkLst>
+          <pc:docMk/>
+          <pc:sldMk cId="740687609" sldId="272"/>
+        </pc:sldMkLst>
+        <pc:graphicFrameChg chg="modGraphic">
+          <ac:chgData name="Jha, Aryan Ritwajeet" userId="2aad577e-539b-449b-83a6-8d411f484b4d" providerId="ADAL" clId="{59271A2F-800F-4122-AAC7-0E7320B692D6}" dt="2023-06-07T00:31:11.551" v="853" actId="207"/>
+          <ac:graphicFrameMkLst>
+            <pc:docMk/>
+            <pc:sldMk cId="740687609" sldId="272"/>
+            <ac:graphicFrameMk id="4" creationId="{779F6E6E-7735-8C19-7280-5EAF56FF77CD}"/>
+          </ac:graphicFrameMkLst>
+        </pc:graphicFrameChg>
+      </pc:sldChg>
       <pc:sldChg chg="modSp mod">
         <pc:chgData name="Jha, Aryan Ritwajeet" userId="2aad577e-539b-449b-83a6-8d411f484b4d" providerId="ADAL" clId="{59271A2F-800F-4122-AAC7-0E7320B692D6}" dt="2023-06-06T05:23:01.524" v="20" actId="20577"/>
         <pc:sldMkLst>
@@ -178,6 +195,44 @@
             <pc:docMk/>
             <pc:sldMk cId="1141745103" sldId="294"/>
             <ac:spMk id="3" creationId="{3867C106-46B0-FE1A-BABF-5078A19ABE82}"/>
+          </ac:spMkLst>
+        </pc:spChg>
+      </pc:sldChg>
+      <pc:sldChg chg="modSp new mod">
+        <pc:chgData name="Jha, Aryan Ritwajeet" userId="2aad577e-539b-449b-83a6-8d411f484b4d" providerId="ADAL" clId="{59271A2F-800F-4122-AAC7-0E7320B692D6}" dt="2023-06-07T00:32:19.442" v="933" actId="207"/>
+        <pc:sldMkLst>
+          <pc:docMk/>
+          <pc:sldMk cId="753531470" sldId="298"/>
+        </pc:sldMkLst>
+        <pc:spChg chg="mod">
+          <ac:chgData name="Jha, Aryan Ritwajeet" userId="2aad577e-539b-449b-83a6-8d411f484b4d" providerId="ADAL" clId="{59271A2F-800F-4122-AAC7-0E7320B692D6}" dt="2023-06-07T00:31:22.468" v="854" actId="207"/>
+          <ac:spMkLst>
+            <pc:docMk/>
+            <pc:sldMk cId="753531470" sldId="298"/>
+            <ac:spMk id="2" creationId="{A6356650-F690-31BC-E5AD-5EA5C723EE0C}"/>
+          </ac:spMkLst>
+        </pc:spChg>
+        <pc:spChg chg="mod">
+          <ac:chgData name="Jha, Aryan Ritwajeet" userId="2aad577e-539b-449b-83a6-8d411f484b4d" providerId="ADAL" clId="{59271A2F-800F-4122-AAC7-0E7320B692D6}" dt="2023-06-07T00:32:19.442" v="933" actId="207"/>
+          <ac:spMkLst>
+            <pc:docMk/>
+            <pc:sldMk cId="753531470" sldId="298"/>
+            <ac:spMk id="3" creationId="{19EAD700-9CB1-1ED7-248D-4D43669823A8}"/>
+          </ac:spMkLst>
+        </pc:spChg>
+      </pc:sldChg>
+      <pc:sldChg chg="modSp add mod">
+        <pc:chgData name="Jha, Aryan Ritwajeet" userId="2aad577e-539b-449b-83a6-8d411f484b4d" providerId="ADAL" clId="{59271A2F-800F-4122-AAC7-0E7320B692D6}" dt="2023-06-07T00:43:57.384" v="1467" actId="20577"/>
+        <pc:sldMkLst>
+          <pc:docMk/>
+          <pc:sldMk cId="928494366" sldId="299"/>
+        </pc:sldMkLst>
+        <pc:spChg chg="mod">
+          <ac:chgData name="Jha, Aryan Ritwajeet" userId="2aad577e-539b-449b-83a6-8d411f484b4d" providerId="ADAL" clId="{59271A2F-800F-4122-AAC7-0E7320B692D6}" dt="2023-06-07T00:43:57.384" v="1467" actId="20577"/>
+          <ac:spMkLst>
+            <pc:docMk/>
+            <pc:sldMk cId="928494366" sldId="299"/>
+            <ac:spMk id="3" creationId="{B248B06E-0246-4FEF-533A-B0C46C596083}"/>
           </ac:spMkLst>
         </pc:spChg>
       </pc:sldChg>
@@ -3378,7 +3433,7 @@
           <a:p>
             <a:fld id="{CD0EE7A6-4846-4730-80C3-BA00371415CC}" type="datetimeFigureOut">
               <a:rPr lang="en-IN" smtClean="0"/>
-              <a:t>05-06-2023</a:t>
+              <a:t>06-06-2023</a:t>
             </a:fld>
             <a:endParaRPr lang="en-IN"/>
           </a:p>
@@ -3578,7 +3633,7 @@
           <a:p>
             <a:fld id="{CD0EE7A6-4846-4730-80C3-BA00371415CC}" type="datetimeFigureOut">
               <a:rPr lang="en-IN" smtClean="0"/>
-              <a:t>05-06-2023</a:t>
+              <a:t>06-06-2023</a:t>
             </a:fld>
             <a:endParaRPr lang="en-IN"/>
           </a:p>
@@ -3788,7 +3843,7 @@
           <a:p>
             <a:fld id="{CD0EE7A6-4846-4730-80C3-BA00371415CC}" type="datetimeFigureOut">
               <a:rPr lang="en-IN" smtClean="0"/>
-              <a:t>05-06-2023</a:t>
+              <a:t>06-06-2023</a:t>
             </a:fld>
             <a:endParaRPr lang="en-IN"/>
           </a:p>
@@ -3988,7 +4043,7 @@
           <a:p>
             <a:fld id="{CD0EE7A6-4846-4730-80C3-BA00371415CC}" type="datetimeFigureOut">
               <a:rPr lang="en-IN" smtClean="0"/>
-              <a:t>05-06-2023</a:t>
+              <a:t>06-06-2023</a:t>
             </a:fld>
             <a:endParaRPr lang="en-IN"/>
           </a:p>
@@ -4264,7 +4319,7 @@
           <a:p>
             <a:fld id="{CD0EE7A6-4846-4730-80C3-BA00371415CC}" type="datetimeFigureOut">
               <a:rPr lang="en-IN" smtClean="0"/>
-              <a:t>05-06-2023</a:t>
+              <a:t>06-06-2023</a:t>
             </a:fld>
             <a:endParaRPr lang="en-IN"/>
           </a:p>
@@ -4532,7 +4587,7 @@
           <a:p>
             <a:fld id="{CD0EE7A6-4846-4730-80C3-BA00371415CC}" type="datetimeFigureOut">
               <a:rPr lang="en-IN" smtClean="0"/>
-              <a:t>05-06-2023</a:t>
+              <a:t>06-06-2023</a:t>
             </a:fld>
             <a:endParaRPr lang="en-IN"/>
           </a:p>
@@ -4947,7 +5002,7 @@
           <a:p>
             <a:fld id="{CD0EE7A6-4846-4730-80C3-BA00371415CC}" type="datetimeFigureOut">
               <a:rPr lang="en-IN" smtClean="0"/>
-              <a:t>05-06-2023</a:t>
+              <a:t>06-06-2023</a:t>
             </a:fld>
             <a:endParaRPr lang="en-IN"/>
           </a:p>
@@ -5089,7 +5144,7 @@
           <a:p>
             <a:fld id="{CD0EE7A6-4846-4730-80C3-BA00371415CC}" type="datetimeFigureOut">
               <a:rPr lang="en-IN" smtClean="0"/>
-              <a:t>05-06-2023</a:t>
+              <a:t>06-06-2023</a:t>
             </a:fld>
             <a:endParaRPr lang="en-IN"/>
           </a:p>
@@ -5202,7 +5257,7 @@
           <a:p>
             <a:fld id="{CD0EE7A6-4846-4730-80C3-BA00371415CC}" type="datetimeFigureOut">
               <a:rPr lang="en-IN" smtClean="0"/>
-              <a:t>05-06-2023</a:t>
+              <a:t>06-06-2023</a:t>
             </a:fld>
             <a:endParaRPr lang="en-IN"/>
           </a:p>
@@ -5515,7 +5570,7 @@
           <a:p>
             <a:fld id="{CD0EE7A6-4846-4730-80C3-BA00371415CC}" type="datetimeFigureOut">
               <a:rPr lang="en-IN" smtClean="0"/>
-              <a:t>05-06-2023</a:t>
+              <a:t>06-06-2023</a:t>
             </a:fld>
             <a:endParaRPr lang="en-IN"/>
           </a:p>
@@ -5804,7 +5859,7 @@
           <a:p>
             <a:fld id="{CD0EE7A6-4846-4730-80C3-BA00371415CC}" type="datetimeFigureOut">
               <a:rPr lang="en-IN" smtClean="0"/>
-              <a:t>05-06-2023</a:t>
+              <a:t>06-06-2023</a:t>
             </a:fld>
             <a:endParaRPr lang="en-IN"/>
           </a:p>
@@ -6047,7 +6102,7 @@
           <a:p>
             <a:fld id="{CD0EE7A6-4846-4730-80C3-BA00371415CC}" type="datetimeFigureOut">
               <a:rPr lang="en-IN" smtClean="0"/>
-              <a:t>05-06-2023</a:t>
+              <a:t>06-06-2023</a:t>
             </a:fld>
             <a:endParaRPr lang="en-IN"/>
           </a:p>
@@ -11098,8 +11153,8 @@
           </a:p>
         </p:txBody>
       </p:sp>
-      <mc:AlternateContent xmlns:mc="http://schemas.openxmlformats.org/markup-compatibility/2006">
-        <mc:Choice xmlns:a14="http://schemas.microsoft.com/office/drawing/2010/main" Requires="a14">
+      <mc:AlternateContent xmlns:mc="http://schemas.openxmlformats.org/markup-compatibility/2006" xmlns:a14="http://schemas.microsoft.com/office/drawing/2010/main">
+        <mc:Choice Requires="a14">
           <p:sp>
             <p:nvSpPr>
               <p:cNvPr id="3" name="Content Placeholder 2">
@@ -11204,7 +11259,7 @@
             </p:txBody>
           </p:sp>
         </mc:Choice>
-        <mc:Fallback>
+        <mc:Fallback xmlns="">
           <p:sp>
             <p:nvSpPr>
               <p:cNvPr id="3" name="Content Placeholder 2">
@@ -11567,8 +11622,8 @@
           </a:p>
         </p:txBody>
       </p:sp>
-      <mc:AlternateContent xmlns:mc="http://schemas.openxmlformats.org/markup-compatibility/2006">
-        <mc:Choice xmlns:a14="http://schemas.microsoft.com/office/drawing/2010/main" Requires="a14">
+      <mc:AlternateContent xmlns:mc="http://schemas.openxmlformats.org/markup-compatibility/2006" xmlns:a14="http://schemas.microsoft.com/office/drawing/2010/main">
+        <mc:Choice Requires="a14">
           <p:sp>
             <p:nvSpPr>
               <p:cNvPr id="5" name="Content Placeholder 4">
@@ -12240,7 +12295,7 @@
             </p:txBody>
           </p:sp>
         </mc:Choice>
-        <mc:Fallback>
+        <mc:Fallback xmlns="">
           <p:sp>
             <p:nvSpPr>
               <p:cNvPr id="5" name="Content Placeholder 4">
@@ -12413,8 +12468,8 @@
           </a:p>
         </p:txBody>
       </p:sp>
-      <mc:AlternateContent xmlns:mc="http://schemas.openxmlformats.org/markup-compatibility/2006">
-        <mc:Choice xmlns:a14="http://schemas.microsoft.com/office/drawing/2010/main" Requires="a14">
+      <mc:AlternateContent xmlns:mc="http://schemas.openxmlformats.org/markup-compatibility/2006" xmlns:a14="http://schemas.microsoft.com/office/drawing/2010/main">
+        <mc:Choice Requires="a14">
           <p:sp>
             <p:nvSpPr>
               <p:cNvPr id="3" name="Content Placeholder 2">
@@ -12831,7 +12886,7 @@
             </p:txBody>
           </p:sp>
         </mc:Choice>
-        <mc:Fallback>
+        <mc:Fallback xmlns="">
           <p:sp>
             <p:nvSpPr>
               <p:cNvPr id="3" name="Content Placeholder 2">
@@ -16802,7 +16857,7 @@
           <p:cNvPr id="2" name="Title 1">
             <a:extLst>
               <a:ext uri="{FF2B5EF4-FFF2-40B4-BE49-F238E27FC236}">
-                <a16:creationId xmlns:a16="http://schemas.microsoft.com/office/drawing/2014/main" id="{CB8D80A0-3C5C-206A-41CE-CD937A8C9107}"/>
+                <a16:creationId xmlns:a16="http://schemas.microsoft.com/office/drawing/2014/main" id="{A907B655-ADC6-0DB3-D40C-B4A4F02C56AD}"/>
               </a:ext>
             </a:extLst>
           </p:cNvPr>
@@ -16818,6 +16873,853 @@
           <a:bodyPr/>
           <a:lstStyle/>
           <a:p>
+            <a:r>
+              <a:rPr lang="en-IN"/>
+              <a:t>Sample functions in modules</a:t>
+            </a:r>
+          </a:p>
+        </p:txBody>
+      </p:sp>
+      <mc:AlternateContent xmlns:mc="http://schemas.openxmlformats.org/markup-compatibility/2006">
+        <mc:Choice xmlns:a14="http://schemas.microsoft.com/office/drawing/2010/main" Requires="a14">
+          <p:sp>
+            <p:nvSpPr>
+              <p:cNvPr id="3" name="Content Placeholder 2">
+                <a:extLst>
+                  <a:ext uri="{FF2B5EF4-FFF2-40B4-BE49-F238E27FC236}">
+                    <a16:creationId xmlns:a16="http://schemas.microsoft.com/office/drawing/2014/main" id="{B248B06E-0246-4FEF-533A-B0C46C596083}"/>
+                  </a:ext>
+                </a:extLst>
+              </p:cNvPr>
+              <p:cNvSpPr>
+                <a:spLocks noGrp="1"/>
+              </p:cNvSpPr>
+              <p:nvPr>
+                <p:ph idx="1"/>
+              </p:nvPr>
+            </p:nvSpPr>
+            <p:spPr/>
+            <p:txBody>
+              <a:bodyPr>
+                <a:normAutofit/>
+              </a:bodyPr>
+              <a:lstStyle/>
+              <a:p>
+                <a:r>
+                  <a:rPr lang="en-IN" b="1" dirty="0">
+                    <a:solidFill>
+                      <a:srgbClr val="9558B2"/>
+                    </a:solidFill>
+                  </a:rPr>
+                  <a:t>P5: </a:t>
+                </a:r>
+                <a:r>
+                  <a:rPr lang="en-IN" b="1" dirty="0" err="1">
+                    <a:solidFill>
+                      <a:srgbClr val="9558B2"/>
+                    </a:solidFill>
+                  </a:rPr>
+                  <a:t>NKGSmallSignalStability</a:t>
+                </a:r>
+                <a:endParaRPr lang="en-IN" b="1" dirty="0">
+                  <a:solidFill>
+                    <a:srgbClr val="9558B2"/>
+                  </a:solidFill>
+                </a:endParaRPr>
+              </a:p>
+              <a:p>
+                <a:r>
+                  <a:rPr lang="en-IN" dirty="0"/>
+                  <a:t>Dependencies:</a:t>
+                </a:r>
+                <a:r>
+                  <a:rPr lang="en-IN" b="1" dirty="0">
+                    <a:solidFill>
+                      <a:schemeClr val="accent2">
+                        <a:lumMod val="75000"/>
+                      </a:schemeClr>
+                    </a:solidFill>
+                  </a:rPr>
+                  <a:t> </a:t>
+                </a:r>
+                <a:r>
+                  <a:rPr lang="en-IN" b="1" dirty="0" err="1">
+                    <a:solidFill>
+                      <a:srgbClr val="002060"/>
+                    </a:solidFill>
+                  </a:rPr>
+                  <a:t>NKGPowerFlow</a:t>
+                </a:r>
+                <a:r>
+                  <a:rPr lang="en-IN" dirty="0"/>
+                  <a:t>: </a:t>
+                </a:r>
+                <a:r>
+                  <a:rPr lang="en-IN" i="1" dirty="0" err="1"/>
+                  <a:t>initializeVectors</a:t>
+                </a:r>
+                <a:r>
+                  <a:rPr lang="en-IN" dirty="0"/>
+                  <a:t>,</a:t>
+                </a:r>
+                <a:r>
+                  <a:rPr lang="en-IN" i="1" dirty="0"/>
+                  <a:t> </a:t>
+                </a:r>
+                <a:r>
+                  <a:rPr lang="en-IN" i="1" dirty="0" err="1"/>
+                  <a:t>solveForPowerFlow</a:t>
+                </a:r>
+                <a:endParaRPr lang="en-IN" dirty="0"/>
+              </a:p>
+              <a:p>
+                <a:r>
+                  <a:rPr lang="en-IN" dirty="0"/>
+                  <a:t>Suggested functions: </a:t>
+                </a:r>
+                <a:r>
+                  <a:rPr lang="en-IN" sz="2000" dirty="0" err="1"/>
+                  <a:t>generateEquilibriumEquations</a:t>
+                </a:r>
+                <a14:m>
+                  <m:oMath xmlns:m="http://schemas.openxmlformats.org/officeDocument/2006/math">
+                    <m:r>
+                      <a:rPr lang="en-US" sz="2000" b="0" i="0" smtClean="0">
+                        <a:latin typeface="Cambria Math" panose="02040503050406030204" pitchFamily="18" charset="0"/>
+                      </a:rPr>
+                      <m:t>(</m:t>
+                    </m:r>
+                    <m:r>
+                      <m:rPr>
+                        <m:sty m:val="p"/>
+                      </m:rPr>
+                      <a:rPr lang="en-US" sz="2000" b="0" i="0" smtClean="0">
+                        <a:latin typeface="Cambria Math" panose="02040503050406030204" pitchFamily="18" charset="0"/>
+                      </a:rPr>
+                      <m:t>b</m:t>
+                    </m:r>
+                    <m:r>
+                      <a:rPr lang="en-US" sz="2000" b="0" i="1" smtClean="0">
+                        <a:latin typeface="Cambria Math" panose="02040503050406030204" pitchFamily="18" charset="0"/>
+                      </a:rPr>
+                      <m:t>𝑢𝑠𝐷𝑎𝑡𝑎</m:t>
+                    </m:r>
+                    <m:r>
+                      <a:rPr lang="en-US" sz="2000" b="0" i="1" smtClean="0">
+                        <a:latin typeface="Cambria Math" panose="02040503050406030204" pitchFamily="18" charset="0"/>
+                      </a:rPr>
+                      <m:t>, </m:t>
+                    </m:r>
+                    <m:r>
+                      <a:rPr lang="en-US" sz="2000" b="0" i="1" smtClean="0">
+                        <a:latin typeface="Cambria Math" panose="02040503050406030204" pitchFamily="18" charset="0"/>
+                      </a:rPr>
+                      <m:t>𝑏𝑟𝑎𝑛𝑐h𝐷𝑎𝑡𝑎</m:t>
+                    </m:r>
+                    <m:r>
+                      <a:rPr lang="en-US" sz="2000" b="0" i="1" smtClean="0">
+                        <a:latin typeface="Cambria Math" panose="02040503050406030204" pitchFamily="18" charset="0"/>
+                      </a:rPr>
+                      <m:t>, </m:t>
+                    </m:r>
+                    <m:r>
+                      <a:rPr lang="en-US" sz="2000" b="0" i="1" smtClean="0">
+                        <a:latin typeface="Cambria Math" panose="02040503050406030204" pitchFamily="18" charset="0"/>
+                      </a:rPr>
+                      <m:t>𝑟𝑒𝑠𝑢𝑙𝑡𝐷𝑎𝑡𝑎</m:t>
+                    </m:r>
+                    <m:r>
+                      <a:rPr lang="en-US" sz="2000" b="0" i="1" smtClean="0">
+                        <a:latin typeface="Cambria Math" panose="02040503050406030204" pitchFamily="18" charset="0"/>
+                      </a:rPr>
+                      <m:t>, </m:t>
+                    </m:r>
+                    <m:r>
+                      <a:rPr lang="en-US" sz="2000" b="0" i="1" smtClean="0">
+                        <a:latin typeface="Cambria Math" panose="02040503050406030204" pitchFamily="18" charset="0"/>
+                      </a:rPr>
+                      <m:t>𝑚𝑜𝑑𝑒𝑙𝑇𝑦𝑝𝑒</m:t>
+                    </m:r>
+                    <m:r>
+                      <a:rPr lang="en-US" sz="2000" b="0" i="1" smtClean="0">
+                        <a:latin typeface="Cambria Math" panose="02040503050406030204" pitchFamily="18" charset="0"/>
+                      </a:rPr>
+                      <m:t>)</m:t>
+                    </m:r>
+                  </m:oMath>
+                </a14:m>
+                <a:endParaRPr lang="en-IN" sz="2000" dirty="0"/>
+              </a:p>
+              <a:p>
+                <a:pPr marL="0" indent="0">
+                  <a:buNone/>
+                </a:pPr>
+                <a:r>
+                  <a:rPr lang="en-IN" sz="2000" dirty="0"/>
+                  <a:t>    </a:t>
+                </a:r>
+                <a:r>
+                  <a:rPr lang="en-IN" sz="2000" dirty="0" err="1"/>
+                  <a:t>generateSmallSignalStabilityEquations</a:t>
+                </a:r>
+                <a14:m>
+                  <m:oMath xmlns:m="http://schemas.openxmlformats.org/officeDocument/2006/math">
+                    <m:r>
+                      <a:rPr lang="en-US" sz="2000" b="0" i="0" smtClean="0">
+                        <a:latin typeface="Cambria Math" panose="02040503050406030204" pitchFamily="18" charset="0"/>
+                      </a:rPr>
+                      <m:t>(</m:t>
+                    </m:r>
+                    <m:r>
+                      <m:rPr>
+                        <m:sty m:val="p"/>
+                      </m:rPr>
+                      <a:rPr lang="en-US" sz="2000" b="0" i="0" smtClean="0">
+                        <a:latin typeface="Cambria Math" panose="02040503050406030204" pitchFamily="18" charset="0"/>
+                      </a:rPr>
+                      <m:t>b</m:t>
+                    </m:r>
+                    <m:r>
+                      <a:rPr lang="en-US" sz="2000" b="0" i="1" smtClean="0">
+                        <a:latin typeface="Cambria Math" panose="02040503050406030204" pitchFamily="18" charset="0"/>
+                      </a:rPr>
+                      <m:t>𝑢𝑠𝐷𝑎𝑡𝑎</m:t>
+                    </m:r>
+                    <m:r>
+                      <a:rPr lang="en-US" sz="2000" b="0" i="1" smtClean="0">
+                        <a:latin typeface="Cambria Math" panose="02040503050406030204" pitchFamily="18" charset="0"/>
+                      </a:rPr>
+                      <m:t>, </m:t>
+                    </m:r>
+                    <m:r>
+                      <a:rPr lang="en-US" sz="2000" b="0" i="1" smtClean="0">
+                        <a:latin typeface="Cambria Math" panose="02040503050406030204" pitchFamily="18" charset="0"/>
+                      </a:rPr>
+                      <m:t>𝑏𝑟𝑎𝑛𝑐h𝐷𝑎𝑡𝑎</m:t>
+                    </m:r>
+                    <m:r>
+                      <a:rPr lang="en-US" sz="2000" b="0" i="1" smtClean="0">
+                        <a:latin typeface="Cambria Math" panose="02040503050406030204" pitchFamily="18" charset="0"/>
+                      </a:rPr>
+                      <m:t>, </m:t>
+                    </m:r>
+                    <m:r>
+                      <a:rPr lang="en-US" sz="2000" b="0" i="1" smtClean="0">
+                        <a:latin typeface="Cambria Math" panose="02040503050406030204" pitchFamily="18" charset="0"/>
+                      </a:rPr>
+                      <m:t>𝑟𝑒𝑠𝑢𝑙𝑡𝐷𝑎𝑡𝑎</m:t>
+                    </m:r>
+                    <m:r>
+                      <a:rPr lang="en-US" sz="2000" b="0" i="1" smtClean="0">
+                        <a:latin typeface="Cambria Math" panose="02040503050406030204" pitchFamily="18" charset="0"/>
+                      </a:rPr>
+                      <m:t>, </m:t>
+                    </m:r>
+                    <m:r>
+                      <a:rPr lang="en-US" sz="2000" b="0" i="1" smtClean="0">
+                        <a:latin typeface="Cambria Math" panose="02040503050406030204" pitchFamily="18" charset="0"/>
+                      </a:rPr>
+                      <m:t>𝑚𝑜𝑑𝑒𝑙𝑇𝑦𝑝𝑒</m:t>
+                    </m:r>
+                    <m:r>
+                      <a:rPr lang="en-US" sz="2000" b="0" i="1" smtClean="0">
+                        <a:latin typeface="Cambria Math" panose="02040503050406030204" pitchFamily="18" charset="0"/>
+                      </a:rPr>
+                      <m:t>)</m:t>
+                    </m:r>
+                  </m:oMath>
+                </a14:m>
+                <a:endParaRPr lang="en-IN" sz="2000" dirty="0"/>
+              </a:p>
+              <a:p>
+                <a14:m>
+                  <m:oMath xmlns:m="http://schemas.openxmlformats.org/officeDocument/2006/math">
+                    <m:sSub>
+                      <m:sSubPr>
+                        <m:ctrlPr>
+                          <a:rPr lang="en-US" sz="2000" b="0" i="1" smtClean="0">
+                            <a:latin typeface="Cambria Math" panose="02040503050406030204" pitchFamily="18" charset="0"/>
+                          </a:rPr>
+                        </m:ctrlPr>
+                      </m:sSubPr>
+                      <m:e>
+                        <m:r>
+                          <a:rPr lang="en-US" sz="2000" b="0" i="1" smtClean="0">
+                            <a:latin typeface="Cambria Math" panose="02040503050406030204" pitchFamily="18" charset="0"/>
+                          </a:rPr>
+                          <m:t>𝑌</m:t>
+                        </m:r>
+                      </m:e>
+                      <m:sub>
+                        <m:r>
+                          <a:rPr lang="en-US" sz="2000" b="0" i="1" smtClean="0">
+                            <a:latin typeface="Cambria Math" panose="02040503050406030204" pitchFamily="18" charset="0"/>
+                          </a:rPr>
+                          <m:t>𝐺𝑒𝑛</m:t>
+                        </m:r>
+                      </m:sub>
+                    </m:sSub>
+                    <m:r>
+                      <a:rPr lang="en-US" sz="2000" b="0" i="1" smtClean="0">
+                        <a:latin typeface="Cambria Math" panose="02040503050406030204" pitchFamily="18" charset="0"/>
+                      </a:rPr>
+                      <m:t>= </m:t>
+                    </m:r>
+                  </m:oMath>
+                </a14:m>
+                <a:r>
+                  <a:rPr lang="en-IN" sz="2000" i="1" dirty="0" err="1"/>
+                  <a:t>generateYGen</a:t>
+                </a:r>
+                <a14:m>
+                  <m:oMath xmlns:m="http://schemas.openxmlformats.org/officeDocument/2006/math">
+                    <m:d>
+                      <m:dPr>
+                        <m:ctrlPr>
+                          <a:rPr lang="en-US" sz="2000" b="0" i="1" smtClean="0">
+                            <a:latin typeface="Cambria Math" panose="02040503050406030204" pitchFamily="18" charset="0"/>
+                          </a:rPr>
+                        </m:ctrlPr>
+                      </m:dPr>
+                      <m:e>
+                        <m:r>
+                          <a:rPr lang="en-US" sz="2000" b="0" i="1" smtClean="0">
+                            <a:latin typeface="Cambria Math" panose="02040503050406030204" pitchFamily="18" charset="0"/>
+                          </a:rPr>
+                          <m:t>𝑏𝑢𝑠𝐷𝑎𝑡𝑎</m:t>
+                        </m:r>
+                        <m:r>
+                          <a:rPr lang="en-US" sz="2000" b="0" i="1" smtClean="0">
+                            <a:latin typeface="Cambria Math" panose="02040503050406030204" pitchFamily="18" charset="0"/>
+                          </a:rPr>
+                          <m:t>, </m:t>
+                        </m:r>
+                        <m:r>
+                          <a:rPr lang="en-US" sz="2000" b="0" i="1" smtClean="0">
+                            <a:latin typeface="Cambria Math" panose="02040503050406030204" pitchFamily="18" charset="0"/>
+                          </a:rPr>
+                          <m:t>𝑏𝑟𝑎𝑛𝑐h𝐷𝑎𝑡𝑎</m:t>
+                        </m:r>
+                      </m:e>
+                    </m:d>
+                  </m:oMath>
+                </a14:m>
+                <a:endParaRPr lang="en-US" sz="2000" b="0" i="1" dirty="0"/>
+              </a:p>
+              <a:p>
+                <a:pPr lvl="1"/>
+                <a:r>
+                  <a:rPr lang="en-US" sz="1600" b="0" dirty="0"/>
+                  <a:t>[</a:t>
+                </a:r>
+                <a14:m>
+                  <m:oMath xmlns:m="http://schemas.openxmlformats.org/officeDocument/2006/math">
+                    <m:r>
+                      <a:rPr lang="en-US" sz="1600" b="0" i="1" smtClean="0">
+                        <a:latin typeface="Cambria Math" panose="02040503050406030204" pitchFamily="18" charset="0"/>
+                      </a:rPr>
+                      <m:t>𝑏𝑢𝑠𝐷𝑎𝑡𝑎𝑀𝑜𝑑𝑖𝑓𝑖𝑒𝑑</m:t>
+                    </m:r>
+                    <m:r>
+                      <a:rPr lang="en-US" sz="1600" b="0" i="1" smtClean="0">
+                        <a:latin typeface="Cambria Math" panose="02040503050406030204" pitchFamily="18" charset="0"/>
+                      </a:rPr>
+                      <m:t>, </m:t>
+                    </m:r>
+                    <m:r>
+                      <a:rPr lang="en-US" sz="1600" b="0" i="1" smtClean="0">
+                        <a:latin typeface="Cambria Math" panose="02040503050406030204" pitchFamily="18" charset="0"/>
+                      </a:rPr>
+                      <m:t>𝑏𝑟𝑎𝑛𝑐h𝐷𝑎𝑡𝑎𝑀𝑜𝑑𝑖𝑓𝑖𝑒𝑑</m:t>
+                    </m:r>
+                    <m:r>
+                      <a:rPr lang="en-US" sz="1600" b="0" i="1" smtClean="0">
+                        <a:latin typeface="Cambria Math" panose="02040503050406030204" pitchFamily="18" charset="0"/>
+                      </a:rPr>
+                      <m:t>]= </m:t>
+                    </m:r>
+                  </m:oMath>
+                </a14:m>
+                <a:r>
+                  <a:rPr lang="en-IN" sz="1600" i="1" dirty="0" err="1"/>
+                  <a:t>modifyForYNet</a:t>
+                </a:r>
+                <a:r>
+                  <a:rPr lang="en-IN" sz="1600" i="1" dirty="0"/>
+                  <a:t>(</a:t>
+                </a:r>
+                <a14:m>
+                  <m:oMath xmlns:m="http://schemas.openxmlformats.org/officeDocument/2006/math">
+                    <m:r>
+                      <a:rPr lang="en-US" sz="1600" b="0" i="1" smtClean="0">
+                        <a:latin typeface="Cambria Math" panose="02040503050406030204" pitchFamily="18" charset="0"/>
+                      </a:rPr>
+                      <m:t>𝑏𝑢𝑠𝐷𝑎𝑡𝑎</m:t>
+                    </m:r>
+                    <m:r>
+                      <a:rPr lang="en-US" sz="1600" b="0" i="1" smtClean="0">
+                        <a:latin typeface="Cambria Math" panose="02040503050406030204" pitchFamily="18" charset="0"/>
+                      </a:rPr>
+                      <m:t>, </m:t>
+                    </m:r>
+                    <m:r>
+                      <a:rPr lang="en-US" sz="1600" b="0" i="1" smtClean="0">
+                        <a:latin typeface="Cambria Math" panose="02040503050406030204" pitchFamily="18" charset="0"/>
+                      </a:rPr>
+                      <m:t>𝑏𝑟𝑎𝑛𝑐h𝐷𝑎𝑡𝑎</m:t>
+                    </m:r>
+                  </m:oMath>
+                </a14:m>
+                <a:r>
+                  <a:rPr lang="en-IN" sz="1600" dirty="0"/>
+                  <a:t>)</a:t>
+                </a:r>
+              </a:p>
+              <a:p>
+                <a:pPr lvl="1"/>
+                <a14:m>
+                  <m:oMath xmlns:m="http://schemas.openxmlformats.org/officeDocument/2006/math">
+                    <m:sSub>
+                      <m:sSubPr>
+                        <m:ctrlPr>
+                          <a:rPr lang="en-US" sz="1600" b="0" i="1" smtClean="0">
+                            <a:latin typeface="Cambria Math" panose="02040503050406030204" pitchFamily="18" charset="0"/>
+                          </a:rPr>
+                        </m:ctrlPr>
+                      </m:sSubPr>
+                      <m:e>
+                        <m:r>
+                          <a:rPr lang="en-US" sz="1600" b="0" i="1" smtClean="0">
+                            <a:latin typeface="Cambria Math" panose="02040503050406030204" pitchFamily="18" charset="0"/>
+                          </a:rPr>
+                          <m:t>𝑌</m:t>
+                        </m:r>
+                      </m:e>
+                      <m:sub>
+                        <m:r>
+                          <a:rPr lang="en-US" sz="1600" b="0" i="1" smtClean="0">
+                            <a:latin typeface="Cambria Math" panose="02040503050406030204" pitchFamily="18" charset="0"/>
+                          </a:rPr>
+                          <m:t>𝑁𝑒𝑡</m:t>
+                        </m:r>
+                      </m:sub>
+                    </m:sSub>
+                  </m:oMath>
+                </a14:m>
+                <a:r>
+                  <a:rPr lang="en-IN" sz="1600" dirty="0"/>
+                  <a:t> = </a:t>
+                </a:r>
+                <a14:m>
+                  <m:oMath xmlns:m="http://schemas.openxmlformats.org/officeDocument/2006/math">
+                    <m:r>
+                      <a:rPr lang="en-US" sz="1600" b="0" i="1" smtClean="0">
+                        <a:latin typeface="Cambria Math" panose="02040503050406030204" pitchFamily="18" charset="0"/>
+                      </a:rPr>
+                      <m:t>𝑔𝑒𝑛𝑒𝑟𝑎𝑡𝑒𝑌𝐵𝑢𝑠</m:t>
+                    </m:r>
+                    <m:r>
+                      <a:rPr lang="en-US" sz="1600" b="0" i="1" smtClean="0">
+                        <a:latin typeface="Cambria Math" panose="02040503050406030204" pitchFamily="18" charset="0"/>
+                      </a:rPr>
+                      <m:t>(</m:t>
+                    </m:r>
+                    <m:r>
+                      <m:rPr>
+                        <m:nor/>
+                      </m:rPr>
+                      <a:rPr lang="en-US" sz="1600" dirty="0"/>
+                      <m:t>[</m:t>
+                    </m:r>
+                    <m:r>
+                      <a:rPr lang="en-US" sz="1600" i="1">
+                        <a:latin typeface="Cambria Math" panose="02040503050406030204" pitchFamily="18" charset="0"/>
+                      </a:rPr>
+                      <m:t>𝑏𝑢𝑠𝐷𝑎𝑡𝑎𝑀𝑜𝑑𝑖𝑓𝑖𝑒𝑑</m:t>
+                    </m:r>
+                    <m:r>
+                      <a:rPr lang="en-US" sz="1600" i="1">
+                        <a:latin typeface="Cambria Math" panose="02040503050406030204" pitchFamily="18" charset="0"/>
+                      </a:rPr>
+                      <m:t>, </m:t>
+                    </m:r>
+                    <m:r>
+                      <a:rPr lang="en-US" sz="1600" i="1">
+                        <a:latin typeface="Cambria Math" panose="02040503050406030204" pitchFamily="18" charset="0"/>
+                      </a:rPr>
+                      <m:t>𝑏𝑟𝑎𝑛𝑐h𝐷𝑎𝑡𝑎𝑀𝑜𝑑𝑖𝑓𝑖𝑒𝑑</m:t>
+                    </m:r>
+                    <m:r>
+                      <a:rPr lang="en-US" sz="1600" i="1">
+                        <a:latin typeface="Cambria Math" panose="02040503050406030204" pitchFamily="18" charset="0"/>
+                      </a:rPr>
+                      <m:t>]</m:t>
+                    </m:r>
+                  </m:oMath>
+                </a14:m>
+                <a:r>
+                  <a:rPr lang="en-IN" sz="1600" dirty="0"/>
+                  <a:t>)</a:t>
+                </a:r>
+              </a:p>
+              <a:p>
+                <a:pPr lvl="1"/>
+                <a14:m>
+                  <m:oMath xmlns:m="http://schemas.openxmlformats.org/officeDocument/2006/math">
+                    <m:sSub>
+                      <m:sSubPr>
+                        <m:ctrlPr>
+                          <a:rPr lang="en-US" sz="1600" b="0" i="1" smtClean="0">
+                            <a:latin typeface="Cambria Math" panose="02040503050406030204" pitchFamily="18" charset="0"/>
+                          </a:rPr>
+                        </m:ctrlPr>
+                      </m:sSubPr>
+                      <m:e>
+                        <m:r>
+                          <a:rPr lang="en-US" sz="1600" b="0" i="1" smtClean="0">
+                            <a:latin typeface="Cambria Math" panose="02040503050406030204" pitchFamily="18" charset="0"/>
+                          </a:rPr>
+                          <m:t>𝑌</m:t>
+                        </m:r>
+                      </m:e>
+                      <m:sub>
+                        <m:r>
+                          <a:rPr lang="en-US" sz="1600" b="0" i="1" smtClean="0">
+                            <a:latin typeface="Cambria Math" panose="02040503050406030204" pitchFamily="18" charset="0"/>
+                          </a:rPr>
+                          <m:t>𝐺𝑒𝑛</m:t>
+                        </m:r>
+                      </m:sub>
+                    </m:sSub>
+                    <m:r>
+                      <a:rPr lang="en-US" sz="1600" b="0" i="1" smtClean="0">
+                        <a:latin typeface="Cambria Math" panose="02040503050406030204" pitchFamily="18" charset="0"/>
+                      </a:rPr>
+                      <m:t>= </m:t>
+                    </m:r>
+                  </m:oMath>
+                </a14:m>
+                <a:r>
+                  <a:rPr lang="en-IN" sz="1600" dirty="0" err="1"/>
+                  <a:t>constructYGen</a:t>
+                </a:r>
+                <a:r>
+                  <a:rPr lang="en-IN" sz="1600" dirty="0"/>
+                  <a:t>(</a:t>
+                </a:r>
+                <a14:m>
+                  <m:oMath xmlns:m="http://schemas.openxmlformats.org/officeDocument/2006/math">
+                    <m:sSub>
+                      <m:sSubPr>
+                        <m:ctrlPr>
+                          <a:rPr lang="en-US" sz="1600" b="0" i="1" smtClean="0">
+                            <a:latin typeface="Cambria Math" panose="02040503050406030204" pitchFamily="18" charset="0"/>
+                          </a:rPr>
+                        </m:ctrlPr>
+                      </m:sSubPr>
+                      <m:e>
+                        <m:r>
+                          <a:rPr lang="en-US" sz="1600" b="0" i="1" smtClean="0">
+                            <a:latin typeface="Cambria Math" panose="02040503050406030204" pitchFamily="18" charset="0"/>
+                          </a:rPr>
+                          <m:t>𝑌</m:t>
+                        </m:r>
+                      </m:e>
+                      <m:sub>
+                        <m:r>
+                          <a:rPr lang="en-US" sz="1600" b="0" i="1" smtClean="0">
+                            <a:latin typeface="Cambria Math" panose="02040503050406030204" pitchFamily="18" charset="0"/>
+                          </a:rPr>
+                          <m:t>𝑁𝑒𝑡</m:t>
+                        </m:r>
+                      </m:sub>
+                    </m:sSub>
+                    <m:r>
+                      <a:rPr lang="en-US" sz="1600" b="0" i="1" smtClean="0">
+                        <a:latin typeface="Cambria Math" panose="02040503050406030204" pitchFamily="18" charset="0"/>
+                      </a:rPr>
+                      <m:t>)</m:t>
+                    </m:r>
+                  </m:oMath>
+                </a14:m>
+                <a:endParaRPr lang="en-IN" sz="1600" dirty="0"/>
+              </a:p>
+              <a:p>
+                <a:r>
+                  <a:rPr lang="en-IN" sz="2000" i="1" dirty="0" err="1"/>
+                  <a:t>solveForOPF</a:t>
+                </a:r>
+                <a:r>
+                  <a:rPr lang="en-IN" sz="2000" i="1" dirty="0"/>
+                  <a:t> </a:t>
+                </a:r>
+                <a:r>
+                  <a:rPr lang="en-IN" sz="2000" dirty="0"/>
+                  <a:t>for the next two scenarios</a:t>
+                </a:r>
+              </a:p>
+              <a:p>
+                <a:pPr lvl="1"/>
+                <a:r>
+                  <a:rPr lang="en-IN" sz="1800" i="1" dirty="0" err="1"/>
+                  <a:t>generateSymoblicPowerFlowEquations</a:t>
+                </a:r>
+                <a:endParaRPr lang="en-IN" sz="1800" i="1" dirty="0"/>
+              </a:p>
+              <a:p>
+                <a:endParaRPr lang="en-IN" i="1" dirty="0"/>
+              </a:p>
+              <a:p>
+                <a:endParaRPr lang="en-IN" i="1" dirty="0"/>
+              </a:p>
+            </p:txBody>
+          </p:sp>
+        </mc:Choice>
+        <mc:Fallback>
+          <p:sp>
+            <p:nvSpPr>
+              <p:cNvPr id="3" name="Content Placeholder 2">
+                <a:extLst>
+                  <a:ext uri="{FF2B5EF4-FFF2-40B4-BE49-F238E27FC236}">
+                    <a16:creationId xmlns:a16="http://schemas.microsoft.com/office/drawing/2014/main" id="{B248B06E-0246-4FEF-533A-B0C46C596083}"/>
+                  </a:ext>
+                </a:extLst>
+              </p:cNvPr>
+              <p:cNvSpPr>
+                <a:spLocks noGrp="1" noRot="1" noChangeAspect="1" noMove="1" noResize="1" noEditPoints="1" noAdjustHandles="1" noChangeArrowheads="1" noChangeShapeType="1" noTextEdit="1"/>
+              </p:cNvSpPr>
+              <p:nvPr>
+                <p:ph idx="1"/>
+              </p:nvPr>
+            </p:nvSpPr>
+            <p:spPr>
+              <a:blipFill>
+                <a:blip r:embed="rId2"/>
+                <a:stretch>
+                  <a:fillRect l="-1043" t="-2241"/>
+                </a:stretch>
+              </a:blipFill>
+            </p:spPr>
+            <p:txBody>
+              <a:bodyPr/>
+              <a:lstStyle/>
+              <a:p>
+                <a:r>
+                  <a:rPr lang="en-US">
+                    <a:noFill/>
+                  </a:rPr>
+                  <a:t> </a:t>
+                </a:r>
+              </a:p>
+            </p:txBody>
+          </p:sp>
+        </mc:Fallback>
+      </mc:AlternateContent>
+    </p:spTree>
+    <p:extLst>
+      <p:ext uri="{BB962C8B-B14F-4D97-AF65-F5344CB8AC3E}">
+        <p14:creationId xmlns:p14="http://schemas.microsoft.com/office/powerpoint/2010/main" val="928494366"/>
+      </p:ext>
+    </p:extLst>
+  </p:cSld>
+  <p:clrMapOvr>
+    <a:masterClrMapping/>
+  </p:clrMapOvr>
+</p:sld>
+</file>
+
+<file path=ppt/slides/slide37.xml><?xml version="1.0" encoding="utf-8"?>
+<p:sld xmlns:a="http://schemas.openxmlformats.org/drawingml/2006/main" xmlns:r="http://schemas.openxmlformats.org/officeDocument/2006/relationships" xmlns:p="http://schemas.openxmlformats.org/presentationml/2006/main">
+  <p:cSld>
+    <p:spTree>
+      <p:nvGrpSpPr>
+        <p:cNvPr id="1" name=""/>
+        <p:cNvGrpSpPr/>
+        <p:nvPr/>
+      </p:nvGrpSpPr>
+      <p:grpSpPr>
+        <a:xfrm>
+          <a:off x="0" y="0"/>
+          <a:ext cx="0" cy="0"/>
+          <a:chOff x="0" y="0"/>
+          <a:chExt cx="0" cy="0"/>
+        </a:xfrm>
+      </p:grpSpPr>
+      <p:sp>
+        <p:nvSpPr>
+          <p:cNvPr id="2" name="Title 1">
+            <a:extLst>
+              <a:ext uri="{FF2B5EF4-FFF2-40B4-BE49-F238E27FC236}">
+                <a16:creationId xmlns:a16="http://schemas.microsoft.com/office/drawing/2014/main" id="{A6356650-F690-31BC-E5AD-5EA5C723EE0C}"/>
+              </a:ext>
+            </a:extLst>
+          </p:cNvPr>
+          <p:cNvSpPr>
+            <a:spLocks noGrp="1"/>
+          </p:cNvSpPr>
+          <p:nvPr>
+            <p:ph type="title"/>
+          </p:nvPr>
+        </p:nvSpPr>
+        <p:spPr/>
+        <p:txBody>
+          <a:bodyPr/>
+          <a:lstStyle/>
+          <a:p>
+            <a:r>
+              <a:rPr lang="en-US" dirty="0"/>
+              <a:t>Goal X: Show Mani </a:t>
+            </a:r>
+            <a:r>
+              <a:rPr lang="en-US" dirty="0">
+                <a:solidFill>
+                  <a:srgbClr val="9558B2"/>
+                </a:solidFill>
+              </a:rPr>
+              <a:t>P6</a:t>
+            </a:r>
+            <a:r>
+              <a:rPr lang="en-US" dirty="0"/>
+              <a:t> and P7</a:t>
+            </a:r>
+          </a:p>
+        </p:txBody>
+      </p:sp>
+      <p:sp>
+        <p:nvSpPr>
+          <p:cNvPr id="3" name="Content Placeholder 2">
+            <a:extLst>
+              <a:ext uri="{FF2B5EF4-FFF2-40B4-BE49-F238E27FC236}">
+                <a16:creationId xmlns:a16="http://schemas.microsoft.com/office/drawing/2014/main" id="{19EAD700-9CB1-1ED7-248D-4D43669823A8}"/>
+              </a:ext>
+            </a:extLst>
+          </p:cNvPr>
+          <p:cNvSpPr>
+            <a:spLocks noGrp="1"/>
+          </p:cNvSpPr>
+          <p:nvPr>
+            <p:ph idx="1"/>
+          </p:nvPr>
+        </p:nvSpPr>
+        <p:spPr/>
+        <p:txBody>
+          <a:bodyPr/>
+          <a:lstStyle/>
+          <a:p>
+            <a:r>
+              <a:rPr lang="en-US" dirty="0"/>
+              <a:t>Required steps: </a:t>
+            </a:r>
+          </a:p>
+          <a:p>
+            <a:pPr marL="914400" lvl="1" indent="-457200">
+              <a:buFont typeface="+mj-lt"/>
+              <a:buAutoNum type="arabicPeriod"/>
+            </a:pPr>
+            <a:r>
+              <a:rPr lang="en-US" dirty="0"/>
+              <a:t>Dynamic Initialization (</a:t>
+            </a:r>
+            <a:r>
+              <a:rPr lang="en-US" dirty="0" err="1"/>
+              <a:t>DynInit</a:t>
+            </a:r>
+            <a:r>
+              <a:rPr lang="en-US" dirty="0"/>
+              <a:t>)</a:t>
+            </a:r>
+          </a:p>
+          <a:p>
+            <a:pPr marL="914400" lvl="1" indent="-457200">
+              <a:buFont typeface="+mj-lt"/>
+              <a:buAutoNum type="arabicPeriod"/>
+            </a:pPr>
+            <a:r>
+              <a:rPr lang="en-US" dirty="0">
+                <a:solidFill>
+                  <a:srgbClr val="9558B2"/>
+                </a:solidFill>
+              </a:rPr>
+              <a:t>Small-Signal Stability Analysis (SSSA) P6</a:t>
+            </a:r>
+          </a:p>
+          <a:p>
+            <a:pPr marL="914400" lvl="1" indent="-457200">
+              <a:buFont typeface="+mj-lt"/>
+              <a:buAutoNum type="arabicPeriod"/>
+            </a:pPr>
+            <a:r>
+              <a:rPr lang="en-US" dirty="0"/>
+              <a:t>Transient Stability Analysis (TSA) P7</a:t>
+            </a:r>
+          </a:p>
+          <a:p>
+            <a:r>
+              <a:rPr lang="en-US" dirty="0"/>
+              <a:t>Sub-goal: Get Type 3 aka Classical Model for ieee11 to for all three steps. Implement Type 2 and Type 1 for </a:t>
+            </a:r>
+            <a:r>
+              <a:rPr lang="en-US" dirty="0">
+                <a:solidFill>
+                  <a:srgbClr val="9558B2"/>
+                </a:solidFill>
+              </a:rPr>
+              <a:t>P6</a:t>
+            </a:r>
+          </a:p>
+        </p:txBody>
+      </p:sp>
+    </p:spTree>
+    <p:extLst>
+      <p:ext uri="{BB962C8B-B14F-4D97-AF65-F5344CB8AC3E}">
+        <p14:creationId xmlns:p14="http://schemas.microsoft.com/office/powerpoint/2010/main" val="753531470"/>
+      </p:ext>
+    </p:extLst>
+  </p:cSld>
+  <p:clrMapOvr>
+    <a:masterClrMapping/>
+  </p:clrMapOvr>
+</p:sld>
+</file>
+
+<file path=ppt/slides/slide38.xml><?xml version="1.0" encoding="utf-8"?>
+<p:sld xmlns:a="http://schemas.openxmlformats.org/drawingml/2006/main" xmlns:r="http://schemas.openxmlformats.org/officeDocument/2006/relationships" xmlns:p="http://schemas.openxmlformats.org/presentationml/2006/main">
+  <p:cSld>
+    <p:spTree>
+      <p:nvGrpSpPr>
+        <p:cNvPr id="1" name=""/>
+        <p:cNvGrpSpPr/>
+        <p:nvPr/>
+      </p:nvGrpSpPr>
+      <p:grpSpPr>
+        <a:xfrm>
+          <a:off x="0" y="0"/>
+          <a:ext cx="0" cy="0"/>
+          <a:chOff x="0" y="0"/>
+          <a:chExt cx="0" cy="0"/>
+        </a:xfrm>
+      </p:grpSpPr>
+      <p:sp>
+        <p:nvSpPr>
+          <p:cNvPr id="2" name="Title 1">
+            <a:extLst>
+              <a:ext uri="{FF2B5EF4-FFF2-40B4-BE49-F238E27FC236}">
+                <a16:creationId xmlns:a16="http://schemas.microsoft.com/office/drawing/2014/main" id="{CB8D80A0-3C5C-206A-41CE-CD937A8C9107}"/>
+              </a:ext>
+            </a:extLst>
+          </p:cNvPr>
+          <p:cNvSpPr>
+            <a:spLocks noGrp="1"/>
+          </p:cNvSpPr>
+          <p:nvPr>
+            <p:ph type="title"/>
+          </p:nvPr>
+        </p:nvSpPr>
+        <p:spPr/>
+        <p:txBody>
+          <a:bodyPr/>
+          <a:lstStyle/>
+          <a:p>
             <a:pPr algn="ctr"/>
             <a:r>
               <a:rPr lang="en-US"/>
@@ -16850,14 +17752,14 @@
             <p:ph idx="1"/>
             <p:extLst>
               <p:ext uri="{D42A27DB-BD31-4B8C-83A1-F6EECF244321}">
-                <p14:modId xmlns:p14="http://schemas.microsoft.com/office/powerpoint/2010/main" val="2144016078"/>
+                <p14:modId xmlns:p14="http://schemas.microsoft.com/office/powerpoint/2010/main" val="2039683992"/>
               </p:ext>
             </p:extLst>
           </p:nvPr>
         </p:nvGraphicFramePr>
         <p:xfrm>
           <a:off x="259308" y="1839273"/>
-          <a:ext cx="11532357" cy="4124960"/>
+          <a:ext cx="11532357" cy="4155440"/>
         </p:xfrm>
         <a:graphic>
           <a:graphicData uri="http://schemas.openxmlformats.org/drawingml/2006/table">
@@ -16916,10 +17818,10 @@
                     <a:lstStyle/>
                     <a:p>
                       <a:r>
-                        <a:rPr lang="en-US"/>
+                        <a:rPr lang="en-US" sz="1600" dirty="0"/>
                         <a:t>Project Number</a:t>
                       </a:r>
-                      <a:endParaRPr lang="en-IN"/>
+                      <a:endParaRPr lang="en-IN" sz="1600" dirty="0"/>
                     </a:p>
                   </a:txBody>
                   <a:tcPr/>
@@ -16930,10 +17832,10 @@
                     <a:lstStyle/>
                     <a:p>
                       <a:r>
-                        <a:rPr lang="en-US"/>
+                        <a:rPr lang="en-US" sz="1600"/>
                         <a:t>Project Name</a:t>
                       </a:r>
-                      <a:endParaRPr lang="en-IN"/>
+                      <a:endParaRPr lang="en-IN" sz="1600"/>
                     </a:p>
                   </a:txBody>
                   <a:tcPr/>
@@ -16944,10 +17846,10 @@
                     <a:lstStyle/>
                     <a:p>
                       <a:r>
-                        <a:rPr lang="en-US"/>
+                        <a:rPr lang="en-US" sz="1600"/>
                         <a:t>Encountered or Perceived Toughness</a:t>
                       </a:r>
-                      <a:endParaRPr lang="en-IN"/>
+                      <a:endParaRPr lang="en-IN" sz="1600"/>
                     </a:p>
                   </a:txBody>
                   <a:tcPr/>
@@ -16958,10 +17860,10 @@
                     <a:lstStyle/>
                     <a:p>
                       <a:r>
-                        <a:rPr lang="en-US"/>
+                        <a:rPr lang="en-US" sz="1600"/>
                         <a:t>Expect Time for Completion [hours]</a:t>
                       </a:r>
-                      <a:endParaRPr lang="en-IN"/>
+                      <a:endParaRPr lang="en-IN" sz="1600"/>
                     </a:p>
                   </a:txBody>
                   <a:tcPr/>
@@ -16972,10 +17874,10 @@
                     <a:lstStyle/>
                     <a:p>
                       <a:r>
-                        <a:rPr lang="en-US"/>
+                        <a:rPr lang="en-US" sz="1200" dirty="0"/>
                         <a:t>Remarks</a:t>
                       </a:r>
-                      <a:endParaRPr lang="en-IN"/>
+                      <a:endParaRPr lang="en-IN" sz="1200" dirty="0"/>
                     </a:p>
                   </a:txBody>
                   <a:tcPr/>
@@ -16986,10 +17888,10 @@
                     <a:lstStyle/>
                     <a:p>
                       <a:r>
-                        <a:rPr lang="en-US"/>
+                        <a:rPr lang="en-US" sz="1600"/>
                         <a:t>Prerequisites</a:t>
                       </a:r>
-                      <a:endParaRPr lang="en-IN"/>
+                      <a:endParaRPr lang="en-IN" sz="1600"/>
                     </a:p>
                   </a:txBody>
                   <a:tcPr/>
@@ -17007,14 +17909,14 @@
                     <a:lstStyle/>
                     <a:p>
                       <a:r>
-                        <a:rPr lang="en-US" b="1">
+                        <a:rPr lang="en-US" sz="1600" b="1">
                           <a:solidFill>
                             <a:srgbClr val="002060"/>
                           </a:solidFill>
                         </a:rPr>
                         <a:t>1</a:t>
                       </a:r>
-                      <a:endParaRPr lang="en-IN" b="1">
+                      <a:endParaRPr lang="en-IN" sz="1600" b="1">
                         <a:solidFill>
                           <a:srgbClr val="002060"/>
                         </a:solidFill>
@@ -17029,14 +17931,14 @@
                     <a:lstStyle/>
                     <a:p>
                       <a:r>
-                        <a:rPr lang="en-US" b="1" err="1">
+                        <a:rPr lang="en-US" sz="1600" b="1" err="1">
                           <a:solidFill>
                             <a:srgbClr val="002060"/>
                           </a:solidFill>
                         </a:rPr>
                         <a:t>PowerFlow</a:t>
                       </a:r>
-                      <a:endParaRPr lang="en-IN" b="1">
+                      <a:endParaRPr lang="en-IN" sz="1600" b="1">
                         <a:solidFill>
                           <a:srgbClr val="002060"/>
                         </a:solidFill>
@@ -17051,10 +17953,10 @@
                     <a:lstStyle/>
                     <a:p>
                       <a:r>
-                        <a:rPr lang="en-US"/>
+                        <a:rPr lang="en-US" sz="1600"/>
                         <a:t>Hard</a:t>
                       </a:r>
-                      <a:endParaRPr lang="en-IN"/>
+                      <a:endParaRPr lang="en-IN" sz="1600"/>
                     </a:p>
                   </a:txBody>
                   <a:tcPr/>
@@ -17065,10 +17967,10 @@
                     <a:lstStyle/>
                     <a:p>
                       <a:r>
-                        <a:rPr lang="en-US"/>
+                        <a:rPr lang="en-US" sz="1600"/>
                         <a:t>25</a:t>
                       </a:r>
-                      <a:endParaRPr lang="en-IN"/>
+                      <a:endParaRPr lang="en-IN" sz="1600"/>
                     </a:p>
                   </a:txBody>
                   <a:tcPr/>
@@ -17078,7 +17980,7 @@
                     <a:bodyPr/>
                     <a:lstStyle/>
                     <a:p>
-                      <a:endParaRPr lang="en-IN"/>
+                      <a:endParaRPr lang="en-IN" sz="1200" dirty="0"/>
                     </a:p>
                   </a:txBody>
                   <a:tcPr/>
@@ -17089,10 +17991,10 @@
                     <a:lstStyle/>
                     <a:p>
                       <a:r>
-                        <a:rPr lang="en-US"/>
+                        <a:rPr lang="en-US" sz="1600"/>
                         <a:t>-</a:t>
                       </a:r>
-                      <a:endParaRPr lang="en-IN"/>
+                      <a:endParaRPr lang="en-IN" sz="1600"/>
                     </a:p>
                   </a:txBody>
                   <a:tcPr/>
@@ -17110,7 +18012,7 @@
                     <a:lstStyle/>
                     <a:p>
                       <a:r>
-                        <a:rPr lang="en-US">
+                        <a:rPr lang="en-US" sz="1600">
                           <a:solidFill>
                             <a:schemeClr val="bg2">
                               <a:lumMod val="50000"/>
@@ -17119,7 +18021,7 @@
                         </a:rPr>
                         <a:t>2</a:t>
                       </a:r>
-                      <a:endParaRPr lang="en-IN">
+                      <a:endParaRPr lang="en-IN" sz="1600">
                         <a:solidFill>
                           <a:schemeClr val="bg2">
                             <a:lumMod val="50000"/>
@@ -17136,7 +18038,7 @@
                     <a:lstStyle/>
                     <a:p>
                       <a:r>
-                        <a:rPr lang="en-US" b="1" err="1">
+                        <a:rPr lang="en-US" sz="1600" b="1" err="1">
                           <a:solidFill>
                             <a:schemeClr val="bg2">
                               <a:lumMod val="50000"/>
@@ -17145,7 +18047,7 @@
                         </a:rPr>
                         <a:t>SparsePowerFlow</a:t>
                       </a:r>
-                      <a:endParaRPr lang="en-IN" b="1">
+                      <a:endParaRPr lang="en-IN" sz="1600" b="1">
                         <a:solidFill>
                           <a:schemeClr val="bg2">
                             <a:lumMod val="50000"/>
@@ -17162,10 +18064,10 @@
                     <a:lstStyle/>
                     <a:p>
                       <a:r>
-                        <a:rPr lang="en-US"/>
+                        <a:rPr lang="en-US" sz="1600"/>
                         <a:t>Very Hard</a:t>
                       </a:r>
-                      <a:endParaRPr lang="en-IN"/>
+                      <a:endParaRPr lang="en-IN" sz="1600"/>
                     </a:p>
                   </a:txBody>
                   <a:tcPr/>
@@ -17176,10 +18078,10 @@
                     <a:lstStyle/>
                     <a:p>
                       <a:r>
-                        <a:rPr lang="en-US"/>
+                        <a:rPr lang="en-US" sz="1600"/>
                         <a:t>50</a:t>
                       </a:r>
-                      <a:endParaRPr lang="en-IN"/>
+                      <a:endParaRPr lang="en-IN" sz="1600"/>
                     </a:p>
                   </a:txBody>
                   <a:tcPr/>
@@ -17190,10 +18092,10 @@
                     <a:lstStyle/>
                     <a:p>
                       <a:r>
-                        <a:rPr lang="en-US"/>
+                        <a:rPr lang="en-US" sz="1200" dirty="0"/>
                         <a:t>Most of the time spent in ideation.</a:t>
                       </a:r>
-                      <a:endParaRPr lang="en-IN"/>
+                      <a:endParaRPr lang="en-IN" sz="1200" dirty="0"/>
                     </a:p>
                   </a:txBody>
                   <a:tcPr/>
@@ -17204,10 +18106,10 @@
                     <a:lstStyle/>
                     <a:p>
                       <a:r>
-                        <a:rPr lang="en-US"/>
+                        <a:rPr lang="en-US" sz="1600"/>
                         <a:t>-</a:t>
                       </a:r>
-                      <a:endParaRPr lang="en-IN"/>
+                      <a:endParaRPr lang="en-IN" sz="1600"/>
                     </a:p>
                   </a:txBody>
                   <a:tcPr/>
@@ -17225,14 +18127,14 @@
                     <a:lstStyle/>
                     <a:p>
                       <a:r>
-                        <a:rPr lang="en-US" b="1">
+                        <a:rPr lang="en-US" sz="1600" b="1">
                           <a:solidFill>
                             <a:srgbClr val="C00000"/>
                           </a:solidFill>
                         </a:rPr>
                         <a:t>3</a:t>
                       </a:r>
-                      <a:endParaRPr lang="en-IN" b="1">
+                      <a:endParaRPr lang="en-IN" sz="1600" b="1">
                         <a:solidFill>
                           <a:srgbClr val="C00000"/>
                         </a:solidFill>
@@ -17247,14 +18149,14 @@
                     <a:lstStyle/>
                     <a:p>
                       <a:r>
-                        <a:rPr lang="en-US" b="1">
+                        <a:rPr lang="en-US" sz="1600" b="1">
                           <a:solidFill>
                             <a:srgbClr val="C00000"/>
                           </a:solidFill>
                         </a:rPr>
                         <a:t>ContinuationPowerFlow</a:t>
                       </a:r>
-                      <a:endParaRPr lang="en-IN" b="1">
+                      <a:endParaRPr lang="en-IN" sz="1600" b="1">
                         <a:solidFill>
                           <a:srgbClr val="C00000"/>
                         </a:solidFill>
@@ -17269,10 +18171,10 @@
                     <a:lstStyle/>
                     <a:p>
                       <a:r>
-                        <a:rPr lang="en-US"/>
+                        <a:rPr lang="en-US" sz="1600"/>
                         <a:t>Medium</a:t>
                       </a:r>
-                      <a:endParaRPr lang="en-IN"/>
+                      <a:endParaRPr lang="en-IN" sz="1600"/>
                     </a:p>
                   </a:txBody>
                   <a:tcPr/>
@@ -17283,10 +18185,10 @@
                     <a:lstStyle/>
                     <a:p>
                       <a:r>
-                        <a:rPr lang="en-US"/>
+                        <a:rPr lang="en-US" sz="1600"/>
                         <a:t>10</a:t>
                       </a:r>
-                      <a:endParaRPr lang="en-IN"/>
+                      <a:endParaRPr lang="en-IN" sz="1600"/>
                     </a:p>
                   </a:txBody>
                   <a:tcPr/>
@@ -17296,7 +18198,7 @@
                     <a:bodyPr/>
                     <a:lstStyle/>
                     <a:p>
-                      <a:endParaRPr lang="en-IN"/>
+                      <a:endParaRPr lang="en-IN" sz="1200" dirty="0"/>
                     </a:p>
                   </a:txBody>
                   <a:tcPr/>
@@ -17307,14 +18209,14 @@
                     <a:lstStyle/>
                     <a:p>
                       <a:r>
-                        <a:rPr lang="en-US" b="1">
+                        <a:rPr lang="en-US" sz="1600" b="1">
                           <a:solidFill>
                             <a:srgbClr val="002060"/>
                           </a:solidFill>
                         </a:rPr>
                         <a:t>P1</a:t>
                       </a:r>
-                      <a:endParaRPr lang="en-IN" b="1">
+                      <a:endParaRPr lang="en-IN" sz="1600" b="1">
                         <a:solidFill>
                           <a:srgbClr val="002060"/>
                         </a:solidFill>
@@ -17336,7 +18238,7 @@
                     <a:lstStyle/>
                     <a:p>
                       <a:r>
-                        <a:rPr lang="en-US" b="1">
+                        <a:rPr lang="en-US" sz="1600" b="1">
                           <a:solidFill>
                             <a:schemeClr val="accent6">
                               <a:lumMod val="75000"/>
@@ -17345,7 +18247,7 @@
                         </a:rPr>
                         <a:t>4</a:t>
                       </a:r>
-                      <a:endParaRPr lang="en-IN" b="1">
+                      <a:endParaRPr lang="en-IN" sz="1600" b="1">
                         <a:solidFill>
                           <a:schemeClr val="accent6">
                             <a:lumMod val="75000"/>
@@ -17362,7 +18264,7 @@
                     <a:lstStyle/>
                     <a:p>
                       <a:r>
-                        <a:rPr lang="en-US" b="1" err="1">
+                        <a:rPr lang="en-US" sz="1600" b="1" err="1">
                           <a:solidFill>
                             <a:schemeClr val="accent6">
                               <a:lumMod val="75000"/>
@@ -17371,7 +18273,7 @@
                         </a:rPr>
                         <a:t>StateEstimation</a:t>
                       </a:r>
-                      <a:endParaRPr lang="en-IN" b="1">
+                      <a:endParaRPr lang="en-IN" sz="1600" b="1">
                         <a:solidFill>
                           <a:schemeClr val="accent6">
                             <a:lumMod val="75000"/>
@@ -17388,10 +18290,10 @@
                     <a:lstStyle/>
                     <a:p>
                       <a:r>
-                        <a:rPr lang="en-US"/>
+                        <a:rPr lang="en-US" sz="1600"/>
                         <a:t>Hard</a:t>
                       </a:r>
-                      <a:endParaRPr lang="en-IN"/>
+                      <a:endParaRPr lang="en-IN" sz="1600"/>
                     </a:p>
                   </a:txBody>
                   <a:tcPr/>
@@ -17402,10 +18304,10 @@
                     <a:lstStyle/>
                     <a:p>
                       <a:r>
-                        <a:rPr lang="en-US"/>
+                        <a:rPr lang="en-US" sz="1600"/>
                         <a:t>25</a:t>
                       </a:r>
-                      <a:endParaRPr lang="en-IN"/>
+                      <a:endParaRPr lang="en-IN" sz="1600"/>
                     </a:p>
                   </a:txBody>
                   <a:tcPr/>
@@ -17416,10 +18318,10 @@
                     <a:lstStyle/>
                     <a:p>
                       <a:r>
-                        <a:rPr lang="en-US"/>
+                        <a:rPr lang="en-US" sz="1200" dirty="0"/>
                         <a:t>Was never implemented by me.</a:t>
                       </a:r>
-                      <a:endParaRPr lang="en-IN"/>
+                      <a:endParaRPr lang="en-IN" sz="1200" dirty="0"/>
                     </a:p>
                   </a:txBody>
                   <a:tcPr/>
@@ -17430,14 +18332,14 @@
                     <a:lstStyle/>
                     <a:p>
                       <a:r>
-                        <a:rPr lang="en-US" b="1">
+                        <a:rPr lang="en-US" sz="1600" b="1">
                           <a:solidFill>
                             <a:srgbClr val="002060"/>
                           </a:solidFill>
                         </a:rPr>
                         <a:t>P1</a:t>
                       </a:r>
-                      <a:endParaRPr lang="en-IN" b="1">
+                      <a:endParaRPr lang="en-IN" sz="1600" b="1">
                         <a:solidFill>
                           <a:srgbClr val="002060"/>
                         </a:solidFill>
@@ -17459,7 +18361,7 @@
                     <a:lstStyle/>
                     <a:p>
                       <a:r>
-                        <a:rPr lang="en-US" b="1">
+                        <a:rPr lang="en-US" sz="1600" b="1" dirty="0">
                           <a:solidFill>
                             <a:schemeClr val="accent2">
                               <a:lumMod val="75000"/>
@@ -17468,7 +18370,7 @@
                         </a:rPr>
                         <a:t>5</a:t>
                       </a:r>
-                      <a:endParaRPr lang="en-IN" b="1">
+                      <a:endParaRPr lang="en-IN" sz="1600" b="1" dirty="0">
                         <a:solidFill>
                           <a:schemeClr val="accent2">
                             <a:lumMod val="75000"/>
@@ -17485,7 +18387,7 @@
                     <a:lstStyle/>
                     <a:p>
                       <a:r>
-                        <a:rPr lang="en-US" b="1" err="1">
+                        <a:rPr lang="en-US" sz="1600" b="1" dirty="0" err="1">
                           <a:solidFill>
                             <a:schemeClr val="accent2">
                               <a:lumMod val="75000"/>
@@ -17494,7 +18396,7 @@
                         </a:rPr>
                         <a:t>OptimalPowerFlow</a:t>
                       </a:r>
-                      <a:endParaRPr lang="en-IN" b="1">
+                      <a:endParaRPr lang="en-IN" sz="1600" b="1" dirty="0">
                         <a:solidFill>
                           <a:schemeClr val="accent2">
                             <a:lumMod val="75000"/>
@@ -17511,10 +18413,10 @@
                     <a:lstStyle/>
                     <a:p>
                       <a:r>
-                        <a:rPr lang="en-US"/>
+                        <a:rPr lang="en-US" sz="1600" dirty="0"/>
                         <a:t>Hard</a:t>
                       </a:r>
-                      <a:endParaRPr lang="en-IN"/>
+                      <a:endParaRPr lang="en-IN" sz="1600" dirty="0"/>
                     </a:p>
                   </a:txBody>
                   <a:tcPr/>
@@ -17525,10 +18427,10 @@
                     <a:lstStyle/>
                     <a:p>
                       <a:r>
-                        <a:rPr lang="en-US"/>
+                        <a:rPr lang="en-US" sz="1600"/>
                         <a:t>25</a:t>
                       </a:r>
-                      <a:endParaRPr lang="en-IN"/>
+                      <a:endParaRPr lang="en-IN" sz="1600"/>
                     </a:p>
                   </a:txBody>
                   <a:tcPr/>
@@ -17539,10 +18441,10 @@
                     <a:lstStyle/>
                     <a:p>
                       <a:r>
-                        <a:rPr lang="en-US"/>
+                        <a:rPr lang="en-US" sz="1200" dirty="0"/>
                         <a:t>Has an easy part and a head-banging part.</a:t>
                       </a:r>
-                      <a:endParaRPr lang="en-IN"/>
+                      <a:endParaRPr lang="en-IN" sz="1200" dirty="0"/>
                     </a:p>
                   </a:txBody>
                   <a:tcPr/>
@@ -17553,14 +18455,14 @@
                     <a:lstStyle/>
                     <a:p>
                       <a:r>
-                        <a:rPr lang="en-US" b="1">
+                        <a:rPr lang="en-US" sz="1600" b="1" dirty="0">
                           <a:solidFill>
                             <a:srgbClr val="002060"/>
                           </a:solidFill>
                         </a:rPr>
                         <a:t>P1</a:t>
                       </a:r>
-                      <a:endParaRPr lang="en-IN" b="1">
+                      <a:endParaRPr lang="en-IN" sz="1600" b="1" dirty="0">
                         <a:solidFill>
                           <a:srgbClr val="002060"/>
                         </a:solidFill>
@@ -17572,6 +18474,216 @@
                 <a:extLst>
                   <a:ext uri="{0D108BD9-81ED-4DB2-BD59-A6C34878D82A}">
                     <a16:rowId xmlns:a16="http://schemas.microsoft.com/office/drawing/2014/main" val="3914988584"/>
+                  </a:ext>
+                </a:extLst>
+              </a:tr>
+              <a:tr h="370840">
+                <a:tc>
+                  <a:txBody>
+                    <a:bodyPr/>
+                    <a:lstStyle/>
+                    <a:p>
+                      <a:r>
+                        <a:rPr lang="en-IN" sz="1600" b="1" dirty="0">
+                          <a:solidFill>
+                            <a:srgbClr val="9558B2"/>
+                          </a:solidFill>
+                        </a:rPr>
+                        <a:t>6</a:t>
+                      </a:r>
+                    </a:p>
+                  </a:txBody>
+                  <a:tcPr/>
+                </a:tc>
+                <a:tc>
+                  <a:txBody>
+                    <a:bodyPr/>
+                    <a:lstStyle/>
+                    <a:p>
+                      <a:r>
+                        <a:rPr lang="en-IN" sz="1600" b="1" dirty="0" err="1">
+                          <a:solidFill>
+                            <a:srgbClr val="9558B2"/>
+                          </a:solidFill>
+                        </a:rPr>
+                        <a:t>SmallSignalStability</a:t>
+                      </a:r>
+                      <a:endParaRPr lang="en-IN" sz="1600" b="1" dirty="0">
+                        <a:solidFill>
+                          <a:srgbClr val="9558B2"/>
+                        </a:solidFill>
+                      </a:endParaRPr>
+                    </a:p>
+                  </a:txBody>
+                  <a:tcPr/>
+                </a:tc>
+                <a:tc>
+                  <a:txBody>
+                    <a:bodyPr/>
+                    <a:lstStyle/>
+                    <a:p>
+                      <a:r>
+                        <a:rPr lang="en-IN" sz="1600" dirty="0"/>
+                        <a:t>Hard</a:t>
+                      </a:r>
+                    </a:p>
+                  </a:txBody>
+                  <a:tcPr/>
+                </a:tc>
+                <a:tc>
+                  <a:txBody>
+                    <a:bodyPr/>
+                    <a:lstStyle/>
+                    <a:p>
+                      <a:r>
+                        <a:rPr lang="en-IN" sz="1600" dirty="0"/>
+                        <a:t>20</a:t>
+                      </a:r>
+                    </a:p>
+                  </a:txBody>
+                  <a:tcPr/>
+                </a:tc>
+                <a:tc>
+                  <a:txBody>
+                    <a:bodyPr/>
+                    <a:lstStyle/>
+                    <a:p>
+                      <a:r>
+                        <a:rPr lang="en-IN" sz="1200" dirty="0"/>
+                        <a:t>Clean, scalable setup requires time. Hard to get correct.</a:t>
+                      </a:r>
+                    </a:p>
+                  </a:txBody>
+                  <a:tcPr/>
+                </a:tc>
+                <a:tc>
+                  <a:txBody>
+                    <a:bodyPr/>
+                    <a:lstStyle/>
+                    <a:p>
+                      <a:r>
+                        <a:rPr lang="en-IN" sz="1600" b="1" dirty="0">
+                          <a:solidFill>
+                            <a:srgbClr val="002060"/>
+                          </a:solidFill>
+                        </a:rPr>
+                        <a:t>P1</a:t>
+                      </a:r>
+                    </a:p>
+                  </a:txBody>
+                  <a:tcPr/>
+                </a:tc>
+                <a:extLst>
+                  <a:ext uri="{0D108BD9-81ED-4DB2-BD59-A6C34878D82A}">
+                    <a16:rowId xmlns:a16="http://schemas.microsoft.com/office/drawing/2014/main" val="4216593914"/>
+                  </a:ext>
+                </a:extLst>
+              </a:tr>
+              <a:tr h="370840">
+                <a:tc>
+                  <a:txBody>
+                    <a:bodyPr/>
+                    <a:lstStyle/>
+                    <a:p>
+                      <a:r>
+                        <a:rPr lang="en-IN" sz="1600" b="1" dirty="0">
+                          <a:solidFill>
+                            <a:schemeClr val="accent2">
+                              <a:lumMod val="75000"/>
+                            </a:schemeClr>
+                          </a:solidFill>
+                        </a:rPr>
+                        <a:t>7</a:t>
+                      </a:r>
+                    </a:p>
+                  </a:txBody>
+                  <a:tcPr/>
+                </a:tc>
+                <a:tc>
+                  <a:txBody>
+                    <a:bodyPr/>
+                    <a:lstStyle/>
+                    <a:p>
+                      <a:r>
+                        <a:rPr lang="en-IN" sz="1600" b="1" dirty="0" err="1">
+                          <a:solidFill>
+                            <a:schemeClr val="accent2">
+                              <a:lumMod val="75000"/>
+                            </a:schemeClr>
+                          </a:solidFill>
+                        </a:rPr>
+                        <a:t>TransientStability</a:t>
+                      </a:r>
+                      <a:endParaRPr lang="en-IN" sz="1600" b="1" dirty="0">
+                        <a:solidFill>
+                          <a:schemeClr val="accent2">
+                            <a:lumMod val="75000"/>
+                          </a:schemeClr>
+                        </a:solidFill>
+                      </a:endParaRPr>
+                    </a:p>
+                  </a:txBody>
+                  <a:tcPr/>
+                </a:tc>
+                <a:tc>
+                  <a:txBody>
+                    <a:bodyPr/>
+                    <a:lstStyle/>
+                    <a:p>
+                      <a:r>
+                        <a:rPr lang="en-IN" sz="1600" dirty="0"/>
+                        <a:t>Hard</a:t>
+                      </a:r>
+                    </a:p>
+                  </a:txBody>
+                  <a:tcPr/>
+                </a:tc>
+                <a:tc>
+                  <a:txBody>
+                    <a:bodyPr/>
+                    <a:lstStyle/>
+                    <a:p>
+                      <a:r>
+                        <a:rPr lang="en-IN" sz="1600" dirty="0"/>
+                        <a:t>20</a:t>
+                      </a:r>
+                    </a:p>
+                  </a:txBody>
+                  <a:tcPr/>
+                </a:tc>
+                <a:tc>
+                  <a:txBody>
+                    <a:bodyPr/>
+                    <a:lstStyle/>
+                    <a:p>
+                      <a:r>
+                        <a:rPr lang="en-IN" sz="1200" dirty="0"/>
+                        <a:t>Type 2 (easy to model, assuming good P6) and Type 1 (more involved) never done by me.</a:t>
+                      </a:r>
+                    </a:p>
+                  </a:txBody>
+                  <a:tcPr/>
+                </a:tc>
+                <a:tc>
+                  <a:txBody>
+                    <a:bodyPr/>
+                    <a:lstStyle/>
+                    <a:p>
+                      <a:r>
+                        <a:rPr lang="en-IN" sz="1600" b="1" dirty="0">
+                          <a:solidFill>
+                            <a:srgbClr val="9558B2"/>
+                          </a:solidFill>
+                        </a:rPr>
+                        <a:t>P6</a:t>
+                      </a:r>
+                    </a:p>
+                  </a:txBody>
+                  <a:tcPr/>
+                </a:tc>
+                <a:extLst>
+                  <a:ext uri="{0D108BD9-81ED-4DB2-BD59-A6C34878D82A}">
+                    <a16:rowId xmlns:a16="http://schemas.microsoft.com/office/drawing/2014/main" val="2617982693"/>
                   </a:ext>
                 </a:extLst>
               </a:tr>
@@ -17592,7 +18704,7 @@
 </p:sld>
 </file>
 
-<file path=ppt/slides/slide37.xml><?xml version="1.0" encoding="utf-8"?>
+<file path=ppt/slides/slide39.xml><?xml version="1.0" encoding="utf-8"?>
 <p:sld xmlns:a="http://schemas.openxmlformats.org/drawingml/2006/main" xmlns:r="http://schemas.openxmlformats.org/officeDocument/2006/relationships" xmlns:p="http://schemas.openxmlformats.org/presentationml/2006/main">
   <p:cSld>
     <p:spTree>
@@ -17717,110 +18829,6 @@
     <p:extLst>
       <p:ext uri="{BB962C8B-B14F-4D97-AF65-F5344CB8AC3E}">
         <p14:creationId xmlns:p14="http://schemas.microsoft.com/office/powerpoint/2010/main" val="2374138527"/>
-      </p:ext>
-    </p:extLst>
-  </p:cSld>
-  <p:clrMapOvr>
-    <a:masterClrMapping/>
-  </p:clrMapOvr>
-</p:sld>
-</file>
-
-<file path=ppt/slides/slide38.xml><?xml version="1.0" encoding="utf-8"?>
-<p:sld xmlns:a="http://schemas.openxmlformats.org/drawingml/2006/main" xmlns:r="http://schemas.openxmlformats.org/officeDocument/2006/relationships" xmlns:p="http://schemas.openxmlformats.org/presentationml/2006/main">
-  <p:cSld>
-    <p:spTree>
-      <p:nvGrpSpPr>
-        <p:cNvPr id="1" name=""/>
-        <p:cNvGrpSpPr/>
-        <p:nvPr/>
-      </p:nvGrpSpPr>
-      <p:grpSpPr>
-        <a:xfrm>
-          <a:off x="0" y="0"/>
-          <a:ext cx="0" cy="0"/>
-          <a:chOff x="0" y="0"/>
-          <a:chExt cx="0" cy="0"/>
-        </a:xfrm>
-      </p:grpSpPr>
-      <p:sp>
-        <p:nvSpPr>
-          <p:cNvPr id="2" name="Title 1">
-            <a:extLst>
-              <a:ext uri="{FF2B5EF4-FFF2-40B4-BE49-F238E27FC236}">
-                <a16:creationId xmlns:a16="http://schemas.microsoft.com/office/drawing/2014/main" id="{D6138808-F977-394F-1A5B-61193AE2BE99}"/>
-              </a:ext>
-            </a:extLst>
-          </p:cNvPr>
-          <p:cNvSpPr>
-            <a:spLocks noGrp="1"/>
-          </p:cNvSpPr>
-          <p:nvPr>
-            <p:ph type="title"/>
-          </p:nvPr>
-        </p:nvSpPr>
-        <p:spPr/>
-        <p:txBody>
-          <a:bodyPr/>
-          <a:lstStyle/>
-          <a:p>
-            <a:pPr algn="ctr"/>
-            <a:r>
-              <a:rPr lang="en-US">
-                <a:latin typeface="Calisto MT" panose="02040603050505030304" pitchFamily="18" charset="0"/>
-              </a:rPr>
-              <a:t>May our </a:t>
-            </a:r>
-            <a:r>
-              <a:rPr lang="en-US">
-                <a:solidFill>
-                  <a:srgbClr val="7030A0"/>
-                </a:solidFill>
-                <a:latin typeface="Calisto MT" panose="02040603050505030304" pitchFamily="18" charset="0"/>
-              </a:rPr>
-              <a:t>package</a:t>
-            </a:r>
-            <a:r>
-              <a:rPr lang="en-US">
-                <a:latin typeface="Calisto MT" panose="02040603050505030304" pitchFamily="18" charset="0"/>
-              </a:rPr>
-              <a:t> be glorious!</a:t>
-            </a:r>
-            <a:endParaRPr lang="en-IN">
-              <a:latin typeface="Calisto MT" panose="02040603050505030304" pitchFamily="18" charset="0"/>
-            </a:endParaRPr>
-          </a:p>
-        </p:txBody>
-      </p:sp>
-      <p:sp>
-        <p:nvSpPr>
-          <p:cNvPr id="3" name="Content Placeholder 2">
-            <a:extLst>
-              <a:ext uri="{FF2B5EF4-FFF2-40B4-BE49-F238E27FC236}">
-                <a16:creationId xmlns:a16="http://schemas.microsoft.com/office/drawing/2014/main" id="{908D5652-B405-EAC9-EA04-B2BDE3482E0E}"/>
-              </a:ext>
-            </a:extLst>
-          </p:cNvPr>
-          <p:cNvSpPr>
-            <a:spLocks noGrp="1"/>
-          </p:cNvSpPr>
-          <p:nvPr>
-            <p:ph idx="1"/>
-          </p:nvPr>
-        </p:nvSpPr>
-        <p:spPr/>
-        <p:txBody>
-          <a:bodyPr/>
-          <a:lstStyle/>
-          <a:p>
-            <a:endParaRPr lang="en-IN"/>
-          </a:p>
-        </p:txBody>
-      </p:sp>
-    </p:spTree>
-    <p:extLst>
-      <p:ext uri="{BB962C8B-B14F-4D97-AF65-F5344CB8AC3E}">
-        <p14:creationId xmlns:p14="http://schemas.microsoft.com/office/powerpoint/2010/main" val="2725558992"/>
       </p:ext>
     </p:extLst>
   </p:cSld>
@@ -18056,6 +19064,110 @@
     <p:extLst>
       <p:ext uri="{BB962C8B-B14F-4D97-AF65-F5344CB8AC3E}">
         <p14:creationId xmlns:p14="http://schemas.microsoft.com/office/powerpoint/2010/main" val="1141745103"/>
+      </p:ext>
+    </p:extLst>
+  </p:cSld>
+  <p:clrMapOvr>
+    <a:masterClrMapping/>
+  </p:clrMapOvr>
+</p:sld>
+</file>
+
+<file path=ppt/slides/slide40.xml><?xml version="1.0" encoding="utf-8"?>
+<p:sld xmlns:a="http://schemas.openxmlformats.org/drawingml/2006/main" xmlns:r="http://schemas.openxmlformats.org/officeDocument/2006/relationships" xmlns:p="http://schemas.openxmlformats.org/presentationml/2006/main">
+  <p:cSld>
+    <p:spTree>
+      <p:nvGrpSpPr>
+        <p:cNvPr id="1" name=""/>
+        <p:cNvGrpSpPr/>
+        <p:nvPr/>
+      </p:nvGrpSpPr>
+      <p:grpSpPr>
+        <a:xfrm>
+          <a:off x="0" y="0"/>
+          <a:ext cx="0" cy="0"/>
+          <a:chOff x="0" y="0"/>
+          <a:chExt cx="0" cy="0"/>
+        </a:xfrm>
+      </p:grpSpPr>
+      <p:sp>
+        <p:nvSpPr>
+          <p:cNvPr id="2" name="Title 1">
+            <a:extLst>
+              <a:ext uri="{FF2B5EF4-FFF2-40B4-BE49-F238E27FC236}">
+                <a16:creationId xmlns:a16="http://schemas.microsoft.com/office/drawing/2014/main" id="{D6138808-F977-394F-1A5B-61193AE2BE99}"/>
+              </a:ext>
+            </a:extLst>
+          </p:cNvPr>
+          <p:cNvSpPr>
+            <a:spLocks noGrp="1"/>
+          </p:cNvSpPr>
+          <p:nvPr>
+            <p:ph type="title"/>
+          </p:nvPr>
+        </p:nvSpPr>
+        <p:spPr/>
+        <p:txBody>
+          <a:bodyPr/>
+          <a:lstStyle/>
+          <a:p>
+            <a:pPr algn="ctr"/>
+            <a:r>
+              <a:rPr lang="en-US">
+                <a:latin typeface="Calisto MT" panose="02040603050505030304" pitchFamily="18" charset="0"/>
+              </a:rPr>
+              <a:t>May our </a:t>
+            </a:r>
+            <a:r>
+              <a:rPr lang="en-US">
+                <a:solidFill>
+                  <a:srgbClr val="7030A0"/>
+                </a:solidFill>
+                <a:latin typeface="Calisto MT" panose="02040603050505030304" pitchFamily="18" charset="0"/>
+              </a:rPr>
+              <a:t>package</a:t>
+            </a:r>
+            <a:r>
+              <a:rPr lang="en-US">
+                <a:latin typeface="Calisto MT" panose="02040603050505030304" pitchFamily="18" charset="0"/>
+              </a:rPr>
+              <a:t> be glorious!</a:t>
+            </a:r>
+            <a:endParaRPr lang="en-IN">
+              <a:latin typeface="Calisto MT" panose="02040603050505030304" pitchFamily="18" charset="0"/>
+            </a:endParaRPr>
+          </a:p>
+        </p:txBody>
+      </p:sp>
+      <p:sp>
+        <p:nvSpPr>
+          <p:cNvPr id="3" name="Content Placeholder 2">
+            <a:extLst>
+              <a:ext uri="{FF2B5EF4-FFF2-40B4-BE49-F238E27FC236}">
+                <a16:creationId xmlns:a16="http://schemas.microsoft.com/office/drawing/2014/main" id="{908D5652-B405-EAC9-EA04-B2BDE3482E0E}"/>
+              </a:ext>
+            </a:extLst>
+          </p:cNvPr>
+          <p:cNvSpPr>
+            <a:spLocks noGrp="1"/>
+          </p:cNvSpPr>
+          <p:nvPr>
+            <p:ph idx="1"/>
+          </p:nvPr>
+        </p:nvSpPr>
+        <p:spPr/>
+        <p:txBody>
+          <a:bodyPr/>
+          <a:lstStyle/>
+          <a:p>
+            <a:endParaRPr lang="en-IN"/>
+          </a:p>
+        </p:txBody>
+      </p:sp>
+    </p:spTree>
+    <p:extLst>
+      <p:ext uri="{BB962C8B-B14F-4D97-AF65-F5344CB8AC3E}">
+        <p14:creationId xmlns:p14="http://schemas.microsoft.com/office/powerpoint/2010/main" val="2725558992"/>
       </p:ext>
     </p:extLst>
   </p:cSld>
@@ -18506,8 +19618,8 @@
           </a:p>
         </p:txBody>
       </p:sp>
-      <mc:AlternateContent xmlns:mc="http://schemas.openxmlformats.org/markup-compatibility/2006">
-        <mc:Choice xmlns:a14="http://schemas.microsoft.com/office/drawing/2010/main" Requires="a14">
+      <mc:AlternateContent xmlns:mc="http://schemas.openxmlformats.org/markup-compatibility/2006" xmlns:a14="http://schemas.microsoft.com/office/drawing/2010/main">
+        <mc:Choice Requires="a14">
           <p:sp>
             <p:nvSpPr>
               <p:cNvPr id="3" name="Content Placeholder 2">
@@ -19245,7 +20357,7 @@
             </p:txBody>
           </p:sp>
         </mc:Choice>
-        <mc:Fallback>
+        <mc:Fallback xmlns="">
           <p:sp>
             <p:nvSpPr>
               <p:cNvPr id="3" name="Content Placeholder 2">
@@ -20514,15 +21626,6 @@
 </file>
 
 <file path=customXml/item1.xml><?xml version="1.0" encoding="utf-8"?>
-<?mso-contentType ?>
-<FormTemplates xmlns="http://schemas.microsoft.com/sharepoint/v3/contenttype/forms">
-  <Display>DocumentLibraryForm</Display>
-  <Edit>DocumentLibraryForm</Edit>
-  <New>DocumentLibraryForm</New>
-</FormTemplates>
-</file>
-
-<file path=customXml/item2.xml><?xml version="1.0" encoding="utf-8"?>
 <ct:contentTypeSchema xmlns:ct="http://schemas.microsoft.com/office/2006/metadata/contentType" xmlns:ma="http://schemas.microsoft.com/office/2006/metadata/properties/metaAttributes" ct:_="" ma:_="" ma:contentTypeName="Document" ma:contentTypeID="0x0101008EDD631CF16A9D4597B7910261C15C8D" ma:contentTypeVersion="8" ma:contentTypeDescription="Create a new document." ma:contentTypeScope="" ma:versionID="6df697ab8c469b327c4ca0ad6150b4d8">
   <xsd:schema xmlns:xsd="http://www.w3.org/2001/XMLSchema" xmlns:xs="http://www.w3.org/2001/XMLSchema" xmlns:p="http://schemas.microsoft.com/office/2006/metadata/properties" xmlns:ns3="07b86a79-a0e0-4fae-97d8-d960552457a2" xmlns:ns4="40f16175-07f6-4179-a7d3-44240c48c007" targetNamespace="http://schemas.microsoft.com/office/2006/metadata/properties" ma:root="true" ma:fieldsID="82c1df116234835aaac4f6705de5e513" ns3:_="" ns4:_="">
     <xsd:import namespace="07b86a79-a0e0-4fae-97d8-d960552457a2"/>
@@ -20711,6 +21814,15 @@
 </ct:contentTypeSchema>
 </file>
 
+<file path=customXml/item2.xml><?xml version="1.0" encoding="utf-8"?>
+<?mso-contentType ?>
+<FormTemplates xmlns="http://schemas.microsoft.com/sharepoint/v3/contenttype/forms">
+  <Display>DocumentLibraryForm</Display>
+  <Edit>DocumentLibraryForm</Edit>
+  <New>DocumentLibraryForm</New>
+</FormTemplates>
+</file>
+
 <file path=customXml/item3.xml><?xml version="1.0" encoding="utf-8"?>
 <p:properties xmlns:p="http://schemas.microsoft.com/office/2006/metadata/properties" xmlns:xsi="http://www.w3.org/2001/XMLSchema-instance" xmlns:pc="http://schemas.microsoft.com/office/infopath/2007/PartnerControls">
   <documentManagement>
@@ -20720,14 +21832,6 @@
 </file>
 
 <file path=customXml/itemProps1.xml><?xml version="1.0" encoding="utf-8"?>
-<ds:datastoreItem xmlns:ds="http://schemas.openxmlformats.org/officeDocument/2006/customXml" ds:itemID="{8397E5B5-CBAB-4D43-BECA-E802B196F34B}">
-  <ds:schemaRefs>
-    <ds:schemaRef ds:uri="http://schemas.microsoft.com/sharepoint/v3/contenttype/forms"/>
-  </ds:schemaRefs>
-</ds:datastoreItem>
-</file>
-
-<file path=customXml/itemProps2.xml><?xml version="1.0" encoding="utf-8"?>
 <ds:datastoreItem xmlns:ds="http://schemas.openxmlformats.org/officeDocument/2006/customXml" ds:itemID="{837DA910-2E67-4D61-A7CC-4E283793B666}">
   <ds:schemaRefs>
     <ds:schemaRef ds:uri="07b86a79-a0e0-4fae-97d8-d960552457a2"/>
@@ -20742,6 +21846,14 @@
     <ds:schemaRef ds:uri="http://schemas.microsoft.com/office/infopath/2007/PartnerControls"/>
     <ds:schemaRef ds:uri="http://schemas.openxmlformats.org/package/2006/metadata/core-properties"/>
     <ds:schemaRef ds:uri="http://www.w3.org/2001/XMLSchema"/>
+  </ds:schemaRefs>
+</ds:datastoreItem>
+</file>
+
+<file path=customXml/itemProps2.xml><?xml version="1.0" encoding="utf-8"?>
+<ds:datastoreItem xmlns:ds="http://schemas.openxmlformats.org/officeDocument/2006/customXml" ds:itemID="{8397E5B5-CBAB-4D43-BECA-E802B196F34B}">
+  <ds:schemaRefs>
+    <ds:schemaRef ds:uri="http://schemas.microsoft.com/sharepoint/v3/contenttype/forms"/>
   </ds:schemaRefs>
 </ds:datastoreItem>
 </file>
